--- a/PoliticalProfiling-NLP+FeatureEngg-MSDSSMU-Fall2018.pptx
+++ b/PoliticalProfiling-NLP+FeatureEngg-MSDSSMU-Fall2018.pptx
@@ -16,30 +16,30 @@
     <p:sldId id="258" r:id="rId7"/>
     <p:sldId id="259" r:id="rId8"/>
     <p:sldId id="277" r:id="rId9"/>
-    <p:sldId id="276" r:id="rId10"/>
-    <p:sldId id="291" r:id="rId11"/>
-    <p:sldId id="262" r:id="rId12"/>
-    <p:sldId id="263" r:id="rId13"/>
-    <p:sldId id="279" r:id="rId14"/>
-    <p:sldId id="264" r:id="rId15"/>
-    <p:sldId id="265" r:id="rId16"/>
-    <p:sldId id="280" r:id="rId17"/>
-    <p:sldId id="266" r:id="rId18"/>
-    <p:sldId id="267" r:id="rId19"/>
-    <p:sldId id="268" r:id="rId20"/>
-    <p:sldId id="269" r:id="rId21"/>
-    <p:sldId id="281" r:id="rId22"/>
-    <p:sldId id="270" r:id="rId23"/>
-    <p:sldId id="271" r:id="rId24"/>
-    <p:sldId id="282" r:id="rId25"/>
-    <p:sldId id="272" r:id="rId26"/>
-    <p:sldId id="273" r:id="rId27"/>
-    <p:sldId id="283" r:id="rId28"/>
-    <p:sldId id="284" r:id="rId29"/>
-    <p:sldId id="286" r:id="rId30"/>
-    <p:sldId id="287" r:id="rId31"/>
-    <p:sldId id="275" r:id="rId32"/>
-    <p:sldId id="285" r:id="rId33"/>
+    <p:sldId id="292" r:id="rId10"/>
+    <p:sldId id="276" r:id="rId11"/>
+    <p:sldId id="291" r:id="rId12"/>
+    <p:sldId id="262" r:id="rId13"/>
+    <p:sldId id="263" r:id="rId14"/>
+    <p:sldId id="279" r:id="rId15"/>
+    <p:sldId id="264" r:id="rId16"/>
+    <p:sldId id="265" r:id="rId17"/>
+    <p:sldId id="280" r:id="rId18"/>
+    <p:sldId id="266" r:id="rId19"/>
+    <p:sldId id="267" r:id="rId20"/>
+    <p:sldId id="268" r:id="rId21"/>
+    <p:sldId id="269" r:id="rId22"/>
+    <p:sldId id="281" r:id="rId23"/>
+    <p:sldId id="270" r:id="rId24"/>
+    <p:sldId id="271" r:id="rId25"/>
+    <p:sldId id="282" r:id="rId26"/>
+    <p:sldId id="272" r:id="rId27"/>
+    <p:sldId id="273" r:id="rId28"/>
+    <p:sldId id="283" r:id="rId29"/>
+    <p:sldId id="284" r:id="rId30"/>
+    <p:sldId id="286" r:id="rId31"/>
+    <p:sldId id="287" r:id="rId32"/>
+    <p:sldId id="275" r:id="rId33"/>
     <p:sldId id="290" r:id="rId34"/>
   </p:sldIdLst>
   <p:sldSz cx="9144000" cy="6858000" type="screen4x3"/>
@@ -290,6 +290,11 @@
       </a:defRPr>
     </a:lvl9pPr>
   </p:defaultTextStyle>
+  <p:extLst>
+    <p:ext uri="{EFAFB233-063F-42B5-8137-9DF3F51BA10A}">
+      <p15:sldGuideLst xmlns:p15="http://schemas.microsoft.com/office/powerpoint/2012/main"/>
+    </p:ext>
+  </p:extLst>
 </p:presentation>
 </file>
 
@@ -1793,6 +1798,143 @@
     </p:spTree>
     <p:extLst>
       <p:ext uri="{BB962C8B-B14F-4D97-AF65-F5344CB8AC3E}">
+        <p14:creationId xmlns:p14="http://schemas.microsoft.com/office/powerpoint/2010/main" val="1180088657"/>
+      </p:ext>
+    </p:extLst>
+  </p:cSld>
+  <p:clrMapOvr>
+    <a:masterClrMapping/>
+  </p:clrMapOvr>
+</p:notes>
+</file>
+
+<file path=ppt/notesSlides/notesSlide11.xml><?xml version="1.0" encoding="utf-8"?>
+<p:notes xmlns:a="http://schemas.openxmlformats.org/drawingml/2006/main" xmlns:r="http://schemas.openxmlformats.org/officeDocument/2006/relationships" xmlns:p="http://schemas.openxmlformats.org/presentationml/2006/main" showMasterSp="0" showMasterPhAnim="0">
+  <p:cSld>
+    <p:spTree>
+      <p:nvGrpSpPr>
+        <p:cNvPr id="1" name="Shape 121"/>
+        <p:cNvGrpSpPr/>
+        <p:nvPr/>
+      </p:nvGrpSpPr>
+      <p:grpSpPr>
+        <a:xfrm>
+          <a:off x="0" y="0"/>
+          <a:ext cx="0" cy="0"/>
+          <a:chOff x="0" y="0"/>
+          <a:chExt cx="0" cy="0"/>
+        </a:xfrm>
+      </p:grpSpPr>
+      <p:sp>
+        <p:nvSpPr>
+          <p:cNvPr id="122" name="Google Shape;122;p4:notes"/>
+          <p:cNvSpPr txBox="1">
+            <a:spLocks noGrp="1"/>
+          </p:cNvSpPr>
+          <p:nvPr>
+            <p:ph type="body" idx="1"/>
+          </p:nvPr>
+        </p:nvSpPr>
+        <p:spPr>
+          <a:xfrm>
+            <a:off x="685800" y="4400550"/>
+            <a:ext cx="5486400" cy="3600450"/>
+          </a:xfrm>
+          <a:prstGeom prst="rect">
+            <a:avLst/>
+          </a:prstGeom>
+        </p:spPr>
+        <p:txBody>
+          <a:bodyPr spcFirstLastPara="1" wrap="square" lIns="91425" tIns="45700" rIns="91425" bIns="45700" anchor="t" anchorCtr="0">
+            <a:noAutofit/>
+          </a:bodyPr>
+          <a:lstStyle/>
+          <a:p>
+            <a:pPr marL="0" lvl="0" indent="0" algn="l" rtl="0">
+              <a:spcBef>
+                <a:spcPts val="0"/>
+              </a:spcBef>
+              <a:spcAft>
+                <a:spcPts val="0"/>
+              </a:spcAft>
+              <a:buNone/>
+            </a:pPr>
+            <a:r>
+              <a:rPr lang="en-US"/>
+              <a:t>GH comments: Include histograms and summary statistics. </a:t>
+            </a:r>
+            <a:endParaRPr/>
+          </a:p>
+          <a:p>
+            <a:pPr marL="0" lvl="0" indent="0" algn="l" rtl="0">
+              <a:spcBef>
+                <a:spcPts val="0"/>
+              </a:spcBef>
+              <a:spcAft>
+                <a:spcPts val="0"/>
+              </a:spcAft>
+              <a:buNone/>
+            </a:pPr>
+            <a:endParaRPr/>
+          </a:p>
+          <a:p>
+            <a:pPr marL="0" lvl="0" indent="0" algn="l" rtl="0">
+              <a:spcBef>
+                <a:spcPts val="0"/>
+              </a:spcBef>
+              <a:spcAft>
+                <a:spcPts val="0"/>
+              </a:spcAft>
+              <a:buNone/>
+            </a:pPr>
+            <a:endParaRPr/>
+          </a:p>
+        </p:txBody>
+      </p:sp>
+      <p:sp>
+        <p:nvSpPr>
+          <p:cNvPr id="123" name="Google Shape;123;p4:notes"/>
+          <p:cNvSpPr>
+            <a:spLocks noGrp="1" noRot="1" noChangeAspect="1"/>
+          </p:cNvSpPr>
+          <p:nvPr>
+            <p:ph type="sldImg" idx="2"/>
+          </p:nvPr>
+        </p:nvSpPr>
+        <p:spPr>
+          <a:xfrm>
+            <a:off x="1371600" y="1143000"/>
+            <a:ext cx="4114800" cy="3086100"/>
+          </a:xfrm>
+          <a:custGeom>
+            <a:avLst/>
+            <a:gdLst/>
+            <a:ahLst/>
+            <a:cxnLst/>
+            <a:rect l="l" t="t" r="r" b="b"/>
+            <a:pathLst>
+              <a:path w="120000" h="120000" extrusionOk="0">
+                <a:moveTo>
+                  <a:pt x="0" y="0"/>
+                </a:moveTo>
+                <a:lnTo>
+                  <a:pt x="120000" y="0"/>
+                </a:lnTo>
+                <a:lnTo>
+                  <a:pt x="120000" y="120000"/>
+                </a:lnTo>
+                <a:lnTo>
+                  <a:pt x="0" y="120000"/>
+                </a:lnTo>
+                <a:close/>
+              </a:path>
+            </a:pathLst>
+          </a:custGeom>
+        </p:spPr>
+      </p:sp>
+    </p:spTree>
+    <p:extLst>
+      <p:ext uri="{BB962C8B-B14F-4D97-AF65-F5344CB8AC3E}">
         <p14:creationId xmlns:p14="http://schemas.microsoft.com/office/powerpoint/2010/main" val="403735575"/>
       </p:ext>
     </p:extLst>
@@ -1803,7 +1945,7 @@
 </p:notes>
 </file>
 
-<file path=ppt/notesSlides/notesSlide11.xml><?xml version="1.0" encoding="utf-8"?>
+<file path=ppt/notesSlides/notesSlide12.xml><?xml version="1.0" encoding="utf-8"?>
 <p:notes xmlns:a="http://schemas.openxmlformats.org/drawingml/2006/main" xmlns:r="http://schemas.openxmlformats.org/officeDocument/2006/relationships" xmlns:p="http://schemas.openxmlformats.org/presentationml/2006/main" showMasterSp="0" showMasterPhAnim="0">
   <p:cSld>
     <p:spTree>
@@ -2081,110 +2223,6 @@
       <p:sp>
         <p:nvSpPr>
           <p:cNvPr id="133" name="Google Shape;133;g44649b5f8e_0_11:notes"/>
-          <p:cNvSpPr>
-            <a:spLocks noGrp="1" noRot="1" noChangeAspect="1"/>
-          </p:cNvSpPr>
-          <p:nvPr>
-            <p:ph type="sldImg" idx="2"/>
-          </p:nvPr>
-        </p:nvSpPr>
-        <p:spPr>
-          <a:xfrm>
-            <a:off x="1371600" y="1143000"/>
-            <a:ext cx="4114800" cy="3086100"/>
-          </a:xfrm>
-          <a:custGeom>
-            <a:avLst/>
-            <a:gdLst/>
-            <a:ahLst/>
-            <a:cxnLst/>
-            <a:rect l="l" t="t" r="r" b="b"/>
-            <a:pathLst>
-              <a:path w="120000" h="120000" extrusionOk="0">
-                <a:moveTo>
-                  <a:pt x="0" y="0"/>
-                </a:moveTo>
-                <a:lnTo>
-                  <a:pt x="120000" y="0"/>
-                </a:lnTo>
-                <a:lnTo>
-                  <a:pt x="120000" y="120000"/>
-                </a:lnTo>
-                <a:lnTo>
-                  <a:pt x="0" y="120000"/>
-                </a:lnTo>
-                <a:close/>
-              </a:path>
-            </a:pathLst>
-          </a:custGeom>
-        </p:spPr>
-      </p:sp>
-    </p:spTree>
-  </p:cSld>
-  <p:clrMapOvr>
-    <a:masterClrMapping/>
-  </p:clrMapOvr>
-</p:notes>
-</file>
-
-<file path=ppt/notesSlides/notesSlide12.xml><?xml version="1.0" encoding="utf-8"?>
-<p:notes xmlns:a="http://schemas.openxmlformats.org/drawingml/2006/main" xmlns:r="http://schemas.openxmlformats.org/officeDocument/2006/relationships" xmlns:p="http://schemas.openxmlformats.org/presentationml/2006/main" showMasterSp="0" showMasterPhAnim="0">
-  <p:cSld>
-    <p:spTree>
-      <p:nvGrpSpPr>
-        <p:cNvPr id="1" name="Shape 138"/>
-        <p:cNvGrpSpPr/>
-        <p:nvPr/>
-      </p:nvGrpSpPr>
-      <p:grpSpPr>
-        <a:xfrm>
-          <a:off x="0" y="0"/>
-          <a:ext cx="0" cy="0"/>
-          <a:chOff x="0" y="0"/>
-          <a:chExt cx="0" cy="0"/>
-        </a:xfrm>
-      </p:grpSpPr>
-      <p:sp>
-        <p:nvSpPr>
-          <p:cNvPr id="139" name="Google Shape;139;p5:notes"/>
-          <p:cNvSpPr txBox="1">
-            <a:spLocks noGrp="1"/>
-          </p:cNvSpPr>
-          <p:nvPr>
-            <p:ph type="body" idx="1"/>
-          </p:nvPr>
-        </p:nvSpPr>
-        <p:spPr>
-          <a:xfrm>
-            <a:off x="685800" y="4400550"/>
-            <a:ext cx="5486400" cy="3600450"/>
-          </a:xfrm>
-          <a:prstGeom prst="rect">
-            <a:avLst/>
-          </a:prstGeom>
-        </p:spPr>
-        <p:txBody>
-          <a:bodyPr spcFirstLastPara="1" wrap="square" lIns="91425" tIns="45700" rIns="91425" bIns="45700" anchor="t" anchorCtr="0">
-            <a:noAutofit/>
-          </a:bodyPr>
-          <a:lstStyle/>
-          <a:p>
-            <a:pPr marL="0" lvl="0" indent="0" algn="l" rtl="0">
-              <a:spcBef>
-                <a:spcPts val="0"/>
-              </a:spcBef>
-              <a:spcAft>
-                <a:spcPts val="0"/>
-              </a:spcAft>
-              <a:buNone/>
-            </a:pPr>
-            <a:endParaRPr/>
-          </a:p>
-        </p:txBody>
-      </p:sp>
-      <p:sp>
-        <p:nvSpPr>
-          <p:cNvPr id="140" name="Google Shape;140;p5:notes"/>
           <p:cNvSpPr>
             <a:spLocks noGrp="1" noRot="1" noChangeAspect="1"/>
           </p:cNvSpPr>
@@ -2328,6 +2366,110 @@
         </p:spPr>
       </p:sp>
     </p:spTree>
+  </p:cSld>
+  <p:clrMapOvr>
+    <a:masterClrMapping/>
+  </p:clrMapOvr>
+</p:notes>
+</file>
+
+<file path=ppt/notesSlides/notesSlide14.xml><?xml version="1.0" encoding="utf-8"?>
+<p:notes xmlns:a="http://schemas.openxmlformats.org/drawingml/2006/main" xmlns:r="http://schemas.openxmlformats.org/officeDocument/2006/relationships" xmlns:p="http://schemas.openxmlformats.org/presentationml/2006/main" showMasterSp="0" showMasterPhAnim="0">
+  <p:cSld>
+    <p:spTree>
+      <p:nvGrpSpPr>
+        <p:cNvPr id="1" name="Shape 138"/>
+        <p:cNvGrpSpPr/>
+        <p:nvPr/>
+      </p:nvGrpSpPr>
+      <p:grpSpPr>
+        <a:xfrm>
+          <a:off x="0" y="0"/>
+          <a:ext cx="0" cy="0"/>
+          <a:chOff x="0" y="0"/>
+          <a:chExt cx="0" cy="0"/>
+        </a:xfrm>
+      </p:grpSpPr>
+      <p:sp>
+        <p:nvSpPr>
+          <p:cNvPr id="139" name="Google Shape;139;p5:notes"/>
+          <p:cNvSpPr txBox="1">
+            <a:spLocks noGrp="1"/>
+          </p:cNvSpPr>
+          <p:nvPr>
+            <p:ph type="body" idx="1"/>
+          </p:nvPr>
+        </p:nvSpPr>
+        <p:spPr>
+          <a:xfrm>
+            <a:off x="685800" y="4400550"/>
+            <a:ext cx="5486400" cy="3600450"/>
+          </a:xfrm>
+          <a:prstGeom prst="rect">
+            <a:avLst/>
+          </a:prstGeom>
+        </p:spPr>
+        <p:txBody>
+          <a:bodyPr spcFirstLastPara="1" wrap="square" lIns="91425" tIns="45700" rIns="91425" bIns="45700" anchor="t" anchorCtr="0">
+            <a:noAutofit/>
+          </a:bodyPr>
+          <a:lstStyle/>
+          <a:p>
+            <a:pPr marL="0" lvl="0" indent="0" algn="l" rtl="0">
+              <a:spcBef>
+                <a:spcPts val="0"/>
+              </a:spcBef>
+              <a:spcAft>
+                <a:spcPts val="0"/>
+              </a:spcAft>
+              <a:buNone/>
+            </a:pPr>
+            <a:endParaRPr/>
+          </a:p>
+        </p:txBody>
+      </p:sp>
+      <p:sp>
+        <p:nvSpPr>
+          <p:cNvPr id="140" name="Google Shape;140;p5:notes"/>
+          <p:cNvSpPr>
+            <a:spLocks noGrp="1" noRot="1" noChangeAspect="1"/>
+          </p:cNvSpPr>
+          <p:nvPr>
+            <p:ph type="sldImg" idx="2"/>
+          </p:nvPr>
+        </p:nvSpPr>
+        <p:spPr>
+          <a:xfrm>
+            <a:off x="1371600" y="1143000"/>
+            <a:ext cx="4114800" cy="3086100"/>
+          </a:xfrm>
+          <a:custGeom>
+            <a:avLst/>
+            <a:gdLst/>
+            <a:ahLst/>
+            <a:cxnLst/>
+            <a:rect l="l" t="t" r="r" b="b"/>
+            <a:pathLst>
+              <a:path w="120000" h="120000" extrusionOk="0">
+                <a:moveTo>
+                  <a:pt x="0" y="0"/>
+                </a:moveTo>
+                <a:lnTo>
+                  <a:pt x="120000" y="0"/>
+                </a:lnTo>
+                <a:lnTo>
+                  <a:pt x="120000" y="120000"/>
+                </a:lnTo>
+                <a:lnTo>
+                  <a:pt x="0" y="120000"/>
+                </a:lnTo>
+                <a:close/>
+              </a:path>
+            </a:pathLst>
+          </a:custGeom>
+        </p:spPr>
+      </p:sp>
+    </p:spTree>
     <p:extLst>
       <p:ext uri="{BB962C8B-B14F-4D97-AF65-F5344CB8AC3E}">
         <p14:creationId xmlns:p14="http://schemas.microsoft.com/office/powerpoint/2010/main" val="2347481408"/>
@@ -2340,7 +2482,7 @@
 </p:notes>
 </file>
 
-<file path=ppt/notesSlides/notesSlide14.xml><?xml version="1.0" encoding="utf-8"?>
+<file path=ppt/notesSlides/notesSlide15.xml><?xml version="1.0" encoding="utf-8"?>
 <p:notes xmlns:a="http://schemas.openxmlformats.org/drawingml/2006/main" xmlns:r="http://schemas.openxmlformats.org/officeDocument/2006/relationships" xmlns:p="http://schemas.openxmlformats.org/presentationml/2006/main" showMasterSp="0" showMasterPhAnim="0">
   <p:cSld>
     <p:spTree>
@@ -2398,295 +2540,6 @@
       <p:sp>
         <p:nvSpPr>
           <p:cNvPr id="147" name="Google Shape;147;g44afb3b69e_0_6:notes"/>
-          <p:cNvSpPr>
-            <a:spLocks noGrp="1" noRot="1" noChangeAspect="1"/>
-          </p:cNvSpPr>
-          <p:nvPr>
-            <p:ph type="sldImg" idx="2"/>
-          </p:nvPr>
-        </p:nvSpPr>
-        <p:spPr>
-          <a:xfrm>
-            <a:off x="1371600" y="1143000"/>
-            <a:ext cx="4114800" cy="3086100"/>
-          </a:xfrm>
-          <a:custGeom>
-            <a:avLst/>
-            <a:gdLst/>
-            <a:ahLst/>
-            <a:cxnLst/>
-            <a:rect l="l" t="t" r="r" b="b"/>
-            <a:pathLst>
-              <a:path w="120000" h="120000" extrusionOk="0">
-                <a:moveTo>
-                  <a:pt x="0" y="0"/>
-                </a:moveTo>
-                <a:lnTo>
-                  <a:pt x="120000" y="0"/>
-                </a:lnTo>
-                <a:lnTo>
-                  <a:pt x="120000" y="120000"/>
-                </a:lnTo>
-                <a:lnTo>
-                  <a:pt x="0" y="120000"/>
-                </a:lnTo>
-                <a:close/>
-              </a:path>
-            </a:pathLst>
-          </a:custGeom>
-        </p:spPr>
-      </p:sp>
-    </p:spTree>
-  </p:cSld>
-  <p:clrMapOvr>
-    <a:masterClrMapping/>
-  </p:clrMapOvr>
-</p:notes>
-</file>
-
-<file path=ppt/notesSlides/notesSlide15.xml><?xml version="1.0" encoding="utf-8"?>
-<p:notes xmlns:a="http://schemas.openxmlformats.org/drawingml/2006/main" xmlns:r="http://schemas.openxmlformats.org/officeDocument/2006/relationships" xmlns:p="http://schemas.openxmlformats.org/presentationml/2006/main" showMasterSp="0" showMasterPhAnim="0">
-  <p:cSld>
-    <p:spTree>
-      <p:nvGrpSpPr>
-        <p:cNvPr id="1" name="Shape 153"/>
-        <p:cNvGrpSpPr/>
-        <p:nvPr/>
-      </p:nvGrpSpPr>
-      <p:grpSpPr>
-        <a:xfrm>
-          <a:off x="0" y="0"/>
-          <a:ext cx="0" cy="0"/>
-          <a:chOff x="0" y="0"/>
-          <a:chExt cx="0" cy="0"/>
-        </a:xfrm>
-      </p:grpSpPr>
-      <p:sp>
-        <p:nvSpPr>
-          <p:cNvPr id="154" name="Google Shape;154;p7:notes"/>
-          <p:cNvSpPr txBox="1">
-            <a:spLocks noGrp="1"/>
-          </p:cNvSpPr>
-          <p:nvPr>
-            <p:ph type="body" idx="1"/>
-          </p:nvPr>
-        </p:nvSpPr>
-        <p:spPr>
-          <a:xfrm>
-            <a:off x="685800" y="4400550"/>
-            <a:ext cx="5486400" cy="3600450"/>
-          </a:xfrm>
-          <a:prstGeom prst="rect">
-            <a:avLst/>
-          </a:prstGeom>
-        </p:spPr>
-        <p:txBody>
-          <a:bodyPr spcFirstLastPara="1" wrap="square" lIns="91425" tIns="45700" rIns="91425" bIns="45700" anchor="t" anchorCtr="0">
-            <a:noAutofit/>
-          </a:bodyPr>
-          <a:lstStyle/>
-          <a:p>
-            <a:pPr marL="0" lvl="0" indent="0" algn="l" rtl="0">
-              <a:spcBef>
-                <a:spcPts val="0"/>
-              </a:spcBef>
-              <a:spcAft>
-                <a:spcPts val="0"/>
-              </a:spcAft>
-              <a:buNone/>
-            </a:pPr>
-            <a:r>
-              <a:rPr lang="en-US"/>
-              <a:t>Open question? State</a:t>
-            </a:r>
-            <a:endParaRPr/>
-          </a:p>
-          <a:p>
-            <a:pPr marL="0" lvl="0" indent="0" algn="l" rtl="0">
-              <a:spcBef>
-                <a:spcPts val="0"/>
-              </a:spcBef>
-              <a:spcAft>
-                <a:spcPts val="0"/>
-              </a:spcAft>
-              <a:buNone/>
-            </a:pPr>
-            <a:endParaRPr/>
-          </a:p>
-          <a:p>
-            <a:pPr marL="0" lvl="0" indent="0" algn="l" rtl="0">
-              <a:spcBef>
-                <a:spcPts val="0"/>
-              </a:spcBef>
-              <a:spcAft>
-                <a:spcPts val="0"/>
-              </a:spcAft>
-              <a:buNone/>
-            </a:pPr>
-            <a:r>
-              <a:rPr lang="en-US"/>
-              <a:t>Look at 60,40 points to understand the features </a:t>
-            </a:r>
-            <a:endParaRPr/>
-          </a:p>
-          <a:p>
-            <a:pPr marL="0" lvl="0" indent="0" algn="l" rtl="0">
-              <a:spcBef>
-                <a:spcPts val="0"/>
-              </a:spcBef>
-              <a:spcAft>
-                <a:spcPts val="0"/>
-              </a:spcAft>
-              <a:buNone/>
-            </a:pPr>
-            <a:endParaRPr/>
-          </a:p>
-          <a:p>
-            <a:pPr marL="0" lvl="0" indent="0" algn="l" rtl="0">
-              <a:spcBef>
-                <a:spcPts val="0"/>
-              </a:spcBef>
-              <a:spcAft>
-                <a:spcPts val="0"/>
-              </a:spcAft>
-              <a:buNone/>
-            </a:pPr>
-            <a:r>
-              <a:rPr lang="en-US">
-                <a:solidFill>
-                  <a:srgbClr val="FF00FF"/>
-                </a:solidFill>
-              </a:rPr>
-              <a:t>How many opponents ; does that affect. </a:t>
-            </a:r>
-            <a:endParaRPr>
-              <a:solidFill>
-                <a:srgbClr val="FF00FF"/>
-              </a:solidFill>
-            </a:endParaRPr>
-          </a:p>
-          <a:p>
-            <a:pPr marL="0" lvl="0" indent="0" algn="l" rtl="0">
-              <a:spcBef>
-                <a:spcPts val="0"/>
-              </a:spcBef>
-              <a:spcAft>
-                <a:spcPts val="0"/>
-              </a:spcAft>
-              <a:buNone/>
-            </a:pPr>
-            <a:endParaRPr/>
-          </a:p>
-          <a:p>
-            <a:pPr marL="0" lvl="0" indent="0" algn="l" rtl="0">
-              <a:spcBef>
-                <a:spcPts val="0"/>
-              </a:spcBef>
-              <a:spcAft>
-                <a:spcPts val="0"/>
-              </a:spcAft>
-              <a:buNone/>
-            </a:pPr>
-            <a:r>
-              <a:rPr lang="en-US"/>
-              <a:t>Candidates entered into race late? data from wikipedia; </a:t>
-            </a:r>
-            <a:endParaRPr/>
-          </a:p>
-          <a:p>
-            <a:pPr marL="0" lvl="0" indent="0" algn="l" rtl="0">
-              <a:spcBef>
-                <a:spcPts val="0"/>
-              </a:spcBef>
-              <a:spcAft>
-                <a:spcPts val="0"/>
-              </a:spcAft>
-              <a:buNone/>
-            </a:pPr>
-            <a:endParaRPr/>
-          </a:p>
-          <a:p>
-            <a:pPr marL="0" lvl="0" indent="0" algn="l" rtl="0">
-              <a:spcBef>
-                <a:spcPts val="0"/>
-              </a:spcBef>
-              <a:spcAft>
-                <a:spcPts val="0"/>
-              </a:spcAft>
-              <a:buClr>
-                <a:schemeClr val="dk1"/>
-              </a:buClr>
-              <a:buSzPts val="1100"/>
-              <a:buFont typeface="Arial"/>
-              <a:buNone/>
-            </a:pPr>
-            <a:r>
-              <a:rPr lang="en-US">
-                <a:solidFill>
-                  <a:srgbClr val="FF00FF"/>
-                </a:solidFill>
-              </a:rPr>
-              <a:t>Table of model/s : parameters for model</a:t>
-            </a:r>
-            <a:endParaRPr>
-              <a:solidFill>
-                <a:srgbClr val="FF00FF"/>
-              </a:solidFill>
-            </a:endParaRPr>
-          </a:p>
-          <a:p>
-            <a:pPr marL="0" lvl="0" indent="0" algn="l" rtl="0">
-              <a:spcBef>
-                <a:spcPts val="0"/>
-              </a:spcBef>
-              <a:spcAft>
-                <a:spcPts val="0"/>
-              </a:spcAft>
-              <a:buNone/>
-            </a:pPr>
-            <a:endParaRPr/>
-          </a:p>
-          <a:p>
-            <a:pPr marL="0" lvl="0" indent="0" algn="l" rtl="0">
-              <a:spcBef>
-                <a:spcPts val="0"/>
-              </a:spcBef>
-              <a:spcAft>
-                <a:spcPts val="0"/>
-              </a:spcAft>
-              <a:buNone/>
-            </a:pPr>
-            <a:endParaRPr/>
-          </a:p>
-          <a:p>
-            <a:pPr marL="0" lvl="0" indent="0" algn="l" rtl="0">
-              <a:spcBef>
-                <a:spcPts val="0"/>
-              </a:spcBef>
-              <a:spcAft>
-                <a:spcPts val="0"/>
-              </a:spcAft>
-              <a:buNone/>
-            </a:pPr>
-            <a:endParaRPr/>
-          </a:p>
-          <a:p>
-            <a:pPr marL="0" lvl="0" indent="0" algn="l" rtl="0">
-              <a:spcBef>
-                <a:spcPts val="0"/>
-              </a:spcBef>
-              <a:spcAft>
-                <a:spcPts val="0"/>
-              </a:spcAft>
-              <a:buNone/>
-            </a:pPr>
-            <a:endParaRPr/>
-          </a:p>
-        </p:txBody>
-      </p:sp>
-      <p:sp>
-        <p:nvSpPr>
-          <p:cNvPr id="155" name="Google Shape;155;p7:notes"/>
           <p:cNvSpPr>
             <a:spLocks noGrp="1" noRot="1" noChangeAspect="1"/>
           </p:cNvSpPr>
@@ -3015,6 +2868,295 @@
         </p:spPr>
       </p:sp>
     </p:spTree>
+  </p:cSld>
+  <p:clrMapOvr>
+    <a:masterClrMapping/>
+  </p:clrMapOvr>
+</p:notes>
+</file>
+
+<file path=ppt/notesSlides/notesSlide17.xml><?xml version="1.0" encoding="utf-8"?>
+<p:notes xmlns:a="http://schemas.openxmlformats.org/drawingml/2006/main" xmlns:r="http://schemas.openxmlformats.org/officeDocument/2006/relationships" xmlns:p="http://schemas.openxmlformats.org/presentationml/2006/main" showMasterSp="0" showMasterPhAnim="0">
+  <p:cSld>
+    <p:spTree>
+      <p:nvGrpSpPr>
+        <p:cNvPr id="1" name="Shape 153"/>
+        <p:cNvGrpSpPr/>
+        <p:nvPr/>
+      </p:nvGrpSpPr>
+      <p:grpSpPr>
+        <a:xfrm>
+          <a:off x="0" y="0"/>
+          <a:ext cx="0" cy="0"/>
+          <a:chOff x="0" y="0"/>
+          <a:chExt cx="0" cy="0"/>
+        </a:xfrm>
+      </p:grpSpPr>
+      <p:sp>
+        <p:nvSpPr>
+          <p:cNvPr id="154" name="Google Shape;154;p7:notes"/>
+          <p:cNvSpPr txBox="1">
+            <a:spLocks noGrp="1"/>
+          </p:cNvSpPr>
+          <p:nvPr>
+            <p:ph type="body" idx="1"/>
+          </p:nvPr>
+        </p:nvSpPr>
+        <p:spPr>
+          <a:xfrm>
+            <a:off x="685800" y="4400550"/>
+            <a:ext cx="5486400" cy="3600450"/>
+          </a:xfrm>
+          <a:prstGeom prst="rect">
+            <a:avLst/>
+          </a:prstGeom>
+        </p:spPr>
+        <p:txBody>
+          <a:bodyPr spcFirstLastPara="1" wrap="square" lIns="91425" tIns="45700" rIns="91425" bIns="45700" anchor="t" anchorCtr="0">
+            <a:noAutofit/>
+          </a:bodyPr>
+          <a:lstStyle/>
+          <a:p>
+            <a:pPr marL="0" lvl="0" indent="0" algn="l" rtl="0">
+              <a:spcBef>
+                <a:spcPts val="0"/>
+              </a:spcBef>
+              <a:spcAft>
+                <a:spcPts val="0"/>
+              </a:spcAft>
+              <a:buNone/>
+            </a:pPr>
+            <a:r>
+              <a:rPr lang="en-US"/>
+              <a:t>Open question? State</a:t>
+            </a:r>
+            <a:endParaRPr/>
+          </a:p>
+          <a:p>
+            <a:pPr marL="0" lvl="0" indent="0" algn="l" rtl="0">
+              <a:spcBef>
+                <a:spcPts val="0"/>
+              </a:spcBef>
+              <a:spcAft>
+                <a:spcPts val="0"/>
+              </a:spcAft>
+              <a:buNone/>
+            </a:pPr>
+            <a:endParaRPr/>
+          </a:p>
+          <a:p>
+            <a:pPr marL="0" lvl="0" indent="0" algn="l" rtl="0">
+              <a:spcBef>
+                <a:spcPts val="0"/>
+              </a:spcBef>
+              <a:spcAft>
+                <a:spcPts val="0"/>
+              </a:spcAft>
+              <a:buNone/>
+            </a:pPr>
+            <a:r>
+              <a:rPr lang="en-US"/>
+              <a:t>Look at 60,40 points to understand the features </a:t>
+            </a:r>
+            <a:endParaRPr/>
+          </a:p>
+          <a:p>
+            <a:pPr marL="0" lvl="0" indent="0" algn="l" rtl="0">
+              <a:spcBef>
+                <a:spcPts val="0"/>
+              </a:spcBef>
+              <a:spcAft>
+                <a:spcPts val="0"/>
+              </a:spcAft>
+              <a:buNone/>
+            </a:pPr>
+            <a:endParaRPr/>
+          </a:p>
+          <a:p>
+            <a:pPr marL="0" lvl="0" indent="0" algn="l" rtl="0">
+              <a:spcBef>
+                <a:spcPts val="0"/>
+              </a:spcBef>
+              <a:spcAft>
+                <a:spcPts val="0"/>
+              </a:spcAft>
+              <a:buNone/>
+            </a:pPr>
+            <a:r>
+              <a:rPr lang="en-US">
+                <a:solidFill>
+                  <a:srgbClr val="FF00FF"/>
+                </a:solidFill>
+              </a:rPr>
+              <a:t>How many opponents ; does that affect. </a:t>
+            </a:r>
+            <a:endParaRPr>
+              <a:solidFill>
+                <a:srgbClr val="FF00FF"/>
+              </a:solidFill>
+            </a:endParaRPr>
+          </a:p>
+          <a:p>
+            <a:pPr marL="0" lvl="0" indent="0" algn="l" rtl="0">
+              <a:spcBef>
+                <a:spcPts val="0"/>
+              </a:spcBef>
+              <a:spcAft>
+                <a:spcPts val="0"/>
+              </a:spcAft>
+              <a:buNone/>
+            </a:pPr>
+            <a:endParaRPr/>
+          </a:p>
+          <a:p>
+            <a:pPr marL="0" lvl="0" indent="0" algn="l" rtl="0">
+              <a:spcBef>
+                <a:spcPts val="0"/>
+              </a:spcBef>
+              <a:spcAft>
+                <a:spcPts val="0"/>
+              </a:spcAft>
+              <a:buNone/>
+            </a:pPr>
+            <a:r>
+              <a:rPr lang="en-US"/>
+              <a:t>Candidates entered into race late? data from wikipedia; </a:t>
+            </a:r>
+            <a:endParaRPr/>
+          </a:p>
+          <a:p>
+            <a:pPr marL="0" lvl="0" indent="0" algn="l" rtl="0">
+              <a:spcBef>
+                <a:spcPts val="0"/>
+              </a:spcBef>
+              <a:spcAft>
+                <a:spcPts val="0"/>
+              </a:spcAft>
+              <a:buNone/>
+            </a:pPr>
+            <a:endParaRPr/>
+          </a:p>
+          <a:p>
+            <a:pPr marL="0" lvl="0" indent="0" algn="l" rtl="0">
+              <a:spcBef>
+                <a:spcPts val="0"/>
+              </a:spcBef>
+              <a:spcAft>
+                <a:spcPts val="0"/>
+              </a:spcAft>
+              <a:buClr>
+                <a:schemeClr val="dk1"/>
+              </a:buClr>
+              <a:buSzPts val="1100"/>
+              <a:buFont typeface="Arial"/>
+              <a:buNone/>
+            </a:pPr>
+            <a:r>
+              <a:rPr lang="en-US">
+                <a:solidFill>
+                  <a:srgbClr val="FF00FF"/>
+                </a:solidFill>
+              </a:rPr>
+              <a:t>Table of model/s : parameters for model</a:t>
+            </a:r>
+            <a:endParaRPr>
+              <a:solidFill>
+                <a:srgbClr val="FF00FF"/>
+              </a:solidFill>
+            </a:endParaRPr>
+          </a:p>
+          <a:p>
+            <a:pPr marL="0" lvl="0" indent="0" algn="l" rtl="0">
+              <a:spcBef>
+                <a:spcPts val="0"/>
+              </a:spcBef>
+              <a:spcAft>
+                <a:spcPts val="0"/>
+              </a:spcAft>
+              <a:buNone/>
+            </a:pPr>
+            <a:endParaRPr/>
+          </a:p>
+          <a:p>
+            <a:pPr marL="0" lvl="0" indent="0" algn="l" rtl="0">
+              <a:spcBef>
+                <a:spcPts val="0"/>
+              </a:spcBef>
+              <a:spcAft>
+                <a:spcPts val="0"/>
+              </a:spcAft>
+              <a:buNone/>
+            </a:pPr>
+            <a:endParaRPr/>
+          </a:p>
+          <a:p>
+            <a:pPr marL="0" lvl="0" indent="0" algn="l" rtl="0">
+              <a:spcBef>
+                <a:spcPts val="0"/>
+              </a:spcBef>
+              <a:spcAft>
+                <a:spcPts val="0"/>
+              </a:spcAft>
+              <a:buNone/>
+            </a:pPr>
+            <a:endParaRPr/>
+          </a:p>
+          <a:p>
+            <a:pPr marL="0" lvl="0" indent="0" algn="l" rtl="0">
+              <a:spcBef>
+                <a:spcPts val="0"/>
+              </a:spcBef>
+              <a:spcAft>
+                <a:spcPts val="0"/>
+              </a:spcAft>
+              <a:buNone/>
+            </a:pPr>
+            <a:endParaRPr/>
+          </a:p>
+        </p:txBody>
+      </p:sp>
+      <p:sp>
+        <p:nvSpPr>
+          <p:cNvPr id="155" name="Google Shape;155;p7:notes"/>
+          <p:cNvSpPr>
+            <a:spLocks noGrp="1" noRot="1" noChangeAspect="1"/>
+          </p:cNvSpPr>
+          <p:nvPr>
+            <p:ph type="sldImg" idx="2"/>
+          </p:nvPr>
+        </p:nvSpPr>
+        <p:spPr>
+          <a:xfrm>
+            <a:off x="1371600" y="1143000"/>
+            <a:ext cx="4114800" cy="3086100"/>
+          </a:xfrm>
+          <a:custGeom>
+            <a:avLst/>
+            <a:gdLst/>
+            <a:ahLst/>
+            <a:cxnLst/>
+            <a:rect l="l" t="t" r="r" b="b"/>
+            <a:pathLst>
+              <a:path w="120000" h="120000" extrusionOk="0">
+                <a:moveTo>
+                  <a:pt x="0" y="0"/>
+                </a:moveTo>
+                <a:lnTo>
+                  <a:pt x="120000" y="0"/>
+                </a:lnTo>
+                <a:lnTo>
+                  <a:pt x="120000" y="120000"/>
+                </a:lnTo>
+                <a:lnTo>
+                  <a:pt x="0" y="120000"/>
+                </a:lnTo>
+                <a:close/>
+              </a:path>
+            </a:pathLst>
+          </a:custGeom>
+        </p:spPr>
+      </p:sp>
+    </p:spTree>
     <p:extLst>
       <p:ext uri="{BB962C8B-B14F-4D97-AF65-F5344CB8AC3E}">
         <p14:creationId xmlns:p14="http://schemas.microsoft.com/office/powerpoint/2010/main" val="635019469"/>
@@ -3027,7 +3169,7 @@
 </p:notes>
 </file>
 
-<file path=ppt/notesSlides/notesSlide17.xml><?xml version="1.0" encoding="utf-8"?>
+<file path=ppt/notesSlides/notesSlide18.xml><?xml version="1.0" encoding="utf-8"?>
 <p:notes xmlns:a="http://schemas.openxmlformats.org/drawingml/2006/main" xmlns:r="http://schemas.openxmlformats.org/officeDocument/2006/relationships" xmlns:p="http://schemas.openxmlformats.org/presentationml/2006/main" showMasterSp="0" showMasterPhAnim="0">
   <p:cSld>
     <p:spTree>
@@ -3316,7 +3458,7 @@
 </p:notes>
 </file>
 
-<file path=ppt/notesSlides/notesSlide18.xml><?xml version="1.0" encoding="utf-8"?>
+<file path=ppt/notesSlides/notesSlide19.xml><?xml version="1.0" encoding="utf-8"?>
 <p:notes xmlns:a="http://schemas.openxmlformats.org/drawingml/2006/main" xmlns:r="http://schemas.openxmlformats.org/officeDocument/2006/relationships" xmlns:p="http://schemas.openxmlformats.org/presentationml/2006/main" showMasterSp="0" showMasterPhAnim="0">
   <p:cSld>
     <p:spTree>
@@ -3559,110 +3701,6 @@
       <p:sp>
         <p:nvSpPr>
           <p:cNvPr id="171" name="Google Shape;171;g44afb3b69e_0_58:notes"/>
-          <p:cNvSpPr>
-            <a:spLocks noGrp="1" noRot="1" noChangeAspect="1"/>
-          </p:cNvSpPr>
-          <p:nvPr>
-            <p:ph type="sldImg" idx="2"/>
-          </p:nvPr>
-        </p:nvSpPr>
-        <p:spPr>
-          <a:xfrm>
-            <a:off x="1371600" y="1143000"/>
-            <a:ext cx="4114800" cy="3086100"/>
-          </a:xfrm>
-          <a:custGeom>
-            <a:avLst/>
-            <a:gdLst/>
-            <a:ahLst/>
-            <a:cxnLst/>
-            <a:rect l="l" t="t" r="r" b="b"/>
-            <a:pathLst>
-              <a:path w="120000" h="120000" extrusionOk="0">
-                <a:moveTo>
-                  <a:pt x="0" y="0"/>
-                </a:moveTo>
-                <a:lnTo>
-                  <a:pt x="120000" y="0"/>
-                </a:lnTo>
-                <a:lnTo>
-                  <a:pt x="120000" y="120000"/>
-                </a:lnTo>
-                <a:lnTo>
-                  <a:pt x="0" y="120000"/>
-                </a:lnTo>
-                <a:close/>
-              </a:path>
-            </a:pathLst>
-          </a:custGeom>
-        </p:spPr>
-      </p:sp>
-    </p:spTree>
-  </p:cSld>
-  <p:clrMapOvr>
-    <a:masterClrMapping/>
-  </p:clrMapOvr>
-</p:notes>
-</file>
-
-<file path=ppt/notesSlides/notesSlide19.xml><?xml version="1.0" encoding="utf-8"?>
-<p:notes xmlns:a="http://schemas.openxmlformats.org/drawingml/2006/main" xmlns:r="http://schemas.openxmlformats.org/officeDocument/2006/relationships" xmlns:p="http://schemas.openxmlformats.org/presentationml/2006/main" showMasterSp="0" showMasterPhAnim="0">
-  <p:cSld>
-    <p:spTree>
-      <p:nvGrpSpPr>
-        <p:cNvPr id="1" name="Shape 176"/>
-        <p:cNvGrpSpPr/>
-        <p:nvPr/>
-      </p:nvGrpSpPr>
-      <p:grpSpPr>
-        <a:xfrm>
-          <a:off x="0" y="0"/>
-          <a:ext cx="0" cy="0"/>
-          <a:chOff x="0" y="0"/>
-          <a:chExt cx="0" cy="0"/>
-        </a:xfrm>
-      </p:grpSpPr>
-      <p:sp>
-        <p:nvSpPr>
-          <p:cNvPr id="177" name="Google Shape;177;g44afb3b69e_0_64:notes"/>
-          <p:cNvSpPr txBox="1">
-            <a:spLocks noGrp="1"/>
-          </p:cNvSpPr>
-          <p:nvPr>
-            <p:ph type="body" idx="1"/>
-          </p:nvPr>
-        </p:nvSpPr>
-        <p:spPr>
-          <a:xfrm>
-            <a:off x="685800" y="4400550"/>
-            <a:ext cx="5486400" cy="3600600"/>
-          </a:xfrm>
-          <a:prstGeom prst="rect">
-            <a:avLst/>
-          </a:prstGeom>
-        </p:spPr>
-        <p:txBody>
-          <a:bodyPr spcFirstLastPara="1" wrap="square" lIns="91425" tIns="45700" rIns="91425" bIns="45700" anchor="t" anchorCtr="0">
-            <a:noAutofit/>
-          </a:bodyPr>
-          <a:lstStyle/>
-          <a:p>
-            <a:pPr marL="0" lvl="0" indent="0" algn="l" rtl="0">
-              <a:spcBef>
-                <a:spcPts val="0"/>
-              </a:spcBef>
-              <a:spcAft>
-                <a:spcPts val="0"/>
-              </a:spcAft>
-              <a:buNone/>
-            </a:pPr>
-            <a:endParaRPr/>
-          </a:p>
-        </p:txBody>
-      </p:sp>
-      <p:sp>
-        <p:nvSpPr>
-          <p:cNvPr id="178" name="Google Shape;178;g44afb3b69e_0_64:notes"/>
           <p:cNvSpPr>
             <a:spLocks noGrp="1" noRot="1" noChangeAspect="1"/>
           </p:cNvSpPr>
@@ -3823,7 +3861,7 @@
   <p:cSld>
     <p:spTree>
       <p:nvGrpSpPr>
-        <p:cNvPr id="1" name="Shape 186"/>
+        <p:cNvPr id="1" name="Shape 176"/>
         <p:cNvGrpSpPr/>
         <p:nvPr/>
       </p:nvGrpSpPr>
@@ -3837,7 +3875,7 @@
       </p:grpSpPr>
       <p:sp>
         <p:nvSpPr>
-          <p:cNvPr id="187" name="Google Shape;187;g44afb3b69e_0_71:notes"/>
+          <p:cNvPr id="177" name="Google Shape;177;g44afb3b69e_0_64:notes"/>
           <p:cNvSpPr txBox="1">
             <a:spLocks noGrp="1"/>
           </p:cNvSpPr>
@@ -3869,198 +3907,13 @@
               </a:spcAft>
               <a:buNone/>
             </a:pPr>
-            <a:r>
-              <a:rPr lang="en-US"/>
-              <a:t>Open question? State</a:t>
-            </a:r>
-            <a:endParaRPr/>
-          </a:p>
-          <a:p>
-            <a:pPr marL="0" lvl="0" indent="0" algn="l" rtl="0">
-              <a:spcBef>
-                <a:spcPts val="0"/>
-              </a:spcBef>
-              <a:spcAft>
-                <a:spcPts val="0"/>
-              </a:spcAft>
-              <a:buNone/>
-            </a:pPr>
-            <a:endParaRPr/>
-          </a:p>
-          <a:p>
-            <a:pPr marL="0" lvl="0" indent="0" algn="l" rtl="0">
-              <a:spcBef>
-                <a:spcPts val="0"/>
-              </a:spcBef>
-              <a:spcAft>
-                <a:spcPts val="0"/>
-              </a:spcAft>
-              <a:buNone/>
-            </a:pPr>
-            <a:r>
-              <a:rPr lang="en-US"/>
-              <a:t>Look at 60,40 points to understand the features </a:t>
-            </a:r>
-            <a:endParaRPr/>
-          </a:p>
-          <a:p>
-            <a:pPr marL="0" lvl="0" indent="0" algn="l" rtl="0">
-              <a:spcBef>
-                <a:spcPts val="0"/>
-              </a:spcBef>
-              <a:spcAft>
-                <a:spcPts val="0"/>
-              </a:spcAft>
-              <a:buNone/>
-            </a:pPr>
-            <a:endParaRPr/>
-          </a:p>
-          <a:p>
-            <a:pPr marL="0" lvl="0" indent="0" algn="l" rtl="0">
-              <a:spcBef>
-                <a:spcPts val="0"/>
-              </a:spcBef>
-              <a:spcAft>
-                <a:spcPts val="0"/>
-              </a:spcAft>
-              <a:buNone/>
-            </a:pPr>
-            <a:r>
-              <a:rPr lang="en-US">
-                <a:solidFill>
-                  <a:srgbClr val="FF00FF"/>
-                </a:solidFill>
-              </a:rPr>
-              <a:t>How many opponents ; does that affect. </a:t>
-            </a:r>
-            <a:endParaRPr>
-              <a:solidFill>
-                <a:srgbClr val="FF00FF"/>
-              </a:solidFill>
-            </a:endParaRPr>
-          </a:p>
-          <a:p>
-            <a:pPr marL="0" lvl="0" indent="0" algn="l" rtl="0">
-              <a:spcBef>
-                <a:spcPts val="0"/>
-              </a:spcBef>
-              <a:spcAft>
-                <a:spcPts val="0"/>
-              </a:spcAft>
-              <a:buNone/>
-            </a:pPr>
-            <a:endParaRPr/>
-          </a:p>
-          <a:p>
-            <a:pPr marL="0" lvl="0" indent="0" algn="l" rtl="0">
-              <a:spcBef>
-                <a:spcPts val="0"/>
-              </a:spcBef>
-              <a:spcAft>
-                <a:spcPts val="0"/>
-              </a:spcAft>
-              <a:buNone/>
-            </a:pPr>
-            <a:r>
-              <a:rPr lang="en-US"/>
-              <a:t>Candidates entered into race late? data from wikipedia; </a:t>
-            </a:r>
-            <a:endParaRPr/>
-          </a:p>
-          <a:p>
-            <a:pPr marL="0" lvl="0" indent="0" algn="l" rtl="0">
-              <a:spcBef>
-                <a:spcPts val="0"/>
-              </a:spcBef>
-              <a:spcAft>
-                <a:spcPts val="0"/>
-              </a:spcAft>
-              <a:buNone/>
-            </a:pPr>
-            <a:endParaRPr/>
-          </a:p>
-          <a:p>
-            <a:pPr marL="0" lvl="0" indent="0" algn="l" rtl="0">
-              <a:spcBef>
-                <a:spcPts val="0"/>
-              </a:spcBef>
-              <a:spcAft>
-                <a:spcPts val="0"/>
-              </a:spcAft>
-              <a:buClr>
-                <a:schemeClr val="dk1"/>
-              </a:buClr>
-              <a:buSzPts val="1100"/>
-              <a:buFont typeface="Arial"/>
-              <a:buNone/>
-            </a:pPr>
-            <a:r>
-              <a:rPr lang="en-US">
-                <a:solidFill>
-                  <a:srgbClr val="FF00FF"/>
-                </a:solidFill>
-              </a:rPr>
-              <a:t>Table of model/s : parameters for model</a:t>
-            </a:r>
-            <a:endParaRPr>
-              <a:solidFill>
-                <a:srgbClr val="FF00FF"/>
-              </a:solidFill>
-            </a:endParaRPr>
-          </a:p>
-          <a:p>
-            <a:pPr marL="0" lvl="0" indent="0" algn="l" rtl="0">
-              <a:spcBef>
-                <a:spcPts val="0"/>
-              </a:spcBef>
-              <a:spcAft>
-                <a:spcPts val="0"/>
-              </a:spcAft>
-              <a:buNone/>
-            </a:pPr>
-            <a:endParaRPr/>
-          </a:p>
-          <a:p>
-            <a:pPr marL="0" lvl="0" indent="0" algn="l" rtl="0">
-              <a:spcBef>
-                <a:spcPts val="0"/>
-              </a:spcBef>
-              <a:spcAft>
-                <a:spcPts val="0"/>
-              </a:spcAft>
-              <a:buNone/>
-            </a:pPr>
-            <a:endParaRPr/>
-          </a:p>
-          <a:p>
-            <a:pPr marL="0" lvl="0" indent="0" algn="l" rtl="0">
-              <a:spcBef>
-                <a:spcPts val="0"/>
-              </a:spcBef>
-              <a:spcAft>
-                <a:spcPts val="0"/>
-              </a:spcAft>
-              <a:buNone/>
-            </a:pPr>
-            <a:endParaRPr/>
-          </a:p>
-          <a:p>
-            <a:pPr marL="0" lvl="0" indent="0" algn="l" rtl="0">
-              <a:spcBef>
-                <a:spcPts val="0"/>
-              </a:spcBef>
-              <a:spcAft>
-                <a:spcPts val="0"/>
-              </a:spcAft>
-              <a:buNone/>
-            </a:pPr>
             <a:endParaRPr/>
           </a:p>
         </p:txBody>
       </p:sp>
       <p:sp>
         <p:nvSpPr>
-          <p:cNvPr id="188" name="Google Shape;188;g44afb3b69e_0_71:notes"/>
+          <p:cNvPr id="178" name="Google Shape;178;g44afb3b69e_0_64:notes"/>
           <p:cNvSpPr>
             <a:spLocks noGrp="1" noRot="1" noChangeAspect="1"/>
           </p:cNvSpPr>
@@ -4389,6 +4242,295 @@
         </p:spPr>
       </p:sp>
     </p:spTree>
+  </p:cSld>
+  <p:clrMapOvr>
+    <a:masterClrMapping/>
+  </p:clrMapOvr>
+</p:notes>
+</file>
+
+<file path=ppt/notesSlides/notesSlide22.xml><?xml version="1.0" encoding="utf-8"?>
+<p:notes xmlns:a="http://schemas.openxmlformats.org/drawingml/2006/main" xmlns:r="http://schemas.openxmlformats.org/officeDocument/2006/relationships" xmlns:p="http://schemas.openxmlformats.org/presentationml/2006/main" showMasterSp="0" showMasterPhAnim="0">
+  <p:cSld>
+    <p:spTree>
+      <p:nvGrpSpPr>
+        <p:cNvPr id="1" name="Shape 186"/>
+        <p:cNvGrpSpPr/>
+        <p:nvPr/>
+      </p:nvGrpSpPr>
+      <p:grpSpPr>
+        <a:xfrm>
+          <a:off x="0" y="0"/>
+          <a:ext cx="0" cy="0"/>
+          <a:chOff x="0" y="0"/>
+          <a:chExt cx="0" cy="0"/>
+        </a:xfrm>
+      </p:grpSpPr>
+      <p:sp>
+        <p:nvSpPr>
+          <p:cNvPr id="187" name="Google Shape;187;g44afb3b69e_0_71:notes"/>
+          <p:cNvSpPr txBox="1">
+            <a:spLocks noGrp="1"/>
+          </p:cNvSpPr>
+          <p:nvPr>
+            <p:ph type="body" idx="1"/>
+          </p:nvPr>
+        </p:nvSpPr>
+        <p:spPr>
+          <a:xfrm>
+            <a:off x="685800" y="4400550"/>
+            <a:ext cx="5486400" cy="3600600"/>
+          </a:xfrm>
+          <a:prstGeom prst="rect">
+            <a:avLst/>
+          </a:prstGeom>
+        </p:spPr>
+        <p:txBody>
+          <a:bodyPr spcFirstLastPara="1" wrap="square" lIns="91425" tIns="45700" rIns="91425" bIns="45700" anchor="t" anchorCtr="0">
+            <a:noAutofit/>
+          </a:bodyPr>
+          <a:lstStyle/>
+          <a:p>
+            <a:pPr marL="0" lvl="0" indent="0" algn="l" rtl="0">
+              <a:spcBef>
+                <a:spcPts val="0"/>
+              </a:spcBef>
+              <a:spcAft>
+                <a:spcPts val="0"/>
+              </a:spcAft>
+              <a:buNone/>
+            </a:pPr>
+            <a:r>
+              <a:rPr lang="en-US"/>
+              <a:t>Open question? State</a:t>
+            </a:r>
+            <a:endParaRPr/>
+          </a:p>
+          <a:p>
+            <a:pPr marL="0" lvl="0" indent="0" algn="l" rtl="0">
+              <a:spcBef>
+                <a:spcPts val="0"/>
+              </a:spcBef>
+              <a:spcAft>
+                <a:spcPts val="0"/>
+              </a:spcAft>
+              <a:buNone/>
+            </a:pPr>
+            <a:endParaRPr/>
+          </a:p>
+          <a:p>
+            <a:pPr marL="0" lvl="0" indent="0" algn="l" rtl="0">
+              <a:spcBef>
+                <a:spcPts val="0"/>
+              </a:spcBef>
+              <a:spcAft>
+                <a:spcPts val="0"/>
+              </a:spcAft>
+              <a:buNone/>
+            </a:pPr>
+            <a:r>
+              <a:rPr lang="en-US"/>
+              <a:t>Look at 60,40 points to understand the features </a:t>
+            </a:r>
+            <a:endParaRPr/>
+          </a:p>
+          <a:p>
+            <a:pPr marL="0" lvl="0" indent="0" algn="l" rtl="0">
+              <a:spcBef>
+                <a:spcPts val="0"/>
+              </a:spcBef>
+              <a:spcAft>
+                <a:spcPts val="0"/>
+              </a:spcAft>
+              <a:buNone/>
+            </a:pPr>
+            <a:endParaRPr/>
+          </a:p>
+          <a:p>
+            <a:pPr marL="0" lvl="0" indent="0" algn="l" rtl="0">
+              <a:spcBef>
+                <a:spcPts val="0"/>
+              </a:spcBef>
+              <a:spcAft>
+                <a:spcPts val="0"/>
+              </a:spcAft>
+              <a:buNone/>
+            </a:pPr>
+            <a:r>
+              <a:rPr lang="en-US">
+                <a:solidFill>
+                  <a:srgbClr val="FF00FF"/>
+                </a:solidFill>
+              </a:rPr>
+              <a:t>How many opponents ; does that affect. </a:t>
+            </a:r>
+            <a:endParaRPr>
+              <a:solidFill>
+                <a:srgbClr val="FF00FF"/>
+              </a:solidFill>
+            </a:endParaRPr>
+          </a:p>
+          <a:p>
+            <a:pPr marL="0" lvl="0" indent="0" algn="l" rtl="0">
+              <a:spcBef>
+                <a:spcPts val="0"/>
+              </a:spcBef>
+              <a:spcAft>
+                <a:spcPts val="0"/>
+              </a:spcAft>
+              <a:buNone/>
+            </a:pPr>
+            <a:endParaRPr/>
+          </a:p>
+          <a:p>
+            <a:pPr marL="0" lvl="0" indent="0" algn="l" rtl="0">
+              <a:spcBef>
+                <a:spcPts val="0"/>
+              </a:spcBef>
+              <a:spcAft>
+                <a:spcPts val="0"/>
+              </a:spcAft>
+              <a:buNone/>
+            </a:pPr>
+            <a:r>
+              <a:rPr lang="en-US"/>
+              <a:t>Candidates entered into race late? data from wikipedia; </a:t>
+            </a:r>
+            <a:endParaRPr/>
+          </a:p>
+          <a:p>
+            <a:pPr marL="0" lvl="0" indent="0" algn="l" rtl="0">
+              <a:spcBef>
+                <a:spcPts val="0"/>
+              </a:spcBef>
+              <a:spcAft>
+                <a:spcPts val="0"/>
+              </a:spcAft>
+              <a:buNone/>
+            </a:pPr>
+            <a:endParaRPr/>
+          </a:p>
+          <a:p>
+            <a:pPr marL="0" lvl="0" indent="0" algn="l" rtl="0">
+              <a:spcBef>
+                <a:spcPts val="0"/>
+              </a:spcBef>
+              <a:spcAft>
+                <a:spcPts val="0"/>
+              </a:spcAft>
+              <a:buClr>
+                <a:schemeClr val="dk1"/>
+              </a:buClr>
+              <a:buSzPts val="1100"/>
+              <a:buFont typeface="Arial"/>
+              <a:buNone/>
+            </a:pPr>
+            <a:r>
+              <a:rPr lang="en-US">
+                <a:solidFill>
+                  <a:srgbClr val="FF00FF"/>
+                </a:solidFill>
+              </a:rPr>
+              <a:t>Table of model/s : parameters for model</a:t>
+            </a:r>
+            <a:endParaRPr>
+              <a:solidFill>
+                <a:srgbClr val="FF00FF"/>
+              </a:solidFill>
+            </a:endParaRPr>
+          </a:p>
+          <a:p>
+            <a:pPr marL="0" lvl="0" indent="0" algn="l" rtl="0">
+              <a:spcBef>
+                <a:spcPts val="0"/>
+              </a:spcBef>
+              <a:spcAft>
+                <a:spcPts val="0"/>
+              </a:spcAft>
+              <a:buNone/>
+            </a:pPr>
+            <a:endParaRPr/>
+          </a:p>
+          <a:p>
+            <a:pPr marL="0" lvl="0" indent="0" algn="l" rtl="0">
+              <a:spcBef>
+                <a:spcPts val="0"/>
+              </a:spcBef>
+              <a:spcAft>
+                <a:spcPts val="0"/>
+              </a:spcAft>
+              <a:buNone/>
+            </a:pPr>
+            <a:endParaRPr/>
+          </a:p>
+          <a:p>
+            <a:pPr marL="0" lvl="0" indent="0" algn="l" rtl="0">
+              <a:spcBef>
+                <a:spcPts val="0"/>
+              </a:spcBef>
+              <a:spcAft>
+                <a:spcPts val="0"/>
+              </a:spcAft>
+              <a:buNone/>
+            </a:pPr>
+            <a:endParaRPr/>
+          </a:p>
+          <a:p>
+            <a:pPr marL="0" lvl="0" indent="0" algn="l" rtl="0">
+              <a:spcBef>
+                <a:spcPts val="0"/>
+              </a:spcBef>
+              <a:spcAft>
+                <a:spcPts val="0"/>
+              </a:spcAft>
+              <a:buNone/>
+            </a:pPr>
+            <a:endParaRPr/>
+          </a:p>
+        </p:txBody>
+      </p:sp>
+      <p:sp>
+        <p:nvSpPr>
+          <p:cNvPr id="188" name="Google Shape;188;g44afb3b69e_0_71:notes"/>
+          <p:cNvSpPr>
+            <a:spLocks noGrp="1" noRot="1" noChangeAspect="1"/>
+          </p:cNvSpPr>
+          <p:nvPr>
+            <p:ph type="sldImg" idx="2"/>
+          </p:nvPr>
+        </p:nvSpPr>
+        <p:spPr>
+          <a:xfrm>
+            <a:off x="1371600" y="1143000"/>
+            <a:ext cx="4114800" cy="3086100"/>
+          </a:xfrm>
+          <a:custGeom>
+            <a:avLst/>
+            <a:gdLst/>
+            <a:ahLst/>
+            <a:cxnLst/>
+            <a:rect l="l" t="t" r="r" b="b"/>
+            <a:pathLst>
+              <a:path w="120000" h="120000" extrusionOk="0">
+                <a:moveTo>
+                  <a:pt x="0" y="0"/>
+                </a:moveTo>
+                <a:lnTo>
+                  <a:pt x="120000" y="0"/>
+                </a:lnTo>
+                <a:lnTo>
+                  <a:pt x="120000" y="120000"/>
+                </a:lnTo>
+                <a:lnTo>
+                  <a:pt x="0" y="120000"/>
+                </a:lnTo>
+                <a:close/>
+              </a:path>
+            </a:pathLst>
+          </a:custGeom>
+        </p:spPr>
+      </p:sp>
+    </p:spTree>
     <p:extLst>
       <p:ext uri="{BB962C8B-B14F-4D97-AF65-F5344CB8AC3E}">
         <p14:creationId xmlns:p14="http://schemas.microsoft.com/office/powerpoint/2010/main" val="931794252"/>
@@ -4401,7 +4543,7 @@
 </p:notes>
 </file>
 
-<file path=ppt/notesSlides/notesSlide22.xml><?xml version="1.0" encoding="utf-8"?>
+<file path=ppt/notesSlides/notesSlide23.xml><?xml version="1.0" encoding="utf-8"?>
 <p:notes xmlns:a="http://schemas.openxmlformats.org/drawingml/2006/main" xmlns:r="http://schemas.openxmlformats.org/officeDocument/2006/relationships" xmlns:p="http://schemas.openxmlformats.org/presentationml/2006/main" showMasterSp="0" showMasterPhAnim="0">
   <p:cSld>
     <p:spTree>
@@ -4459,110 +4601,6 @@
       <p:sp>
         <p:nvSpPr>
           <p:cNvPr id="201" name="Google Shape;201;p8:notes"/>
-          <p:cNvSpPr>
-            <a:spLocks noGrp="1" noRot="1" noChangeAspect="1"/>
-          </p:cNvSpPr>
-          <p:nvPr>
-            <p:ph type="sldImg" idx="2"/>
-          </p:nvPr>
-        </p:nvSpPr>
-        <p:spPr>
-          <a:xfrm>
-            <a:off x="1371600" y="1143000"/>
-            <a:ext cx="4114800" cy="3086100"/>
-          </a:xfrm>
-          <a:custGeom>
-            <a:avLst/>
-            <a:gdLst/>
-            <a:ahLst/>
-            <a:cxnLst/>
-            <a:rect l="l" t="t" r="r" b="b"/>
-            <a:pathLst>
-              <a:path w="120000" h="120000" extrusionOk="0">
-                <a:moveTo>
-                  <a:pt x="0" y="0"/>
-                </a:moveTo>
-                <a:lnTo>
-                  <a:pt x="120000" y="0"/>
-                </a:lnTo>
-                <a:lnTo>
-                  <a:pt x="120000" y="120000"/>
-                </a:lnTo>
-                <a:lnTo>
-                  <a:pt x="0" y="120000"/>
-                </a:lnTo>
-                <a:close/>
-              </a:path>
-            </a:pathLst>
-          </a:custGeom>
-        </p:spPr>
-      </p:sp>
-    </p:spTree>
-  </p:cSld>
-  <p:clrMapOvr>
-    <a:masterClrMapping/>
-  </p:clrMapOvr>
-</p:notes>
-</file>
-
-<file path=ppt/notesSlides/notesSlide23.xml><?xml version="1.0" encoding="utf-8"?>
-<p:notes xmlns:a="http://schemas.openxmlformats.org/drawingml/2006/main" xmlns:r="http://schemas.openxmlformats.org/officeDocument/2006/relationships" xmlns:p="http://schemas.openxmlformats.org/presentationml/2006/main" showMasterSp="0" showMasterPhAnim="0">
-  <p:cSld>
-    <p:spTree>
-      <p:nvGrpSpPr>
-        <p:cNvPr id="1" name="Shape 206"/>
-        <p:cNvGrpSpPr/>
-        <p:nvPr/>
-      </p:nvGrpSpPr>
-      <p:grpSpPr>
-        <a:xfrm>
-          <a:off x="0" y="0"/>
-          <a:ext cx="0" cy="0"/>
-          <a:chOff x="0" y="0"/>
-          <a:chExt cx="0" cy="0"/>
-        </a:xfrm>
-      </p:grpSpPr>
-      <p:sp>
-        <p:nvSpPr>
-          <p:cNvPr id="207" name="Google Shape;207;g44afb3b69e_0_31:notes"/>
-          <p:cNvSpPr txBox="1">
-            <a:spLocks noGrp="1"/>
-          </p:cNvSpPr>
-          <p:nvPr>
-            <p:ph type="body" idx="1"/>
-          </p:nvPr>
-        </p:nvSpPr>
-        <p:spPr>
-          <a:xfrm>
-            <a:off x="685800" y="4400550"/>
-            <a:ext cx="5486400" cy="3600600"/>
-          </a:xfrm>
-          <a:prstGeom prst="rect">
-            <a:avLst/>
-          </a:prstGeom>
-        </p:spPr>
-        <p:txBody>
-          <a:bodyPr spcFirstLastPara="1" wrap="square" lIns="91425" tIns="45700" rIns="91425" bIns="45700" anchor="t" anchorCtr="0">
-            <a:noAutofit/>
-          </a:bodyPr>
-          <a:lstStyle/>
-          <a:p>
-            <a:pPr marL="0" lvl="0" indent="0" algn="l" rtl="0">
-              <a:spcBef>
-                <a:spcPts val="0"/>
-              </a:spcBef>
-              <a:spcAft>
-                <a:spcPts val="0"/>
-              </a:spcAft>
-              <a:buNone/>
-            </a:pPr>
-            <a:endParaRPr/>
-          </a:p>
-        </p:txBody>
-      </p:sp>
-      <p:sp>
-        <p:nvSpPr>
-          <p:cNvPr id="208" name="Google Shape;208;g44afb3b69e_0_31:notes"/>
           <p:cNvSpPr>
             <a:spLocks noGrp="1" noRot="1" noChangeAspect="1"/>
           </p:cNvSpPr>
@@ -4706,6 +4744,110 @@
         </p:spPr>
       </p:sp>
     </p:spTree>
+  </p:cSld>
+  <p:clrMapOvr>
+    <a:masterClrMapping/>
+  </p:clrMapOvr>
+</p:notes>
+</file>
+
+<file path=ppt/notesSlides/notesSlide25.xml><?xml version="1.0" encoding="utf-8"?>
+<p:notes xmlns:a="http://schemas.openxmlformats.org/drawingml/2006/main" xmlns:r="http://schemas.openxmlformats.org/officeDocument/2006/relationships" xmlns:p="http://schemas.openxmlformats.org/presentationml/2006/main" showMasterSp="0" showMasterPhAnim="0">
+  <p:cSld>
+    <p:spTree>
+      <p:nvGrpSpPr>
+        <p:cNvPr id="1" name="Shape 206"/>
+        <p:cNvGrpSpPr/>
+        <p:nvPr/>
+      </p:nvGrpSpPr>
+      <p:grpSpPr>
+        <a:xfrm>
+          <a:off x="0" y="0"/>
+          <a:ext cx="0" cy="0"/>
+          <a:chOff x="0" y="0"/>
+          <a:chExt cx="0" cy="0"/>
+        </a:xfrm>
+      </p:grpSpPr>
+      <p:sp>
+        <p:nvSpPr>
+          <p:cNvPr id="207" name="Google Shape;207;g44afb3b69e_0_31:notes"/>
+          <p:cNvSpPr txBox="1">
+            <a:spLocks noGrp="1"/>
+          </p:cNvSpPr>
+          <p:nvPr>
+            <p:ph type="body" idx="1"/>
+          </p:nvPr>
+        </p:nvSpPr>
+        <p:spPr>
+          <a:xfrm>
+            <a:off x="685800" y="4400550"/>
+            <a:ext cx="5486400" cy="3600600"/>
+          </a:xfrm>
+          <a:prstGeom prst="rect">
+            <a:avLst/>
+          </a:prstGeom>
+        </p:spPr>
+        <p:txBody>
+          <a:bodyPr spcFirstLastPara="1" wrap="square" lIns="91425" tIns="45700" rIns="91425" bIns="45700" anchor="t" anchorCtr="0">
+            <a:noAutofit/>
+          </a:bodyPr>
+          <a:lstStyle/>
+          <a:p>
+            <a:pPr marL="0" lvl="0" indent="0" algn="l" rtl="0">
+              <a:spcBef>
+                <a:spcPts val="0"/>
+              </a:spcBef>
+              <a:spcAft>
+                <a:spcPts val="0"/>
+              </a:spcAft>
+              <a:buNone/>
+            </a:pPr>
+            <a:endParaRPr/>
+          </a:p>
+        </p:txBody>
+      </p:sp>
+      <p:sp>
+        <p:nvSpPr>
+          <p:cNvPr id="208" name="Google Shape;208;g44afb3b69e_0_31:notes"/>
+          <p:cNvSpPr>
+            <a:spLocks noGrp="1" noRot="1" noChangeAspect="1"/>
+          </p:cNvSpPr>
+          <p:nvPr>
+            <p:ph type="sldImg" idx="2"/>
+          </p:nvPr>
+        </p:nvSpPr>
+        <p:spPr>
+          <a:xfrm>
+            <a:off x="1371600" y="1143000"/>
+            <a:ext cx="4114800" cy="3086100"/>
+          </a:xfrm>
+          <a:custGeom>
+            <a:avLst/>
+            <a:gdLst/>
+            <a:ahLst/>
+            <a:cxnLst/>
+            <a:rect l="l" t="t" r="r" b="b"/>
+            <a:pathLst>
+              <a:path w="120000" h="120000" extrusionOk="0">
+                <a:moveTo>
+                  <a:pt x="0" y="0"/>
+                </a:moveTo>
+                <a:lnTo>
+                  <a:pt x="120000" y="0"/>
+                </a:lnTo>
+                <a:lnTo>
+                  <a:pt x="120000" y="120000"/>
+                </a:lnTo>
+                <a:lnTo>
+                  <a:pt x="0" y="120000"/>
+                </a:lnTo>
+                <a:close/>
+              </a:path>
+            </a:pathLst>
+          </a:custGeom>
+        </p:spPr>
+      </p:sp>
+    </p:spTree>
     <p:extLst>
       <p:ext uri="{BB962C8B-B14F-4D97-AF65-F5344CB8AC3E}">
         <p14:creationId xmlns:p14="http://schemas.microsoft.com/office/powerpoint/2010/main" val="350844657"/>
@@ -4718,7 +4860,7 @@
 </p:notes>
 </file>
 
-<file path=ppt/notesSlides/notesSlide25.xml><?xml version="1.0" encoding="utf-8"?>
+<file path=ppt/notesSlides/notesSlide26.xml><?xml version="1.0" encoding="utf-8"?>
 <p:notes xmlns:a="http://schemas.openxmlformats.org/drawingml/2006/main" xmlns:r="http://schemas.openxmlformats.org/officeDocument/2006/relationships" xmlns:p="http://schemas.openxmlformats.org/presentationml/2006/main" showMasterSp="0" showMasterPhAnim="0">
   <p:cSld>
     <p:spTree>
@@ -4776,110 +4918,6 @@
       <p:sp>
         <p:nvSpPr>
           <p:cNvPr id="216" name="Google Shape;216;g44afb3b69e_0_37:notes"/>
-          <p:cNvSpPr>
-            <a:spLocks noGrp="1" noRot="1" noChangeAspect="1"/>
-          </p:cNvSpPr>
-          <p:nvPr>
-            <p:ph type="sldImg" idx="2"/>
-          </p:nvPr>
-        </p:nvSpPr>
-        <p:spPr>
-          <a:xfrm>
-            <a:off x="1371600" y="1143000"/>
-            <a:ext cx="4114800" cy="3086100"/>
-          </a:xfrm>
-          <a:custGeom>
-            <a:avLst/>
-            <a:gdLst/>
-            <a:ahLst/>
-            <a:cxnLst/>
-            <a:rect l="l" t="t" r="r" b="b"/>
-            <a:pathLst>
-              <a:path w="120000" h="120000" extrusionOk="0">
-                <a:moveTo>
-                  <a:pt x="0" y="0"/>
-                </a:moveTo>
-                <a:lnTo>
-                  <a:pt x="120000" y="0"/>
-                </a:lnTo>
-                <a:lnTo>
-                  <a:pt x="120000" y="120000"/>
-                </a:lnTo>
-                <a:lnTo>
-                  <a:pt x="0" y="120000"/>
-                </a:lnTo>
-                <a:close/>
-              </a:path>
-            </a:pathLst>
-          </a:custGeom>
-        </p:spPr>
-      </p:sp>
-    </p:spTree>
-  </p:cSld>
-  <p:clrMapOvr>
-    <a:masterClrMapping/>
-  </p:clrMapOvr>
-</p:notes>
-</file>
-
-<file path=ppt/notesSlides/notesSlide26.xml><?xml version="1.0" encoding="utf-8"?>
-<p:notes xmlns:a="http://schemas.openxmlformats.org/drawingml/2006/main" xmlns:r="http://schemas.openxmlformats.org/officeDocument/2006/relationships" xmlns:p="http://schemas.openxmlformats.org/presentationml/2006/main" showMasterSp="0" showMasterPhAnim="0">
-  <p:cSld>
-    <p:spTree>
-      <p:nvGrpSpPr>
-        <p:cNvPr id="1" name="Shape 222"/>
-        <p:cNvGrpSpPr/>
-        <p:nvPr/>
-      </p:nvGrpSpPr>
-      <p:grpSpPr>
-        <a:xfrm>
-          <a:off x="0" y="0"/>
-          <a:ext cx="0" cy="0"/>
-          <a:chOff x="0" y="0"/>
-          <a:chExt cx="0" cy="0"/>
-        </a:xfrm>
-      </p:grpSpPr>
-      <p:sp>
-        <p:nvSpPr>
-          <p:cNvPr id="223" name="Google Shape;223;p9:notes"/>
-          <p:cNvSpPr txBox="1">
-            <a:spLocks noGrp="1"/>
-          </p:cNvSpPr>
-          <p:nvPr>
-            <p:ph type="body" idx="1"/>
-          </p:nvPr>
-        </p:nvSpPr>
-        <p:spPr>
-          <a:xfrm>
-            <a:off x="685800" y="4400550"/>
-            <a:ext cx="5486400" cy="3600450"/>
-          </a:xfrm>
-          <a:prstGeom prst="rect">
-            <a:avLst/>
-          </a:prstGeom>
-        </p:spPr>
-        <p:txBody>
-          <a:bodyPr spcFirstLastPara="1" wrap="square" lIns="91425" tIns="45700" rIns="91425" bIns="45700" anchor="t" anchorCtr="0">
-            <a:noAutofit/>
-          </a:bodyPr>
-          <a:lstStyle/>
-          <a:p>
-            <a:pPr marL="0" lvl="0" indent="0" algn="l" rtl="0">
-              <a:spcBef>
-                <a:spcPts val="0"/>
-              </a:spcBef>
-              <a:spcAft>
-                <a:spcPts val="0"/>
-              </a:spcAft>
-              <a:buNone/>
-            </a:pPr>
-            <a:endParaRPr/>
-          </a:p>
-        </p:txBody>
-      </p:sp>
-      <p:sp>
-        <p:nvSpPr>
-          <p:cNvPr id="224" name="Google Shape;224;p9:notes"/>
           <p:cNvSpPr>
             <a:spLocks noGrp="1" noRot="1" noChangeAspect="1"/>
           </p:cNvSpPr>
@@ -5023,11 +5061,6 @@
         </p:spPr>
       </p:sp>
     </p:spTree>
-    <p:extLst>
-      <p:ext uri="{BB962C8B-B14F-4D97-AF65-F5344CB8AC3E}">
-        <p14:creationId xmlns:p14="http://schemas.microsoft.com/office/powerpoint/2010/main" val="2409597541"/>
-      </p:ext>
-    </p:extLst>
   </p:cSld>
   <p:clrMapOvr>
     <a:masterClrMapping/>
@@ -5040,7 +5073,7 @@
   <p:cSld>
     <p:spTree>
       <p:nvGrpSpPr>
-        <p:cNvPr id="1" name="Shape 231"/>
+        <p:cNvPr id="1" name="Shape 222"/>
         <p:cNvGrpSpPr/>
         <p:nvPr/>
       </p:nvGrpSpPr>
@@ -5054,7 +5087,7 @@
       </p:grpSpPr>
       <p:sp>
         <p:nvSpPr>
-          <p:cNvPr id="232" name="Google Shape;232;p10:notes"/>
+          <p:cNvPr id="223" name="Google Shape;223;p9:notes"/>
           <p:cNvSpPr txBox="1">
             <a:spLocks noGrp="1"/>
           </p:cNvSpPr>
@@ -5092,7 +5125,7 @@
       </p:sp>
       <p:sp>
         <p:nvSpPr>
-          <p:cNvPr id="233" name="Google Shape;233;p10:notes"/>
+          <p:cNvPr id="224" name="Google Shape;224;p9:notes"/>
           <p:cNvSpPr>
             <a:spLocks noGrp="1" noRot="1" noChangeAspect="1"/>
           </p:cNvSpPr>
@@ -5134,7 +5167,7 @@
     </p:spTree>
     <p:extLst>
       <p:ext uri="{BB962C8B-B14F-4D97-AF65-F5344CB8AC3E}">
-        <p14:creationId xmlns:p14="http://schemas.microsoft.com/office/powerpoint/2010/main" val="2169026235"/>
+        <p14:creationId xmlns:p14="http://schemas.microsoft.com/office/powerpoint/2010/main" val="2409597541"/>
       </p:ext>
     </p:extLst>
   </p:cSld>
@@ -5243,7 +5276,7 @@
     </p:spTree>
     <p:extLst>
       <p:ext uri="{BB962C8B-B14F-4D97-AF65-F5344CB8AC3E}">
-        <p14:creationId xmlns:p14="http://schemas.microsoft.com/office/powerpoint/2010/main" val="2937086454"/>
+        <p14:creationId xmlns:p14="http://schemas.microsoft.com/office/powerpoint/2010/main" val="2169026235"/>
       </p:ext>
     </p:extLst>
   </p:cSld>
@@ -5456,7 +5489,7 @@
     </p:spTree>
     <p:extLst>
       <p:ext uri="{BB962C8B-B14F-4D97-AF65-F5344CB8AC3E}">
-        <p14:creationId xmlns:p14="http://schemas.microsoft.com/office/powerpoint/2010/main" val="2204235444"/>
+        <p14:creationId xmlns:p14="http://schemas.microsoft.com/office/powerpoint/2010/main" val="2937086454"/>
       </p:ext>
     </p:extLst>
   </p:cSld>
@@ -5471,7 +5504,7 @@
   <p:cSld>
     <p:spTree>
       <p:nvGrpSpPr>
-        <p:cNvPr id="1" name="Shape 240"/>
+        <p:cNvPr id="1" name="Shape 231"/>
         <p:cNvGrpSpPr/>
         <p:nvPr/>
       </p:nvGrpSpPr>
@@ -5485,7 +5518,7 @@
       </p:grpSpPr>
       <p:sp>
         <p:nvSpPr>
-          <p:cNvPr id="241" name="Google Shape;241;g44afb3b69e_0_119:notes"/>
+          <p:cNvPr id="232" name="Google Shape;232;p10:notes"/>
           <p:cNvSpPr txBox="1">
             <a:spLocks noGrp="1"/>
           </p:cNvSpPr>
@@ -5496,7 +5529,7 @@
         <p:spPr>
           <a:xfrm>
             <a:off x="685800" y="4400550"/>
-            <a:ext cx="5486400" cy="3600600"/>
+            <a:ext cx="5486400" cy="3600450"/>
           </a:xfrm>
           <a:prstGeom prst="rect">
             <a:avLst/>
@@ -5523,7 +5556,7 @@
       </p:sp>
       <p:sp>
         <p:nvSpPr>
-          <p:cNvPr id="242" name="Google Shape;242;g44afb3b69e_0_119:notes"/>
+          <p:cNvPr id="233" name="Google Shape;233;p10:notes"/>
           <p:cNvSpPr>
             <a:spLocks noGrp="1" noRot="1" noChangeAspect="1"/>
           </p:cNvSpPr>
@@ -5563,6 +5596,11 @@
         </p:spPr>
       </p:sp>
     </p:spTree>
+    <p:extLst>
+      <p:ext uri="{BB962C8B-B14F-4D97-AF65-F5344CB8AC3E}">
+        <p14:creationId xmlns:p14="http://schemas.microsoft.com/office/powerpoint/2010/main" val="2204235444"/>
+      </p:ext>
+    </p:extLst>
   </p:cSld>
   <p:clrMapOvr>
     <a:masterClrMapping/>
@@ -5667,11 +5705,6 @@
         </p:spPr>
       </p:sp>
     </p:spTree>
-    <p:extLst>
-      <p:ext uri="{BB962C8B-B14F-4D97-AF65-F5344CB8AC3E}">
-        <p14:creationId xmlns:p14="http://schemas.microsoft.com/office/powerpoint/2010/main" val="4063535955"/>
-      </p:ext>
-    </p:extLst>
   </p:cSld>
   <p:clrMapOvr>
     <a:masterClrMapping/>
@@ -6328,7 +6361,7 @@
   <p:cSld>
     <p:spTree>
       <p:nvGrpSpPr>
-        <p:cNvPr id="1" name="Shape 121"/>
+        <p:cNvPr id="1" name="Shape 106"/>
         <p:cNvGrpSpPr/>
         <p:nvPr/>
       </p:nvGrpSpPr>
@@ -6342,7 +6375,7 @@
       </p:grpSpPr>
       <p:sp>
         <p:nvSpPr>
-          <p:cNvPr id="122" name="Google Shape;122;p4:notes"/>
+          <p:cNvPr id="107" name="Google Shape;107;g44649b5f8e_0_25:notes"/>
           <p:cNvSpPr txBox="1">
             <a:spLocks noGrp="1"/>
           </p:cNvSpPr>
@@ -6353,7 +6386,7 @@
         <p:spPr>
           <a:xfrm>
             <a:off x="685800" y="4400550"/>
-            <a:ext cx="5486400" cy="3600450"/>
+            <a:ext cx="5486400" cy="3600600"/>
           </a:xfrm>
           <a:prstGeom prst="rect">
             <a:avLst/>
@@ -6374,41 +6407,13 @@
               </a:spcAft>
               <a:buNone/>
             </a:pPr>
-            <a:r>
-              <a:rPr lang="en-US"/>
-              <a:t>GH comments: Include histograms and summary statistics. </a:t>
-            </a:r>
-            <a:endParaRPr/>
-          </a:p>
-          <a:p>
-            <a:pPr marL="0" lvl="0" indent="0" algn="l" rtl="0">
-              <a:spcBef>
-                <a:spcPts val="0"/>
-              </a:spcBef>
-              <a:spcAft>
-                <a:spcPts val="0"/>
-              </a:spcAft>
-              <a:buNone/>
-            </a:pPr>
-            <a:endParaRPr/>
-          </a:p>
-          <a:p>
-            <a:pPr marL="0" lvl="0" indent="0" algn="l" rtl="0">
-              <a:spcBef>
-                <a:spcPts val="0"/>
-              </a:spcBef>
-              <a:spcAft>
-                <a:spcPts val="0"/>
-              </a:spcAft>
-              <a:buNone/>
-            </a:pPr>
             <a:endParaRPr/>
           </a:p>
         </p:txBody>
       </p:sp>
       <p:sp>
         <p:nvSpPr>
-          <p:cNvPr id="123" name="Google Shape;123;p4:notes"/>
+          <p:cNvPr id="108" name="Google Shape;108;g44649b5f8e_0_25:notes"/>
           <p:cNvSpPr>
             <a:spLocks noGrp="1" noRot="1" noChangeAspect="1"/>
           </p:cNvSpPr>
@@ -6450,7 +6455,7 @@
     </p:spTree>
     <p:extLst>
       <p:ext uri="{BB962C8B-B14F-4D97-AF65-F5344CB8AC3E}">
-        <p14:creationId xmlns:p14="http://schemas.microsoft.com/office/powerpoint/2010/main" val="1180088657"/>
+        <p14:creationId xmlns:p14="http://schemas.microsoft.com/office/powerpoint/2010/main" val="3861846514"/>
       </p:ext>
     </p:extLst>
   </p:cSld>
@@ -20962,6 +20967,282 @@
     </p:spTree>
     <p:extLst>
       <p:ext uri="{BB962C8B-B14F-4D97-AF65-F5344CB8AC3E}">
+        <p14:creationId xmlns:p14="http://schemas.microsoft.com/office/powerpoint/2010/main" val="1582688869"/>
+      </p:ext>
+    </p:extLst>
+  </p:cSld>
+  <p:clrMapOvr>
+    <a:masterClrMapping/>
+  </p:clrMapOvr>
+  <mc:AlternateContent xmlns:mc="http://schemas.openxmlformats.org/markup-compatibility/2006">
+    <mc:Choice xmlns:p14="http://schemas.microsoft.com/office/powerpoint/2010/main" Requires="p14">
+      <p:transition p14:dur="10" advClick="0" advTm="15000"/>
+    </mc:Choice>
+    <mc:Fallback>
+      <p:transition advClick="0" advTm="15000"/>
+    </mc:Fallback>
+  </mc:AlternateContent>
+</p:sld>
+</file>
+
+<file path=ppt/slides/slide11.xml><?xml version="1.0" encoding="utf-8"?>
+<p:sld xmlns:a="http://schemas.openxmlformats.org/drawingml/2006/main" xmlns:r="http://schemas.openxmlformats.org/officeDocument/2006/relationships" xmlns:p="http://schemas.openxmlformats.org/presentationml/2006/main">
+  <p:cSld>
+    <p:spTree>
+      <p:nvGrpSpPr>
+        <p:cNvPr id="1" name="Shape 124"/>
+        <p:cNvGrpSpPr/>
+        <p:nvPr/>
+      </p:nvGrpSpPr>
+      <p:grpSpPr>
+        <a:xfrm>
+          <a:off x="0" y="0"/>
+          <a:ext cx="0" cy="0"/>
+          <a:chOff x="0" y="0"/>
+          <a:chExt cx="0" cy="0"/>
+        </a:xfrm>
+      </p:grpSpPr>
+      <p:sp>
+        <p:nvSpPr>
+          <p:cNvPr id="125" name="Google Shape;125;p18"/>
+          <p:cNvSpPr txBox="1">
+            <a:spLocks noGrp="1"/>
+          </p:cNvSpPr>
+          <p:nvPr>
+            <p:ph type="title"/>
+          </p:nvPr>
+        </p:nvSpPr>
+        <p:spPr>
+          <a:xfrm>
+            <a:off x="628650" y="365126"/>
+            <a:ext cx="7886700" cy="1325563"/>
+          </a:xfrm>
+          <a:prstGeom prst="rect">
+            <a:avLst/>
+          </a:prstGeom>
+          <a:noFill/>
+          <a:ln>
+            <a:noFill/>
+          </a:ln>
+        </p:spPr>
+        <p:txBody>
+          <a:bodyPr spcFirstLastPara="1" wrap="square" lIns="91425" tIns="45700" rIns="91425" bIns="45700" anchor="ctr" anchorCtr="0">
+            <a:noAutofit/>
+          </a:bodyPr>
+          <a:lstStyle/>
+          <a:p>
+            <a:pPr marL="0" marR="0" lvl="0" indent="0" algn="ctr" rtl="0">
+              <a:lnSpc>
+                <a:spcPct val="90000"/>
+              </a:lnSpc>
+              <a:spcBef>
+                <a:spcPts val="0"/>
+              </a:spcBef>
+              <a:spcAft>
+                <a:spcPts val="0"/>
+              </a:spcAft>
+              <a:buClr>
+                <a:schemeClr val="dk1"/>
+              </a:buClr>
+              <a:buSzPts val="4000"/>
+              <a:buFont typeface="Arial"/>
+              <a:buNone/>
+            </a:pPr>
+            <a:r>
+              <a:rPr lang="en-US" b="0" dirty="0">
+                <a:latin typeface="Oswald ExtraLight"/>
+                <a:ea typeface="Oswald ExtraLight"/>
+                <a:cs typeface="Oswald ExtraLight"/>
+                <a:sym typeface="Oswald ExtraLight"/>
+              </a:rPr>
+              <a:t>Feature Data Exploration</a:t>
+            </a:r>
+            <a:endParaRPr b="0" dirty="0">
+              <a:latin typeface="Oswald ExtraLight"/>
+              <a:ea typeface="Oswald ExtraLight"/>
+              <a:cs typeface="Oswald ExtraLight"/>
+              <a:sym typeface="Oswald ExtraLight"/>
+            </a:endParaRPr>
+          </a:p>
+        </p:txBody>
+      </p:sp>
+      <p:sp>
+        <p:nvSpPr>
+          <p:cNvPr id="126" name="Google Shape;126;p18"/>
+          <p:cNvSpPr txBox="1">
+            <a:spLocks noGrp="1"/>
+          </p:cNvSpPr>
+          <p:nvPr>
+            <p:ph type="sldNum" idx="12"/>
+          </p:nvPr>
+        </p:nvSpPr>
+        <p:spPr>
+          <a:xfrm>
+            <a:off x="6457950" y="6356351"/>
+            <a:ext cx="2057400" cy="365125"/>
+          </a:xfrm>
+          <a:prstGeom prst="rect">
+            <a:avLst/>
+          </a:prstGeom>
+          <a:noFill/>
+          <a:ln>
+            <a:noFill/>
+          </a:ln>
+        </p:spPr>
+        <p:txBody>
+          <a:bodyPr spcFirstLastPara="1" wrap="square" lIns="91425" tIns="45700" rIns="91425" bIns="45700" anchor="ctr" anchorCtr="0">
+            <a:noAutofit/>
+          </a:bodyPr>
+          <a:lstStyle/>
+          <a:p>
+            <a:pPr marL="0" marR="0" lvl="0" indent="0" algn="r" rtl="0">
+              <a:spcBef>
+                <a:spcPts val="0"/>
+              </a:spcBef>
+              <a:spcAft>
+                <a:spcPts val="0"/>
+              </a:spcAft>
+              <a:buNone/>
+            </a:pPr>
+            <a:fld id="{00000000-1234-1234-1234-123412341234}" type="slidenum">
+              <a:rPr lang="en-US" sz="1200" b="0" i="0" u="none" strike="noStrike" cap="none">
+                <a:solidFill>
+                  <a:srgbClr val="002060"/>
+                </a:solidFill>
+                <a:latin typeface="Calibri"/>
+                <a:ea typeface="Calibri"/>
+                <a:cs typeface="Calibri"/>
+                <a:sym typeface="Calibri"/>
+              </a:rPr>
+              <a:t>11</a:t>
+            </a:fld>
+            <a:endParaRPr sz="1200" b="0" i="0" u="none" strike="noStrike" cap="none" dirty="0">
+              <a:solidFill>
+                <a:srgbClr val="002060"/>
+              </a:solidFill>
+              <a:latin typeface="Calibri"/>
+              <a:ea typeface="Calibri"/>
+              <a:cs typeface="Calibri"/>
+              <a:sym typeface="Calibri"/>
+            </a:endParaRPr>
+          </a:p>
+        </p:txBody>
+      </p:sp>
+      <p:pic>
+        <p:nvPicPr>
+          <p:cNvPr id="127" name="Google Shape;127;p18"/>
+          <p:cNvPicPr preferRelativeResize="0"/>
+          <p:nvPr/>
+        </p:nvPicPr>
+        <p:blipFill>
+          <a:blip r:embed="rId3">
+            <a:alphaModFix/>
+          </a:blip>
+          <a:stretch>
+            <a:fillRect/>
+          </a:stretch>
+        </p:blipFill>
+        <p:spPr>
+          <a:xfrm>
+            <a:off x="1321925" y="1464618"/>
+            <a:ext cx="2939503" cy="2286987"/>
+          </a:xfrm>
+          <a:prstGeom prst="rect">
+            <a:avLst/>
+          </a:prstGeom>
+          <a:noFill/>
+          <a:ln>
+            <a:noFill/>
+          </a:ln>
+        </p:spPr>
+      </p:pic>
+      <p:pic>
+        <p:nvPicPr>
+          <p:cNvPr id="128" name="Google Shape;128;p18"/>
+          <p:cNvPicPr preferRelativeResize="0"/>
+          <p:nvPr/>
+        </p:nvPicPr>
+        <p:blipFill>
+          <a:blip r:embed="rId4">
+            <a:alphaModFix/>
+          </a:blip>
+          <a:stretch>
+            <a:fillRect/>
+          </a:stretch>
+        </p:blipFill>
+        <p:spPr>
+          <a:xfrm>
+            <a:off x="4881925" y="1464625"/>
+            <a:ext cx="2815239" cy="2190278"/>
+          </a:xfrm>
+          <a:prstGeom prst="rect">
+            <a:avLst/>
+          </a:prstGeom>
+          <a:noFill/>
+          <a:ln>
+            <a:noFill/>
+          </a:ln>
+        </p:spPr>
+      </p:pic>
+      <p:pic>
+        <p:nvPicPr>
+          <p:cNvPr id="129" name="Google Shape;129;p18"/>
+          <p:cNvPicPr preferRelativeResize="0"/>
+          <p:nvPr/>
+        </p:nvPicPr>
+        <p:blipFill>
+          <a:blip r:embed="rId5">
+            <a:alphaModFix/>
+          </a:blip>
+          <a:stretch>
+            <a:fillRect/>
+          </a:stretch>
+        </p:blipFill>
+        <p:spPr>
+          <a:xfrm>
+            <a:off x="1321926" y="4021272"/>
+            <a:ext cx="2815240" cy="2229059"/>
+          </a:xfrm>
+          <a:prstGeom prst="rect">
+            <a:avLst/>
+          </a:prstGeom>
+          <a:noFill/>
+          <a:ln>
+            <a:noFill/>
+          </a:ln>
+        </p:spPr>
+      </p:pic>
+      <p:pic>
+        <p:nvPicPr>
+          <p:cNvPr id="130" name="Google Shape;130;p18"/>
+          <p:cNvPicPr preferRelativeResize="0"/>
+          <p:nvPr/>
+        </p:nvPicPr>
+        <p:blipFill>
+          <a:blip r:embed="rId6">
+            <a:alphaModFix/>
+          </a:blip>
+          <a:stretch>
+            <a:fillRect/>
+          </a:stretch>
+        </p:blipFill>
+        <p:spPr>
+          <a:xfrm>
+            <a:off x="4881926" y="4021248"/>
+            <a:ext cx="2815240" cy="2229082"/>
+          </a:xfrm>
+          <a:prstGeom prst="rect">
+            <a:avLst/>
+          </a:prstGeom>
+          <a:noFill/>
+          <a:ln>
+            <a:noFill/>
+          </a:ln>
+        </p:spPr>
+      </p:pic>
+    </p:spTree>
+    <p:extLst>
+      <p:ext uri="{BB962C8B-B14F-4D97-AF65-F5344CB8AC3E}">
         <p14:creationId xmlns:p14="http://schemas.microsoft.com/office/powerpoint/2010/main" val="163342493"/>
       </p:ext>
     </p:extLst>
@@ -20980,7 +21261,7 @@
 </p:sld>
 </file>
 
-<file path=ppt/slides/slide11.xml><?xml version="1.0" encoding="utf-8"?>
+<file path=ppt/slides/slide12.xml><?xml version="1.0" encoding="utf-8"?>
 <p:sld xmlns:a="http://schemas.openxmlformats.org/drawingml/2006/main" xmlns:r="http://schemas.openxmlformats.org/officeDocument/2006/relationships" xmlns:p="http://schemas.openxmlformats.org/presentationml/2006/main">
   <p:cSld>
     <p:spTree>
@@ -21118,7 +21399,7 @@
                 <a:cs typeface="Calibri"/>
                 <a:sym typeface="Calibri"/>
               </a:rPr>
-              <a:t>11</a:t>
+              <a:t>12</a:t>
             </a:fld>
             <a:endParaRPr sz="1200" b="0" i="0" u="none" strike="noStrike" cap="none" dirty="0">
               <a:solidFill>
@@ -21160,645 +21441,6 @@
           </a:ln>
         </p:spPr>
       </p:pic>
-    </p:spTree>
-  </p:cSld>
-  <p:clrMapOvr>
-    <a:masterClrMapping/>
-  </p:clrMapOvr>
-  <mc:AlternateContent xmlns:mc="http://schemas.openxmlformats.org/markup-compatibility/2006">
-    <mc:Choice xmlns:p14="http://schemas.microsoft.com/office/powerpoint/2010/main" Requires="p14">
-      <p:transition p14:dur="10" advClick="0" advTm="15000"/>
-    </mc:Choice>
-    <mc:Fallback>
-      <p:transition advClick="0" advTm="15000"/>
-    </mc:Fallback>
-  </mc:AlternateContent>
-</p:sld>
-</file>
-
-<file path=ppt/slides/slide12.xml><?xml version="1.0" encoding="utf-8"?>
-<p:sld xmlns:a="http://schemas.openxmlformats.org/drawingml/2006/main" xmlns:r="http://schemas.openxmlformats.org/officeDocument/2006/relationships" xmlns:p="http://schemas.openxmlformats.org/presentationml/2006/main">
-  <p:cSld>
-    <p:spTree>
-      <p:nvGrpSpPr>
-        <p:cNvPr id="1" name="Shape 141"/>
-        <p:cNvGrpSpPr/>
-        <p:nvPr/>
-      </p:nvGrpSpPr>
-      <p:grpSpPr>
-        <a:xfrm>
-          <a:off x="0" y="0"/>
-          <a:ext cx="0" cy="0"/>
-          <a:chOff x="0" y="0"/>
-          <a:chExt cx="0" cy="0"/>
-        </a:xfrm>
-      </p:grpSpPr>
-      <p:sp>
-        <p:nvSpPr>
-          <p:cNvPr id="142" name="Google Shape;142;p20"/>
-          <p:cNvSpPr txBox="1">
-            <a:spLocks noGrp="1"/>
-          </p:cNvSpPr>
-          <p:nvPr>
-            <p:ph type="title"/>
-          </p:nvPr>
-        </p:nvSpPr>
-        <p:spPr>
-          <a:xfrm>
-            <a:off x="628650" y="365126"/>
-            <a:ext cx="7886700" cy="1325563"/>
-          </a:xfrm>
-          <a:prstGeom prst="rect">
-            <a:avLst/>
-          </a:prstGeom>
-          <a:noFill/>
-          <a:ln>
-            <a:noFill/>
-          </a:ln>
-        </p:spPr>
-        <p:txBody>
-          <a:bodyPr spcFirstLastPara="1" wrap="square" lIns="91425" tIns="45700" rIns="91425" bIns="45700" anchor="ctr" anchorCtr="0">
-            <a:noAutofit/>
-          </a:bodyPr>
-          <a:lstStyle/>
-          <a:p>
-            <a:pPr marL="0" marR="0" lvl="0" indent="0" algn="ctr" rtl="0">
-              <a:lnSpc>
-                <a:spcPct val="90000"/>
-              </a:lnSpc>
-              <a:spcBef>
-                <a:spcPts val="0"/>
-              </a:spcBef>
-              <a:spcAft>
-                <a:spcPts val="0"/>
-              </a:spcAft>
-              <a:buClr>
-                <a:schemeClr val="dk1"/>
-              </a:buClr>
-              <a:buSzPts val="4000"/>
-              <a:buFont typeface="Arial"/>
-              <a:buNone/>
-            </a:pPr>
-            <a:r>
-              <a:rPr lang="en-US" b="0">
-                <a:latin typeface="Oswald Light"/>
-                <a:ea typeface="Oswald Light"/>
-                <a:cs typeface="Oswald Light"/>
-                <a:sym typeface="Oswald Light"/>
-              </a:rPr>
-              <a:t>Feature Engineering - iteration 1.0</a:t>
-            </a:r>
-            <a:endParaRPr sz="4000" b="0" i="0" u="none" strike="noStrike" cap="none">
-              <a:solidFill>
-                <a:schemeClr val="dk1"/>
-              </a:solidFill>
-              <a:latin typeface="Oswald Light"/>
-              <a:ea typeface="Oswald Light"/>
-              <a:cs typeface="Oswald Light"/>
-              <a:sym typeface="Oswald Light"/>
-            </a:endParaRPr>
-          </a:p>
-        </p:txBody>
-      </p:sp>
-      <p:sp>
-        <p:nvSpPr>
-          <p:cNvPr id="143" name="Google Shape;143;p20"/>
-          <p:cNvSpPr txBox="1">
-            <a:spLocks noGrp="1"/>
-          </p:cNvSpPr>
-          <p:nvPr>
-            <p:ph type="body" idx="1"/>
-          </p:nvPr>
-        </p:nvSpPr>
-        <p:spPr>
-          <a:xfrm>
-            <a:off x="628650" y="1825625"/>
-            <a:ext cx="7886700" cy="4351338"/>
-          </a:xfrm>
-          <a:prstGeom prst="rect">
-            <a:avLst/>
-          </a:prstGeom>
-          <a:noFill/>
-          <a:ln>
-            <a:noFill/>
-          </a:ln>
-        </p:spPr>
-        <p:txBody>
-          <a:bodyPr spcFirstLastPara="1" wrap="square" lIns="91425" tIns="45700" rIns="91425" bIns="45700" anchor="t" anchorCtr="0">
-            <a:noAutofit/>
-          </a:bodyPr>
-          <a:lstStyle/>
-          <a:p>
-            <a:pPr marL="228600" marR="0" lvl="0" indent="0" algn="l" rtl="0">
-              <a:lnSpc>
-                <a:spcPct val="80000"/>
-              </a:lnSpc>
-              <a:spcBef>
-                <a:spcPts val="0"/>
-              </a:spcBef>
-              <a:spcAft>
-                <a:spcPts val="0"/>
-              </a:spcAft>
-              <a:buNone/>
-            </a:pPr>
-            <a:r>
-              <a:rPr lang="en-US" sz="2800">
-                <a:solidFill>
-                  <a:srgbClr val="000000"/>
-                </a:solidFill>
-                <a:latin typeface="Oswald ExtraLight"/>
-                <a:ea typeface="Oswald ExtraLight"/>
-                <a:cs typeface="Oswald ExtraLight"/>
-                <a:sym typeface="Oswald ExtraLight"/>
-              </a:rPr>
-              <a:t>Initial Data Exploration gave below features</a:t>
-            </a:r>
-            <a:endParaRPr sz="2800">
-              <a:solidFill>
-                <a:srgbClr val="000000"/>
-              </a:solidFill>
-              <a:latin typeface="Oswald ExtraLight"/>
-              <a:ea typeface="Oswald ExtraLight"/>
-              <a:cs typeface="Oswald ExtraLight"/>
-              <a:sym typeface="Oswald ExtraLight"/>
-            </a:endParaRPr>
-          </a:p>
-          <a:p>
-            <a:pPr marL="228600" marR="0" lvl="0" indent="0" algn="l" rtl="0">
-              <a:lnSpc>
-                <a:spcPct val="80000"/>
-              </a:lnSpc>
-              <a:spcBef>
-                <a:spcPts val="0"/>
-              </a:spcBef>
-              <a:spcAft>
-                <a:spcPts val="0"/>
-              </a:spcAft>
-              <a:buNone/>
-            </a:pPr>
-            <a:endParaRPr sz="2800">
-              <a:solidFill>
-                <a:srgbClr val="000000"/>
-              </a:solidFill>
-              <a:latin typeface="Oswald ExtraLight"/>
-              <a:ea typeface="Oswald ExtraLight"/>
-              <a:cs typeface="Oswald ExtraLight"/>
-              <a:sym typeface="Oswald ExtraLight"/>
-            </a:endParaRPr>
-          </a:p>
-          <a:p>
-            <a:pPr marL="457200" lvl="0" indent="-406400" algn="l" rtl="0">
-              <a:lnSpc>
-                <a:spcPct val="80000"/>
-              </a:lnSpc>
-              <a:spcBef>
-                <a:spcPts val="0"/>
-              </a:spcBef>
-              <a:spcAft>
-                <a:spcPts val="0"/>
-              </a:spcAft>
-              <a:buSzPts val="2800"/>
-              <a:buFont typeface="Oswald ExtraLight"/>
-              <a:buChar char="❏"/>
-            </a:pPr>
-            <a:r>
-              <a:rPr lang="en-US" sz="2800" b="1">
-                <a:latin typeface="Oswald"/>
-                <a:ea typeface="Oswald"/>
-                <a:cs typeface="Oswald"/>
-                <a:sym typeface="Oswald"/>
-              </a:rPr>
-              <a:t>Present</a:t>
-            </a:r>
-            <a:r>
-              <a:rPr lang="en-US" sz="2800">
-                <a:latin typeface="Oswald ExtraLight"/>
-                <a:ea typeface="Oswald ExtraLight"/>
-                <a:cs typeface="Oswald ExtraLight"/>
-                <a:sym typeface="Oswald ExtraLight"/>
-              </a:rPr>
-              <a:t> on Google Knowledge Graph[</a:t>
-            </a:r>
-            <a:r>
-              <a:rPr lang="en-US" sz="2800">
-                <a:solidFill>
-                  <a:srgbClr val="0000FF"/>
-                </a:solidFill>
-                <a:latin typeface="Oswald ExtraLight"/>
-                <a:ea typeface="Oswald ExtraLight"/>
-                <a:cs typeface="Oswald ExtraLight"/>
-                <a:sym typeface="Oswald ExtraLight"/>
-              </a:rPr>
-              <a:t>Google</a:t>
-            </a:r>
-            <a:r>
-              <a:rPr lang="en-US" sz="2800">
-                <a:latin typeface="Oswald ExtraLight"/>
-                <a:ea typeface="Oswald ExtraLight"/>
-                <a:cs typeface="Oswald ExtraLight"/>
-                <a:sym typeface="Oswald ExtraLight"/>
-              </a:rPr>
-              <a:t>]</a:t>
-            </a:r>
-            <a:endParaRPr sz="2800">
-              <a:latin typeface="Oswald ExtraLight"/>
-              <a:ea typeface="Oswald ExtraLight"/>
-              <a:cs typeface="Oswald ExtraLight"/>
-              <a:sym typeface="Oswald ExtraLight"/>
-            </a:endParaRPr>
-          </a:p>
-          <a:p>
-            <a:pPr marL="457200" lvl="0" indent="-406400" algn="l" rtl="0">
-              <a:lnSpc>
-                <a:spcPct val="80000"/>
-              </a:lnSpc>
-              <a:spcBef>
-                <a:spcPts val="0"/>
-              </a:spcBef>
-              <a:spcAft>
-                <a:spcPts val="0"/>
-              </a:spcAft>
-              <a:buSzPts val="2800"/>
-              <a:buFont typeface="Oswald ExtraLight"/>
-              <a:buChar char="❏"/>
-            </a:pPr>
-            <a:r>
-              <a:rPr lang="en-US" sz="2800" b="1">
-                <a:latin typeface="Oswald"/>
-                <a:ea typeface="Oswald"/>
-                <a:cs typeface="Oswald"/>
-                <a:sym typeface="Oswald"/>
-              </a:rPr>
-              <a:t>Present</a:t>
-            </a:r>
-            <a:r>
-              <a:rPr lang="en-US" sz="2800">
-                <a:latin typeface="Oswald ExtraLight"/>
-                <a:ea typeface="Oswald ExtraLight"/>
-                <a:cs typeface="Oswald ExtraLight"/>
-                <a:sym typeface="Oswald ExtraLight"/>
-              </a:rPr>
-              <a:t> on Wikipedia[</a:t>
-            </a:r>
-            <a:r>
-              <a:rPr lang="en-US" sz="2800">
-                <a:solidFill>
-                  <a:schemeClr val="accent2"/>
-                </a:solidFill>
-                <a:latin typeface="Oswald ExtraLight"/>
-                <a:ea typeface="Oswald ExtraLight"/>
-                <a:cs typeface="Oswald ExtraLight"/>
-                <a:sym typeface="Oswald ExtraLight"/>
-              </a:rPr>
-              <a:t>Wikipedia</a:t>
-            </a:r>
-            <a:r>
-              <a:rPr lang="en-US" sz="2800">
-                <a:latin typeface="Oswald ExtraLight"/>
-                <a:ea typeface="Oswald ExtraLight"/>
-                <a:cs typeface="Oswald ExtraLight"/>
-                <a:sym typeface="Oswald ExtraLight"/>
-              </a:rPr>
-              <a:t>]</a:t>
-            </a:r>
-            <a:endParaRPr sz="2800">
-              <a:solidFill>
-                <a:srgbClr val="000000"/>
-              </a:solidFill>
-              <a:latin typeface="Oswald ExtraLight"/>
-              <a:ea typeface="Oswald ExtraLight"/>
-              <a:cs typeface="Oswald ExtraLight"/>
-              <a:sym typeface="Oswald ExtraLight"/>
-            </a:endParaRPr>
-          </a:p>
-          <a:p>
-            <a:pPr marL="457200" marR="0" lvl="0" indent="-406400" algn="l" rtl="0">
-              <a:lnSpc>
-                <a:spcPct val="80000"/>
-              </a:lnSpc>
-              <a:spcBef>
-                <a:spcPts val="0"/>
-              </a:spcBef>
-              <a:spcAft>
-                <a:spcPts val="0"/>
-              </a:spcAft>
-              <a:buClr>
-                <a:srgbClr val="000000"/>
-              </a:buClr>
-              <a:buSzPts val="2800"/>
-              <a:buFont typeface="Oswald ExtraLight"/>
-              <a:buChar char="❏"/>
-            </a:pPr>
-            <a:r>
-              <a:rPr lang="en-US" sz="2800">
-                <a:solidFill>
-                  <a:srgbClr val="000000"/>
-                </a:solidFill>
-                <a:latin typeface="Oswald ExtraLight"/>
-                <a:ea typeface="Oswald ExtraLight"/>
-                <a:cs typeface="Oswald ExtraLight"/>
-                <a:sym typeface="Oswald ExtraLight"/>
-              </a:rPr>
-              <a:t>Number of </a:t>
-            </a:r>
-            <a:r>
-              <a:rPr lang="en-US" sz="2800" b="1">
-                <a:solidFill>
-                  <a:srgbClr val="000000"/>
-                </a:solidFill>
-                <a:latin typeface="Oswald"/>
-                <a:ea typeface="Oswald"/>
-                <a:cs typeface="Oswald"/>
-                <a:sym typeface="Oswald"/>
-              </a:rPr>
-              <a:t>Organizations</a:t>
-            </a:r>
-            <a:r>
-              <a:rPr lang="en-US" sz="2800">
-                <a:solidFill>
-                  <a:srgbClr val="000000"/>
-                </a:solidFill>
-                <a:latin typeface="Oswald ExtraLight"/>
-                <a:ea typeface="Oswald ExtraLight"/>
-                <a:cs typeface="Oswald ExtraLight"/>
-                <a:sym typeface="Oswald ExtraLight"/>
-              </a:rPr>
-              <a:t> politician associated [</a:t>
-            </a:r>
-            <a:r>
-              <a:rPr lang="en-US" sz="2800">
-                <a:solidFill>
-                  <a:srgbClr val="0000FF"/>
-                </a:solidFill>
-                <a:latin typeface="Oswald ExtraLight"/>
-                <a:ea typeface="Oswald ExtraLight"/>
-                <a:cs typeface="Oswald ExtraLight"/>
-                <a:sym typeface="Oswald ExtraLight"/>
-              </a:rPr>
-              <a:t>Google</a:t>
-            </a:r>
-            <a:r>
-              <a:rPr lang="en-US" sz="2800">
-                <a:solidFill>
-                  <a:srgbClr val="000000"/>
-                </a:solidFill>
-                <a:latin typeface="Oswald ExtraLight"/>
-                <a:ea typeface="Oswald ExtraLight"/>
-                <a:cs typeface="Oswald ExtraLight"/>
-                <a:sym typeface="Oswald ExtraLight"/>
-              </a:rPr>
-              <a:t>]</a:t>
-            </a:r>
-            <a:endParaRPr sz="2800">
-              <a:solidFill>
-                <a:srgbClr val="000000"/>
-              </a:solidFill>
-              <a:latin typeface="Oswald ExtraLight"/>
-              <a:ea typeface="Oswald ExtraLight"/>
-              <a:cs typeface="Oswald ExtraLight"/>
-              <a:sym typeface="Oswald ExtraLight"/>
-            </a:endParaRPr>
-          </a:p>
-          <a:p>
-            <a:pPr marL="457200" marR="0" lvl="0" indent="-406400" algn="l" rtl="0">
-              <a:lnSpc>
-                <a:spcPct val="80000"/>
-              </a:lnSpc>
-              <a:spcBef>
-                <a:spcPts val="0"/>
-              </a:spcBef>
-              <a:spcAft>
-                <a:spcPts val="0"/>
-              </a:spcAft>
-              <a:buClr>
-                <a:srgbClr val="000000"/>
-              </a:buClr>
-              <a:buSzPts val="2800"/>
-              <a:buFont typeface="Oswald ExtraLight"/>
-              <a:buChar char="❏"/>
-            </a:pPr>
-            <a:r>
-              <a:rPr lang="en-US" sz="2800">
-                <a:solidFill>
-                  <a:srgbClr val="000000"/>
-                </a:solidFill>
-                <a:latin typeface="Oswald ExtraLight"/>
-                <a:ea typeface="Oswald ExtraLight"/>
-                <a:cs typeface="Oswald ExtraLight"/>
-                <a:sym typeface="Oswald ExtraLight"/>
-              </a:rPr>
-              <a:t>Number of </a:t>
-            </a:r>
-            <a:r>
-              <a:rPr lang="en-US" sz="2800" b="1">
-                <a:solidFill>
-                  <a:srgbClr val="000000"/>
-                </a:solidFill>
-                <a:latin typeface="Oswald"/>
-                <a:ea typeface="Oswald"/>
-                <a:cs typeface="Oswald"/>
-                <a:sym typeface="Oswald"/>
-              </a:rPr>
-              <a:t>Events</a:t>
-            </a:r>
-            <a:r>
-              <a:rPr lang="en-US" sz="2800">
-                <a:solidFill>
-                  <a:srgbClr val="000000"/>
-                </a:solidFill>
-                <a:latin typeface="Oswald ExtraLight"/>
-                <a:ea typeface="Oswald ExtraLight"/>
-                <a:cs typeface="Oswald ExtraLight"/>
-                <a:sym typeface="Oswald ExtraLight"/>
-              </a:rPr>
-              <a:t> a politician is part of [</a:t>
-            </a:r>
-            <a:r>
-              <a:rPr lang="en-US" sz="2800">
-                <a:solidFill>
-                  <a:srgbClr val="0000FF"/>
-                </a:solidFill>
-                <a:latin typeface="Oswald ExtraLight"/>
-                <a:ea typeface="Oswald ExtraLight"/>
-                <a:cs typeface="Oswald ExtraLight"/>
-                <a:sym typeface="Oswald ExtraLight"/>
-              </a:rPr>
-              <a:t>Google</a:t>
-            </a:r>
-            <a:r>
-              <a:rPr lang="en-US" sz="2800">
-                <a:solidFill>
-                  <a:srgbClr val="000000"/>
-                </a:solidFill>
-                <a:latin typeface="Oswald ExtraLight"/>
-                <a:ea typeface="Oswald ExtraLight"/>
-                <a:cs typeface="Oswald ExtraLight"/>
-                <a:sym typeface="Oswald ExtraLight"/>
-              </a:rPr>
-              <a:t>]</a:t>
-            </a:r>
-            <a:endParaRPr sz="2800">
-              <a:solidFill>
-                <a:srgbClr val="000000"/>
-              </a:solidFill>
-              <a:latin typeface="Oswald ExtraLight"/>
-              <a:ea typeface="Oswald ExtraLight"/>
-              <a:cs typeface="Oswald ExtraLight"/>
-              <a:sym typeface="Oswald ExtraLight"/>
-            </a:endParaRPr>
-          </a:p>
-          <a:p>
-            <a:pPr marL="457200" marR="0" lvl="0" indent="-406400" algn="l" rtl="0">
-              <a:lnSpc>
-                <a:spcPct val="80000"/>
-              </a:lnSpc>
-              <a:spcBef>
-                <a:spcPts val="0"/>
-              </a:spcBef>
-              <a:spcAft>
-                <a:spcPts val="0"/>
-              </a:spcAft>
-              <a:buClr>
-                <a:srgbClr val="000000"/>
-              </a:buClr>
-              <a:buSzPts val="2800"/>
-              <a:buFont typeface="Oswald ExtraLight"/>
-              <a:buChar char="❏"/>
-            </a:pPr>
-            <a:r>
-              <a:rPr lang="en-US" sz="2800">
-                <a:solidFill>
-                  <a:srgbClr val="000000"/>
-                </a:solidFill>
-                <a:latin typeface="Oswald ExtraLight"/>
-                <a:ea typeface="Oswald ExtraLight"/>
-                <a:cs typeface="Oswald ExtraLight"/>
-                <a:sym typeface="Oswald ExtraLight"/>
-              </a:rPr>
-              <a:t>Number of </a:t>
-            </a:r>
-            <a:r>
-              <a:rPr lang="en-US" sz="2800" b="1">
-                <a:solidFill>
-                  <a:srgbClr val="000000"/>
-                </a:solidFill>
-                <a:latin typeface="Oswald"/>
-                <a:ea typeface="Oswald"/>
-                <a:cs typeface="Oswald"/>
-                <a:sym typeface="Oswald"/>
-              </a:rPr>
-              <a:t>Articles</a:t>
-            </a:r>
-            <a:r>
-              <a:rPr lang="en-US" sz="2800">
-                <a:solidFill>
-                  <a:srgbClr val="000000"/>
-                </a:solidFill>
-                <a:latin typeface="Oswald ExtraLight"/>
-                <a:ea typeface="Oswald ExtraLight"/>
-                <a:cs typeface="Oswald ExtraLight"/>
-                <a:sym typeface="Oswald ExtraLight"/>
-              </a:rPr>
-              <a:t> a politician is mentioned [</a:t>
-            </a:r>
-            <a:r>
-              <a:rPr lang="en-US" sz="2800">
-                <a:solidFill>
-                  <a:srgbClr val="FF00FF"/>
-                </a:solidFill>
-                <a:latin typeface="Oswald ExtraLight"/>
-                <a:ea typeface="Oswald ExtraLight"/>
-                <a:cs typeface="Oswald ExtraLight"/>
-                <a:sym typeface="Oswald ExtraLight"/>
-              </a:rPr>
-              <a:t>NewsAPI</a:t>
-            </a:r>
-            <a:r>
-              <a:rPr lang="en-US" sz="2800">
-                <a:solidFill>
-                  <a:srgbClr val="000000"/>
-                </a:solidFill>
-                <a:latin typeface="Oswald ExtraLight"/>
-                <a:ea typeface="Oswald ExtraLight"/>
-                <a:cs typeface="Oswald ExtraLight"/>
-                <a:sym typeface="Oswald ExtraLight"/>
-              </a:rPr>
-              <a:t>]</a:t>
-            </a:r>
-            <a:endParaRPr sz="2800">
-              <a:solidFill>
-                <a:srgbClr val="000000"/>
-              </a:solidFill>
-              <a:latin typeface="Oswald ExtraLight"/>
-              <a:ea typeface="Oswald ExtraLight"/>
-              <a:cs typeface="Oswald ExtraLight"/>
-              <a:sym typeface="Oswald ExtraLight"/>
-            </a:endParaRPr>
-          </a:p>
-        </p:txBody>
-      </p:sp>
-      <p:sp>
-        <p:nvSpPr>
-          <p:cNvPr id="144" name="Google Shape;144;p20"/>
-          <p:cNvSpPr txBox="1">
-            <a:spLocks noGrp="1"/>
-          </p:cNvSpPr>
-          <p:nvPr>
-            <p:ph type="sldNum" idx="12"/>
-          </p:nvPr>
-        </p:nvSpPr>
-        <p:spPr>
-          <a:xfrm>
-            <a:off x="6457950" y="6356351"/>
-            <a:ext cx="2057400" cy="365125"/>
-          </a:xfrm>
-          <a:prstGeom prst="rect">
-            <a:avLst/>
-          </a:prstGeom>
-          <a:noFill/>
-          <a:ln>
-            <a:noFill/>
-          </a:ln>
-        </p:spPr>
-        <p:txBody>
-          <a:bodyPr spcFirstLastPara="1" wrap="square" lIns="91425" tIns="45700" rIns="91425" bIns="45700" anchor="ctr" anchorCtr="0">
-            <a:noAutofit/>
-          </a:bodyPr>
-          <a:lstStyle/>
-          <a:p>
-            <a:pPr marL="0" marR="0" lvl="0" indent="0" algn="r" rtl="0">
-              <a:spcBef>
-                <a:spcPts val="0"/>
-              </a:spcBef>
-              <a:spcAft>
-                <a:spcPts val="0"/>
-              </a:spcAft>
-              <a:buNone/>
-            </a:pPr>
-            <a:fld id="{00000000-1234-1234-1234-123412341234}" type="slidenum">
-              <a:rPr lang="en-US" sz="1200" b="0" i="0" u="none" strike="noStrike" cap="none">
-                <a:solidFill>
-                  <a:srgbClr val="002060"/>
-                </a:solidFill>
-                <a:latin typeface="Calibri"/>
-                <a:ea typeface="Calibri"/>
-                <a:cs typeface="Calibri"/>
-                <a:sym typeface="Calibri"/>
-              </a:rPr>
-              <a:t>12</a:t>
-            </a:fld>
-            <a:endParaRPr sz="1200" b="0" i="0" u="none" strike="noStrike" cap="none">
-              <a:solidFill>
-                <a:srgbClr val="002060"/>
-              </a:solidFill>
-              <a:latin typeface="Calibri"/>
-              <a:ea typeface="Calibri"/>
-              <a:cs typeface="Calibri"/>
-              <a:sym typeface="Calibri"/>
-            </a:endParaRPr>
-          </a:p>
-        </p:txBody>
-      </p:sp>
     </p:spTree>
   </p:cSld>
   <p:clrMapOvr>
@@ -21941,7 +21583,7 @@
               <a:buNone/>
             </a:pPr>
             <a:r>
-              <a:rPr lang="en-US" sz="2800" dirty="0">
+              <a:rPr lang="en-US" sz="2800">
                 <a:solidFill>
                   <a:srgbClr val="000000"/>
                 </a:solidFill>
@@ -21952,7 +21594,7 @@
               </a:rPr>
               <a:t>Initial Data Exploration gave below features</a:t>
             </a:r>
-            <a:endParaRPr sz="2800" dirty="0">
+            <a:endParaRPr sz="2800">
               <a:solidFill>
                 <a:srgbClr val="000000"/>
               </a:solidFill>
@@ -21975,7 +21617,7 @@
               </a:spcAft>
               <a:buNone/>
             </a:pPr>
-            <a:endParaRPr sz="2800" dirty="0">
+            <a:endParaRPr sz="2800">
               <a:solidFill>
                 <a:srgbClr val="000000"/>
               </a:solidFill>
@@ -22001,7 +21643,7 @@
               <a:buChar char="❏"/>
             </a:pPr>
             <a:r>
-              <a:rPr lang="en-US" sz="2800" b="1" dirty="0">
+              <a:rPr lang="en-US" sz="2800" b="1">
                 <a:latin typeface="Oswald"/>
                 <a:ea typeface="Oswald"/>
                 <a:cs typeface="Oswald"/>
@@ -22010,7 +21652,7 @@
               <a:t>Present</a:t>
             </a:r>
             <a:r>
-              <a:rPr lang="en-US" sz="2800" dirty="0">
+              <a:rPr lang="en-US" sz="2800">
                 <a:latin typeface="Oswald ExtraLight"/>
                 <a:ea typeface="Oswald ExtraLight"/>
                 <a:cs typeface="Oswald ExtraLight"/>
@@ -22019,7 +21661,7 @@
               <a:t> on Google Knowledge Graph[</a:t>
             </a:r>
             <a:r>
-              <a:rPr lang="en-US" sz="2800" dirty="0">
+              <a:rPr lang="en-US" sz="2800">
                 <a:solidFill>
                   <a:srgbClr val="0000FF"/>
                 </a:solidFill>
@@ -22031,7 +21673,7 @@
               <a:t>Google</a:t>
             </a:r>
             <a:r>
-              <a:rPr lang="en-US" sz="2800" dirty="0">
+              <a:rPr lang="en-US" sz="2800">
                 <a:latin typeface="Oswald ExtraLight"/>
                 <a:ea typeface="Oswald ExtraLight"/>
                 <a:cs typeface="Oswald ExtraLight"/>
@@ -22039,7 +21681,7 @@
               </a:rPr>
               <a:t>]</a:t>
             </a:r>
-            <a:endParaRPr sz="2800" dirty="0">
+            <a:endParaRPr sz="2800">
               <a:latin typeface="Oswald ExtraLight"/>
               <a:ea typeface="Oswald ExtraLight"/>
               <a:cs typeface="Oswald ExtraLight"/>
@@ -22062,7 +21704,7 @@
               <a:buChar char="❏"/>
             </a:pPr>
             <a:r>
-              <a:rPr lang="en-US" sz="2800" b="1" dirty="0">
+              <a:rPr lang="en-US" sz="2800" b="1">
                 <a:latin typeface="Oswald"/>
                 <a:ea typeface="Oswald"/>
                 <a:cs typeface="Oswald"/>
@@ -22071,7 +21713,7 @@
               <a:t>Present</a:t>
             </a:r>
             <a:r>
-              <a:rPr lang="en-US" sz="2800" dirty="0">
+              <a:rPr lang="en-US" sz="2800">
                 <a:latin typeface="Oswald ExtraLight"/>
                 <a:ea typeface="Oswald ExtraLight"/>
                 <a:cs typeface="Oswald ExtraLight"/>
@@ -22080,7 +21722,7 @@
               <a:t> on Wikipedia[</a:t>
             </a:r>
             <a:r>
-              <a:rPr lang="en-US" sz="2800" dirty="0">
+              <a:rPr lang="en-US" sz="2800">
                 <a:solidFill>
                   <a:schemeClr val="accent2"/>
                 </a:solidFill>
@@ -22092,7 +21734,7 @@
               <a:t>Wikipedia</a:t>
             </a:r>
             <a:r>
-              <a:rPr lang="en-US" sz="2800" dirty="0">
+              <a:rPr lang="en-US" sz="2800">
                 <a:latin typeface="Oswald ExtraLight"/>
                 <a:ea typeface="Oswald ExtraLight"/>
                 <a:cs typeface="Oswald ExtraLight"/>
@@ -22100,7 +21742,7 @@
               </a:rPr>
               <a:t>]</a:t>
             </a:r>
-            <a:endParaRPr sz="2800" dirty="0">
+            <a:endParaRPr sz="2800">
               <a:solidFill>
                 <a:srgbClr val="000000"/>
               </a:solidFill>
@@ -22129,7 +21771,7 @@
               <a:buChar char="❏"/>
             </a:pPr>
             <a:r>
-              <a:rPr lang="en-US" sz="2800" dirty="0">
+              <a:rPr lang="en-US" sz="2800">
                 <a:solidFill>
                   <a:srgbClr val="000000"/>
                 </a:solidFill>
@@ -22141,7 +21783,7 @@
               <a:t>Number of </a:t>
             </a:r>
             <a:r>
-              <a:rPr lang="en-US" sz="2800" b="1" dirty="0">
+              <a:rPr lang="en-US" sz="2800" b="1">
                 <a:solidFill>
                   <a:srgbClr val="000000"/>
                 </a:solidFill>
@@ -22153,7 +21795,7 @@
               <a:t>Organizations</a:t>
             </a:r>
             <a:r>
-              <a:rPr lang="en-US" sz="2800" dirty="0">
+              <a:rPr lang="en-US" sz="2800">
                 <a:solidFill>
                   <a:srgbClr val="000000"/>
                 </a:solidFill>
@@ -22165,7 +21807,7 @@
               <a:t> politician associated [</a:t>
             </a:r>
             <a:r>
-              <a:rPr lang="en-US" sz="2800" dirty="0">
+              <a:rPr lang="en-US" sz="2800">
                 <a:solidFill>
                   <a:srgbClr val="0000FF"/>
                 </a:solidFill>
@@ -22177,7 +21819,7 @@
               <a:t>Google</a:t>
             </a:r>
             <a:r>
-              <a:rPr lang="en-US" sz="2800" dirty="0">
+              <a:rPr lang="en-US" sz="2800">
                 <a:solidFill>
                   <a:srgbClr val="000000"/>
                 </a:solidFill>
@@ -22188,7 +21830,7 @@
               </a:rPr>
               <a:t>]</a:t>
             </a:r>
-            <a:endParaRPr sz="2800" dirty="0">
+            <a:endParaRPr sz="2800">
               <a:solidFill>
                 <a:srgbClr val="000000"/>
               </a:solidFill>
@@ -22217,7 +21859,7 @@
               <a:buChar char="❏"/>
             </a:pPr>
             <a:r>
-              <a:rPr lang="en-US" sz="2800" dirty="0">
+              <a:rPr lang="en-US" sz="2800">
                 <a:solidFill>
                   <a:srgbClr val="000000"/>
                 </a:solidFill>
@@ -22229,7 +21871,7 @@
               <a:t>Number of </a:t>
             </a:r>
             <a:r>
-              <a:rPr lang="en-US" sz="2800" b="1" dirty="0">
+              <a:rPr lang="en-US" sz="2800" b="1">
                 <a:solidFill>
                   <a:srgbClr val="000000"/>
                 </a:solidFill>
@@ -22241,7 +21883,7 @@
               <a:t>Events</a:t>
             </a:r>
             <a:r>
-              <a:rPr lang="en-US" sz="2800" dirty="0">
+              <a:rPr lang="en-US" sz="2800">
                 <a:solidFill>
                   <a:srgbClr val="000000"/>
                 </a:solidFill>
@@ -22253,7 +21895,7 @@
               <a:t> a politician is part of [</a:t>
             </a:r>
             <a:r>
-              <a:rPr lang="en-US" sz="2800" dirty="0">
+              <a:rPr lang="en-US" sz="2800">
                 <a:solidFill>
                   <a:srgbClr val="0000FF"/>
                 </a:solidFill>
@@ -22265,7 +21907,7 @@
               <a:t>Google</a:t>
             </a:r>
             <a:r>
-              <a:rPr lang="en-US" sz="2800" dirty="0">
+              <a:rPr lang="en-US" sz="2800">
                 <a:solidFill>
                   <a:srgbClr val="000000"/>
                 </a:solidFill>
@@ -22276,7 +21918,7 @@
               </a:rPr>
               <a:t>]</a:t>
             </a:r>
-            <a:endParaRPr sz="2800" dirty="0">
+            <a:endParaRPr sz="2800">
               <a:solidFill>
                 <a:srgbClr val="000000"/>
               </a:solidFill>
@@ -22305,7 +21947,7 @@
               <a:buChar char="❏"/>
             </a:pPr>
             <a:r>
-              <a:rPr lang="en-US" sz="2800" dirty="0">
+              <a:rPr lang="en-US" sz="2800">
                 <a:solidFill>
                   <a:srgbClr val="000000"/>
                 </a:solidFill>
@@ -22317,7 +21959,7 @@
               <a:t>Number of </a:t>
             </a:r>
             <a:r>
-              <a:rPr lang="en-US" sz="2800" b="1" dirty="0">
+              <a:rPr lang="en-US" sz="2800" b="1">
                 <a:solidFill>
                   <a:srgbClr val="000000"/>
                 </a:solidFill>
@@ -22329,7 +21971,7 @@
               <a:t>Articles</a:t>
             </a:r>
             <a:r>
-              <a:rPr lang="en-US" sz="2800" dirty="0">
+              <a:rPr lang="en-US" sz="2800">
                 <a:solidFill>
                   <a:srgbClr val="000000"/>
                 </a:solidFill>
@@ -22341,7 +21983,7 @@
               <a:t> a politician is mentioned [</a:t>
             </a:r>
             <a:r>
-              <a:rPr lang="en-US" sz="2800" dirty="0" err="1">
+              <a:rPr lang="en-US" sz="2800">
                 <a:solidFill>
                   <a:srgbClr val="FF00FF"/>
                 </a:solidFill>
@@ -22353,7 +21995,7 @@
               <a:t>NewsAPI</a:t>
             </a:r>
             <a:r>
-              <a:rPr lang="en-US" sz="2800" dirty="0">
+              <a:rPr lang="en-US" sz="2800">
                 <a:solidFill>
                   <a:srgbClr val="000000"/>
                 </a:solidFill>
@@ -22364,7 +22006,7 @@
               </a:rPr>
               <a:t>]</a:t>
             </a:r>
-            <a:endParaRPr sz="2800" dirty="0">
+            <a:endParaRPr sz="2800">
               <a:solidFill>
                 <a:srgbClr val="000000"/>
               </a:solidFill>
@@ -22426,6 +22068,645 @@
               </a:rPr>
               <a:t>13</a:t>
             </a:fld>
+            <a:endParaRPr sz="1200" b="0" i="0" u="none" strike="noStrike" cap="none">
+              <a:solidFill>
+                <a:srgbClr val="002060"/>
+              </a:solidFill>
+              <a:latin typeface="Calibri"/>
+              <a:ea typeface="Calibri"/>
+              <a:cs typeface="Calibri"/>
+              <a:sym typeface="Calibri"/>
+            </a:endParaRPr>
+          </a:p>
+        </p:txBody>
+      </p:sp>
+    </p:spTree>
+  </p:cSld>
+  <p:clrMapOvr>
+    <a:masterClrMapping/>
+  </p:clrMapOvr>
+  <mc:AlternateContent xmlns:mc="http://schemas.openxmlformats.org/markup-compatibility/2006">
+    <mc:Choice xmlns:p14="http://schemas.microsoft.com/office/powerpoint/2010/main" Requires="p14">
+      <p:transition p14:dur="10" advClick="0" advTm="15000"/>
+    </mc:Choice>
+    <mc:Fallback>
+      <p:transition advClick="0" advTm="15000"/>
+    </mc:Fallback>
+  </mc:AlternateContent>
+</p:sld>
+</file>
+
+<file path=ppt/slides/slide14.xml><?xml version="1.0" encoding="utf-8"?>
+<p:sld xmlns:a="http://schemas.openxmlformats.org/drawingml/2006/main" xmlns:r="http://schemas.openxmlformats.org/officeDocument/2006/relationships" xmlns:p="http://schemas.openxmlformats.org/presentationml/2006/main">
+  <p:cSld>
+    <p:spTree>
+      <p:nvGrpSpPr>
+        <p:cNvPr id="1" name="Shape 141"/>
+        <p:cNvGrpSpPr/>
+        <p:nvPr/>
+      </p:nvGrpSpPr>
+      <p:grpSpPr>
+        <a:xfrm>
+          <a:off x="0" y="0"/>
+          <a:ext cx="0" cy="0"/>
+          <a:chOff x="0" y="0"/>
+          <a:chExt cx="0" cy="0"/>
+        </a:xfrm>
+      </p:grpSpPr>
+      <p:sp>
+        <p:nvSpPr>
+          <p:cNvPr id="142" name="Google Shape;142;p20"/>
+          <p:cNvSpPr txBox="1">
+            <a:spLocks noGrp="1"/>
+          </p:cNvSpPr>
+          <p:nvPr>
+            <p:ph type="title"/>
+          </p:nvPr>
+        </p:nvSpPr>
+        <p:spPr>
+          <a:xfrm>
+            <a:off x="628650" y="365126"/>
+            <a:ext cx="7886700" cy="1325563"/>
+          </a:xfrm>
+          <a:prstGeom prst="rect">
+            <a:avLst/>
+          </a:prstGeom>
+          <a:noFill/>
+          <a:ln>
+            <a:noFill/>
+          </a:ln>
+        </p:spPr>
+        <p:txBody>
+          <a:bodyPr spcFirstLastPara="1" wrap="square" lIns="91425" tIns="45700" rIns="91425" bIns="45700" anchor="ctr" anchorCtr="0">
+            <a:noAutofit/>
+          </a:bodyPr>
+          <a:lstStyle/>
+          <a:p>
+            <a:pPr marL="0" marR="0" lvl="0" indent="0" algn="ctr" rtl="0">
+              <a:lnSpc>
+                <a:spcPct val="90000"/>
+              </a:lnSpc>
+              <a:spcBef>
+                <a:spcPts val="0"/>
+              </a:spcBef>
+              <a:spcAft>
+                <a:spcPts val="0"/>
+              </a:spcAft>
+              <a:buClr>
+                <a:schemeClr val="dk1"/>
+              </a:buClr>
+              <a:buSzPts val="4000"/>
+              <a:buFont typeface="Arial"/>
+              <a:buNone/>
+            </a:pPr>
+            <a:r>
+              <a:rPr lang="en-US" b="0">
+                <a:latin typeface="Oswald Light"/>
+                <a:ea typeface="Oswald Light"/>
+                <a:cs typeface="Oswald Light"/>
+                <a:sym typeface="Oswald Light"/>
+              </a:rPr>
+              <a:t>Feature Engineering - iteration 1.0</a:t>
+            </a:r>
+            <a:endParaRPr sz="4000" b="0" i="0" u="none" strike="noStrike" cap="none">
+              <a:solidFill>
+                <a:schemeClr val="dk1"/>
+              </a:solidFill>
+              <a:latin typeface="Oswald Light"/>
+              <a:ea typeface="Oswald Light"/>
+              <a:cs typeface="Oswald Light"/>
+              <a:sym typeface="Oswald Light"/>
+            </a:endParaRPr>
+          </a:p>
+        </p:txBody>
+      </p:sp>
+      <p:sp>
+        <p:nvSpPr>
+          <p:cNvPr id="143" name="Google Shape;143;p20"/>
+          <p:cNvSpPr txBox="1">
+            <a:spLocks noGrp="1"/>
+          </p:cNvSpPr>
+          <p:nvPr>
+            <p:ph type="body" idx="1"/>
+          </p:nvPr>
+        </p:nvSpPr>
+        <p:spPr>
+          <a:xfrm>
+            <a:off x="628650" y="1825625"/>
+            <a:ext cx="7886700" cy="4351338"/>
+          </a:xfrm>
+          <a:prstGeom prst="rect">
+            <a:avLst/>
+          </a:prstGeom>
+          <a:noFill/>
+          <a:ln>
+            <a:noFill/>
+          </a:ln>
+        </p:spPr>
+        <p:txBody>
+          <a:bodyPr spcFirstLastPara="1" wrap="square" lIns="91425" tIns="45700" rIns="91425" bIns="45700" anchor="t" anchorCtr="0">
+            <a:noAutofit/>
+          </a:bodyPr>
+          <a:lstStyle/>
+          <a:p>
+            <a:pPr marL="228600" marR="0" lvl="0" indent="0" algn="l" rtl="0">
+              <a:lnSpc>
+                <a:spcPct val="80000"/>
+              </a:lnSpc>
+              <a:spcBef>
+                <a:spcPts val="0"/>
+              </a:spcBef>
+              <a:spcAft>
+                <a:spcPts val="0"/>
+              </a:spcAft>
+              <a:buNone/>
+            </a:pPr>
+            <a:r>
+              <a:rPr lang="en-US" sz="2800" dirty="0">
+                <a:solidFill>
+                  <a:srgbClr val="000000"/>
+                </a:solidFill>
+                <a:latin typeface="Oswald ExtraLight"/>
+                <a:ea typeface="Oswald ExtraLight"/>
+                <a:cs typeface="Oswald ExtraLight"/>
+                <a:sym typeface="Oswald ExtraLight"/>
+              </a:rPr>
+              <a:t>Initial Data Exploration gave below features</a:t>
+            </a:r>
+            <a:endParaRPr sz="2800" dirty="0">
+              <a:solidFill>
+                <a:srgbClr val="000000"/>
+              </a:solidFill>
+              <a:latin typeface="Oswald ExtraLight"/>
+              <a:ea typeface="Oswald ExtraLight"/>
+              <a:cs typeface="Oswald ExtraLight"/>
+              <a:sym typeface="Oswald ExtraLight"/>
+            </a:endParaRPr>
+          </a:p>
+          <a:p>
+            <a:pPr marL="228600" marR="0" lvl="0" indent="0" algn="l" rtl="0">
+              <a:lnSpc>
+                <a:spcPct val="80000"/>
+              </a:lnSpc>
+              <a:spcBef>
+                <a:spcPts val="0"/>
+              </a:spcBef>
+              <a:spcAft>
+                <a:spcPts val="0"/>
+              </a:spcAft>
+              <a:buNone/>
+            </a:pPr>
+            <a:endParaRPr sz="2800" dirty="0">
+              <a:solidFill>
+                <a:srgbClr val="000000"/>
+              </a:solidFill>
+              <a:latin typeface="Oswald ExtraLight"/>
+              <a:ea typeface="Oswald ExtraLight"/>
+              <a:cs typeface="Oswald ExtraLight"/>
+              <a:sym typeface="Oswald ExtraLight"/>
+            </a:endParaRPr>
+          </a:p>
+          <a:p>
+            <a:pPr marL="457200" lvl="0" indent="-406400" algn="l" rtl="0">
+              <a:lnSpc>
+                <a:spcPct val="80000"/>
+              </a:lnSpc>
+              <a:spcBef>
+                <a:spcPts val="0"/>
+              </a:spcBef>
+              <a:spcAft>
+                <a:spcPts val="0"/>
+              </a:spcAft>
+              <a:buSzPts val="2800"/>
+              <a:buFont typeface="Oswald ExtraLight"/>
+              <a:buChar char="❏"/>
+            </a:pPr>
+            <a:r>
+              <a:rPr lang="en-US" sz="2800" b="1" dirty="0">
+                <a:latin typeface="Oswald"/>
+                <a:ea typeface="Oswald"/>
+                <a:cs typeface="Oswald"/>
+                <a:sym typeface="Oswald"/>
+              </a:rPr>
+              <a:t>Present</a:t>
+            </a:r>
+            <a:r>
+              <a:rPr lang="en-US" sz="2800" dirty="0">
+                <a:latin typeface="Oswald ExtraLight"/>
+                <a:ea typeface="Oswald ExtraLight"/>
+                <a:cs typeface="Oswald ExtraLight"/>
+                <a:sym typeface="Oswald ExtraLight"/>
+              </a:rPr>
+              <a:t> on Google Knowledge Graph[</a:t>
+            </a:r>
+            <a:r>
+              <a:rPr lang="en-US" sz="2800" dirty="0">
+                <a:solidFill>
+                  <a:srgbClr val="0000FF"/>
+                </a:solidFill>
+                <a:latin typeface="Oswald ExtraLight"/>
+                <a:ea typeface="Oswald ExtraLight"/>
+                <a:cs typeface="Oswald ExtraLight"/>
+                <a:sym typeface="Oswald ExtraLight"/>
+              </a:rPr>
+              <a:t>Google</a:t>
+            </a:r>
+            <a:r>
+              <a:rPr lang="en-US" sz="2800" dirty="0">
+                <a:latin typeface="Oswald ExtraLight"/>
+                <a:ea typeface="Oswald ExtraLight"/>
+                <a:cs typeface="Oswald ExtraLight"/>
+                <a:sym typeface="Oswald ExtraLight"/>
+              </a:rPr>
+              <a:t>]</a:t>
+            </a:r>
+            <a:endParaRPr sz="2800" dirty="0">
+              <a:latin typeface="Oswald ExtraLight"/>
+              <a:ea typeface="Oswald ExtraLight"/>
+              <a:cs typeface="Oswald ExtraLight"/>
+              <a:sym typeface="Oswald ExtraLight"/>
+            </a:endParaRPr>
+          </a:p>
+          <a:p>
+            <a:pPr marL="457200" lvl="0" indent="-406400" algn="l" rtl="0">
+              <a:lnSpc>
+                <a:spcPct val="80000"/>
+              </a:lnSpc>
+              <a:spcBef>
+                <a:spcPts val="0"/>
+              </a:spcBef>
+              <a:spcAft>
+                <a:spcPts val="0"/>
+              </a:spcAft>
+              <a:buSzPts val="2800"/>
+              <a:buFont typeface="Oswald ExtraLight"/>
+              <a:buChar char="❏"/>
+            </a:pPr>
+            <a:r>
+              <a:rPr lang="en-US" sz="2800" b="1" dirty="0">
+                <a:latin typeface="Oswald"/>
+                <a:ea typeface="Oswald"/>
+                <a:cs typeface="Oswald"/>
+                <a:sym typeface="Oswald"/>
+              </a:rPr>
+              <a:t>Present</a:t>
+            </a:r>
+            <a:r>
+              <a:rPr lang="en-US" sz="2800" dirty="0">
+                <a:latin typeface="Oswald ExtraLight"/>
+                <a:ea typeface="Oswald ExtraLight"/>
+                <a:cs typeface="Oswald ExtraLight"/>
+                <a:sym typeface="Oswald ExtraLight"/>
+              </a:rPr>
+              <a:t> on Wikipedia[</a:t>
+            </a:r>
+            <a:r>
+              <a:rPr lang="en-US" sz="2800" dirty="0">
+                <a:solidFill>
+                  <a:schemeClr val="accent2"/>
+                </a:solidFill>
+                <a:latin typeface="Oswald ExtraLight"/>
+                <a:ea typeface="Oswald ExtraLight"/>
+                <a:cs typeface="Oswald ExtraLight"/>
+                <a:sym typeface="Oswald ExtraLight"/>
+              </a:rPr>
+              <a:t>Wikipedia</a:t>
+            </a:r>
+            <a:r>
+              <a:rPr lang="en-US" sz="2800" dirty="0">
+                <a:latin typeface="Oswald ExtraLight"/>
+                <a:ea typeface="Oswald ExtraLight"/>
+                <a:cs typeface="Oswald ExtraLight"/>
+                <a:sym typeface="Oswald ExtraLight"/>
+              </a:rPr>
+              <a:t>]</a:t>
+            </a:r>
+            <a:endParaRPr sz="2800" dirty="0">
+              <a:solidFill>
+                <a:srgbClr val="000000"/>
+              </a:solidFill>
+              <a:latin typeface="Oswald ExtraLight"/>
+              <a:ea typeface="Oswald ExtraLight"/>
+              <a:cs typeface="Oswald ExtraLight"/>
+              <a:sym typeface="Oswald ExtraLight"/>
+            </a:endParaRPr>
+          </a:p>
+          <a:p>
+            <a:pPr marL="457200" marR="0" lvl="0" indent="-406400" algn="l" rtl="0">
+              <a:lnSpc>
+                <a:spcPct val="80000"/>
+              </a:lnSpc>
+              <a:spcBef>
+                <a:spcPts val="0"/>
+              </a:spcBef>
+              <a:spcAft>
+                <a:spcPts val="0"/>
+              </a:spcAft>
+              <a:buClr>
+                <a:srgbClr val="000000"/>
+              </a:buClr>
+              <a:buSzPts val="2800"/>
+              <a:buFont typeface="Oswald ExtraLight"/>
+              <a:buChar char="❏"/>
+            </a:pPr>
+            <a:r>
+              <a:rPr lang="en-US" sz="2800" dirty="0">
+                <a:solidFill>
+                  <a:srgbClr val="000000"/>
+                </a:solidFill>
+                <a:latin typeface="Oswald ExtraLight"/>
+                <a:ea typeface="Oswald ExtraLight"/>
+                <a:cs typeface="Oswald ExtraLight"/>
+                <a:sym typeface="Oswald ExtraLight"/>
+              </a:rPr>
+              <a:t>Number of </a:t>
+            </a:r>
+            <a:r>
+              <a:rPr lang="en-US" sz="2800" b="1" dirty="0">
+                <a:solidFill>
+                  <a:srgbClr val="000000"/>
+                </a:solidFill>
+                <a:latin typeface="Oswald"/>
+                <a:ea typeface="Oswald"/>
+                <a:cs typeface="Oswald"/>
+                <a:sym typeface="Oswald"/>
+              </a:rPr>
+              <a:t>Organizations</a:t>
+            </a:r>
+            <a:r>
+              <a:rPr lang="en-US" sz="2800" dirty="0">
+                <a:solidFill>
+                  <a:srgbClr val="000000"/>
+                </a:solidFill>
+                <a:latin typeface="Oswald ExtraLight"/>
+                <a:ea typeface="Oswald ExtraLight"/>
+                <a:cs typeface="Oswald ExtraLight"/>
+                <a:sym typeface="Oswald ExtraLight"/>
+              </a:rPr>
+              <a:t> politician associated [</a:t>
+            </a:r>
+            <a:r>
+              <a:rPr lang="en-US" sz="2800" dirty="0">
+                <a:solidFill>
+                  <a:srgbClr val="0000FF"/>
+                </a:solidFill>
+                <a:latin typeface="Oswald ExtraLight"/>
+                <a:ea typeface="Oswald ExtraLight"/>
+                <a:cs typeface="Oswald ExtraLight"/>
+                <a:sym typeface="Oswald ExtraLight"/>
+              </a:rPr>
+              <a:t>Google</a:t>
+            </a:r>
+            <a:r>
+              <a:rPr lang="en-US" sz="2800" dirty="0">
+                <a:solidFill>
+                  <a:srgbClr val="000000"/>
+                </a:solidFill>
+                <a:latin typeface="Oswald ExtraLight"/>
+                <a:ea typeface="Oswald ExtraLight"/>
+                <a:cs typeface="Oswald ExtraLight"/>
+                <a:sym typeface="Oswald ExtraLight"/>
+              </a:rPr>
+              <a:t>]</a:t>
+            </a:r>
+            <a:endParaRPr sz="2800" dirty="0">
+              <a:solidFill>
+                <a:srgbClr val="000000"/>
+              </a:solidFill>
+              <a:latin typeface="Oswald ExtraLight"/>
+              <a:ea typeface="Oswald ExtraLight"/>
+              <a:cs typeface="Oswald ExtraLight"/>
+              <a:sym typeface="Oswald ExtraLight"/>
+            </a:endParaRPr>
+          </a:p>
+          <a:p>
+            <a:pPr marL="457200" marR="0" lvl="0" indent="-406400" algn="l" rtl="0">
+              <a:lnSpc>
+                <a:spcPct val="80000"/>
+              </a:lnSpc>
+              <a:spcBef>
+                <a:spcPts val="0"/>
+              </a:spcBef>
+              <a:spcAft>
+                <a:spcPts val="0"/>
+              </a:spcAft>
+              <a:buClr>
+                <a:srgbClr val="000000"/>
+              </a:buClr>
+              <a:buSzPts val="2800"/>
+              <a:buFont typeface="Oswald ExtraLight"/>
+              <a:buChar char="❏"/>
+            </a:pPr>
+            <a:r>
+              <a:rPr lang="en-US" sz="2800" dirty="0">
+                <a:solidFill>
+                  <a:srgbClr val="000000"/>
+                </a:solidFill>
+                <a:latin typeface="Oswald ExtraLight"/>
+                <a:ea typeface="Oswald ExtraLight"/>
+                <a:cs typeface="Oswald ExtraLight"/>
+                <a:sym typeface="Oswald ExtraLight"/>
+              </a:rPr>
+              <a:t>Number of </a:t>
+            </a:r>
+            <a:r>
+              <a:rPr lang="en-US" sz="2800" b="1" dirty="0">
+                <a:solidFill>
+                  <a:srgbClr val="000000"/>
+                </a:solidFill>
+                <a:latin typeface="Oswald"/>
+                <a:ea typeface="Oswald"/>
+                <a:cs typeface="Oswald"/>
+                <a:sym typeface="Oswald"/>
+              </a:rPr>
+              <a:t>Events</a:t>
+            </a:r>
+            <a:r>
+              <a:rPr lang="en-US" sz="2800" dirty="0">
+                <a:solidFill>
+                  <a:srgbClr val="000000"/>
+                </a:solidFill>
+                <a:latin typeface="Oswald ExtraLight"/>
+                <a:ea typeface="Oswald ExtraLight"/>
+                <a:cs typeface="Oswald ExtraLight"/>
+                <a:sym typeface="Oswald ExtraLight"/>
+              </a:rPr>
+              <a:t> a politician is part of [</a:t>
+            </a:r>
+            <a:r>
+              <a:rPr lang="en-US" sz="2800" dirty="0">
+                <a:solidFill>
+                  <a:srgbClr val="0000FF"/>
+                </a:solidFill>
+                <a:latin typeface="Oswald ExtraLight"/>
+                <a:ea typeface="Oswald ExtraLight"/>
+                <a:cs typeface="Oswald ExtraLight"/>
+                <a:sym typeface="Oswald ExtraLight"/>
+              </a:rPr>
+              <a:t>Google</a:t>
+            </a:r>
+            <a:r>
+              <a:rPr lang="en-US" sz="2800" dirty="0">
+                <a:solidFill>
+                  <a:srgbClr val="000000"/>
+                </a:solidFill>
+                <a:latin typeface="Oswald ExtraLight"/>
+                <a:ea typeface="Oswald ExtraLight"/>
+                <a:cs typeface="Oswald ExtraLight"/>
+                <a:sym typeface="Oswald ExtraLight"/>
+              </a:rPr>
+              <a:t>]</a:t>
+            </a:r>
+            <a:endParaRPr sz="2800" dirty="0">
+              <a:solidFill>
+                <a:srgbClr val="000000"/>
+              </a:solidFill>
+              <a:latin typeface="Oswald ExtraLight"/>
+              <a:ea typeface="Oswald ExtraLight"/>
+              <a:cs typeface="Oswald ExtraLight"/>
+              <a:sym typeface="Oswald ExtraLight"/>
+            </a:endParaRPr>
+          </a:p>
+          <a:p>
+            <a:pPr marL="457200" marR="0" lvl="0" indent="-406400" algn="l" rtl="0">
+              <a:lnSpc>
+                <a:spcPct val="80000"/>
+              </a:lnSpc>
+              <a:spcBef>
+                <a:spcPts val="0"/>
+              </a:spcBef>
+              <a:spcAft>
+                <a:spcPts val="0"/>
+              </a:spcAft>
+              <a:buClr>
+                <a:srgbClr val="000000"/>
+              </a:buClr>
+              <a:buSzPts val="2800"/>
+              <a:buFont typeface="Oswald ExtraLight"/>
+              <a:buChar char="❏"/>
+            </a:pPr>
+            <a:r>
+              <a:rPr lang="en-US" sz="2800" dirty="0">
+                <a:solidFill>
+                  <a:srgbClr val="000000"/>
+                </a:solidFill>
+                <a:latin typeface="Oswald ExtraLight"/>
+                <a:ea typeface="Oswald ExtraLight"/>
+                <a:cs typeface="Oswald ExtraLight"/>
+                <a:sym typeface="Oswald ExtraLight"/>
+              </a:rPr>
+              <a:t>Number of </a:t>
+            </a:r>
+            <a:r>
+              <a:rPr lang="en-US" sz="2800" b="1" dirty="0">
+                <a:solidFill>
+                  <a:srgbClr val="000000"/>
+                </a:solidFill>
+                <a:latin typeface="Oswald"/>
+                <a:ea typeface="Oswald"/>
+                <a:cs typeface="Oswald"/>
+                <a:sym typeface="Oswald"/>
+              </a:rPr>
+              <a:t>Articles</a:t>
+            </a:r>
+            <a:r>
+              <a:rPr lang="en-US" sz="2800" dirty="0">
+                <a:solidFill>
+                  <a:srgbClr val="000000"/>
+                </a:solidFill>
+                <a:latin typeface="Oswald ExtraLight"/>
+                <a:ea typeface="Oswald ExtraLight"/>
+                <a:cs typeface="Oswald ExtraLight"/>
+                <a:sym typeface="Oswald ExtraLight"/>
+              </a:rPr>
+              <a:t> a politician is mentioned [</a:t>
+            </a:r>
+            <a:r>
+              <a:rPr lang="en-US" sz="2800" dirty="0" err="1">
+                <a:solidFill>
+                  <a:srgbClr val="FF00FF"/>
+                </a:solidFill>
+                <a:latin typeface="Oswald ExtraLight"/>
+                <a:ea typeface="Oswald ExtraLight"/>
+                <a:cs typeface="Oswald ExtraLight"/>
+                <a:sym typeface="Oswald ExtraLight"/>
+              </a:rPr>
+              <a:t>NewsAPI</a:t>
+            </a:r>
+            <a:r>
+              <a:rPr lang="en-US" sz="2800" dirty="0">
+                <a:solidFill>
+                  <a:srgbClr val="000000"/>
+                </a:solidFill>
+                <a:latin typeface="Oswald ExtraLight"/>
+                <a:ea typeface="Oswald ExtraLight"/>
+                <a:cs typeface="Oswald ExtraLight"/>
+                <a:sym typeface="Oswald ExtraLight"/>
+              </a:rPr>
+              <a:t>]</a:t>
+            </a:r>
+            <a:endParaRPr sz="2800" dirty="0">
+              <a:solidFill>
+                <a:srgbClr val="000000"/>
+              </a:solidFill>
+              <a:latin typeface="Oswald ExtraLight"/>
+              <a:ea typeface="Oswald ExtraLight"/>
+              <a:cs typeface="Oswald ExtraLight"/>
+              <a:sym typeface="Oswald ExtraLight"/>
+            </a:endParaRPr>
+          </a:p>
+        </p:txBody>
+      </p:sp>
+      <p:sp>
+        <p:nvSpPr>
+          <p:cNvPr id="144" name="Google Shape;144;p20"/>
+          <p:cNvSpPr txBox="1">
+            <a:spLocks noGrp="1"/>
+          </p:cNvSpPr>
+          <p:nvPr>
+            <p:ph type="sldNum" idx="12"/>
+          </p:nvPr>
+        </p:nvSpPr>
+        <p:spPr>
+          <a:xfrm>
+            <a:off x="6457950" y="6356351"/>
+            <a:ext cx="2057400" cy="365125"/>
+          </a:xfrm>
+          <a:prstGeom prst="rect">
+            <a:avLst/>
+          </a:prstGeom>
+          <a:noFill/>
+          <a:ln>
+            <a:noFill/>
+          </a:ln>
+        </p:spPr>
+        <p:txBody>
+          <a:bodyPr spcFirstLastPara="1" wrap="square" lIns="91425" tIns="45700" rIns="91425" bIns="45700" anchor="ctr" anchorCtr="0">
+            <a:noAutofit/>
+          </a:bodyPr>
+          <a:lstStyle/>
+          <a:p>
+            <a:pPr marL="0" marR="0" lvl="0" indent="0" algn="r" rtl="0">
+              <a:spcBef>
+                <a:spcPts val="0"/>
+              </a:spcBef>
+              <a:spcAft>
+                <a:spcPts val="0"/>
+              </a:spcAft>
+              <a:buNone/>
+            </a:pPr>
+            <a:fld id="{00000000-1234-1234-1234-123412341234}" type="slidenum">
+              <a:rPr lang="en-US" sz="1200" b="0" i="0" u="none" strike="noStrike" cap="none">
+                <a:solidFill>
+                  <a:srgbClr val="002060"/>
+                </a:solidFill>
+                <a:latin typeface="Calibri"/>
+                <a:ea typeface="Calibri"/>
+                <a:cs typeface="Calibri"/>
+                <a:sym typeface="Calibri"/>
+              </a:rPr>
+              <a:t>14</a:t>
+            </a:fld>
             <a:endParaRPr sz="1200" b="0" i="0" u="none" strike="noStrike" cap="none" dirty="0">
               <a:solidFill>
                 <a:srgbClr val="002060"/>
@@ -22459,7 +22740,7 @@
 </p:sld>
 </file>
 
-<file path=ppt/slides/slide14.xml><?xml version="1.0" encoding="utf-8"?>
+<file path=ppt/slides/slide15.xml><?xml version="1.0" encoding="utf-8"?>
 <p:sld xmlns:a="http://schemas.openxmlformats.org/drawingml/2006/main" xmlns:r="http://schemas.openxmlformats.org/officeDocument/2006/relationships" xmlns:p="http://schemas.openxmlformats.org/presentationml/2006/main">
   <p:cSld>
     <p:spTree>
@@ -22623,7 +22904,7 @@
               <a:buFont typeface="Arial"/>
               <a:buNone/>
             </a:pPr>
-            <a:endParaRPr sz="2000">
+            <a:endParaRPr sz="2000" dirty="0">
               <a:latin typeface="Oswald ExtraLight"/>
               <a:ea typeface="Oswald ExtraLight"/>
               <a:cs typeface="Oswald ExtraLight"/>
@@ -22649,7 +22930,7 @@
               <a:buNone/>
             </a:pPr>
             <a:r>
-              <a:rPr lang="en-US" sz="2000">
+              <a:rPr lang="en-US" sz="2000" dirty="0">
                 <a:latin typeface="Oswald ExtraLight"/>
                 <a:ea typeface="Oswald ExtraLight"/>
                 <a:cs typeface="Oswald ExtraLight"/>
@@ -22657,7 +22938,7 @@
               </a:rPr>
               <a:t>Train Test Split - 50/50</a:t>
             </a:r>
-            <a:endParaRPr sz="2000">
+            <a:endParaRPr sz="2000" dirty="0">
               <a:latin typeface="Oswald ExtraLight"/>
               <a:ea typeface="Oswald ExtraLight"/>
               <a:cs typeface="Oswald ExtraLight"/>
@@ -22683,7 +22964,10 @@
               <a:buNone/>
             </a:pPr>
             <a:r>
-              <a:rPr lang="en-US" sz="2000">
+              <a:rPr lang="en-US" sz="2000" dirty="0">
+                <a:solidFill>
+                  <a:srgbClr val="FF0000"/>
+                </a:solidFill>
                 <a:latin typeface="Oswald ExtraLight"/>
                 <a:ea typeface="Oswald ExtraLight"/>
                 <a:cs typeface="Oswald ExtraLight"/>
@@ -22691,7 +22975,10 @@
               </a:rPr>
               <a:t>No Cross Validation</a:t>
             </a:r>
-            <a:endParaRPr sz="2000">
+            <a:endParaRPr sz="2000" dirty="0">
+              <a:solidFill>
+                <a:srgbClr val="FF0000"/>
+              </a:solidFill>
               <a:latin typeface="Oswald ExtraLight"/>
               <a:ea typeface="Oswald ExtraLight"/>
               <a:cs typeface="Oswald ExtraLight"/>
@@ -22717,7 +23004,7 @@
               <a:buNone/>
             </a:pPr>
             <a:r>
-              <a:rPr lang="en-US" sz="2000">
+              <a:rPr lang="en-US" sz="2000" dirty="0">
                 <a:latin typeface="Oswald ExtraLight"/>
                 <a:ea typeface="Oswald ExtraLight"/>
                 <a:cs typeface="Oswald ExtraLight"/>
@@ -22725,7 +23012,7 @@
               </a:rPr>
               <a:t>Number of estimators - 150</a:t>
             </a:r>
-            <a:endParaRPr sz="2000">
+            <a:endParaRPr sz="2000" dirty="0">
               <a:latin typeface="Oswald ExtraLight"/>
               <a:ea typeface="Oswald ExtraLight"/>
               <a:cs typeface="Oswald ExtraLight"/>
@@ -22750,7 +23037,7 @@
               <a:buFont typeface="Arial"/>
               <a:buNone/>
             </a:pPr>
-            <a:endParaRPr sz="2000">
+            <a:endParaRPr sz="2000" dirty="0">
               <a:latin typeface="Oswald ExtraLight"/>
               <a:ea typeface="Oswald ExtraLight"/>
               <a:cs typeface="Oswald ExtraLight"/>
@@ -22775,7 +23062,7 @@
               <a:buFont typeface="Arial"/>
               <a:buNone/>
             </a:pPr>
-            <a:endParaRPr sz="2000">
+            <a:endParaRPr sz="2000" dirty="0">
               <a:latin typeface="Oswald ExtraLight"/>
               <a:ea typeface="Oswald ExtraLight"/>
               <a:cs typeface="Oswald ExtraLight"/>
@@ -22832,7 +23119,7 @@
                 <a:cs typeface="Calibri"/>
                 <a:sym typeface="Calibri"/>
               </a:rPr>
-              <a:t>14</a:t>
+              <a:t>15</a:t>
             </a:fld>
             <a:endParaRPr sz="1200" b="0" i="0" u="none" strike="noStrike" cap="none" dirty="0">
               <a:solidFill>
@@ -22893,7 +23180,7 @@
               <a:buNone/>
             </a:pPr>
             <a:r>
-              <a:rPr lang="en-US" sz="2000">
+              <a:rPr lang="en-US" sz="2000" dirty="0">
                 <a:latin typeface="Oswald ExtraLight"/>
                 <a:ea typeface="Oswald ExtraLight"/>
                 <a:cs typeface="Oswald ExtraLight"/>
@@ -22902,7 +23189,7 @@
               <a:t>Out-of-bag R-2 score estimate: 0.0941</a:t>
             </a:r>
             <a:br>
-              <a:rPr lang="en-US" sz="2000">
+              <a:rPr lang="en-US" sz="2000" dirty="0">
                 <a:latin typeface="Oswald ExtraLight"/>
                 <a:ea typeface="Oswald ExtraLight"/>
                 <a:cs typeface="Oswald ExtraLight"/>
@@ -22910,7 +23197,7 @@
               </a:rPr>
             </a:br>
             <a:r>
-              <a:rPr lang="en-US" sz="2000">
+              <a:rPr lang="en-US" sz="2000" dirty="0">
                 <a:latin typeface="Oswald ExtraLight"/>
                 <a:ea typeface="Oswald ExtraLight"/>
                 <a:cs typeface="Oswald ExtraLight"/>
@@ -22919,7 +23206,7 @@
               <a:t>Test data R-2 score: 0.278</a:t>
             </a:r>
             <a:br>
-              <a:rPr lang="en-US" sz="2000">
+              <a:rPr lang="en-US" sz="2000" dirty="0">
                 <a:latin typeface="Oswald ExtraLight"/>
                 <a:ea typeface="Oswald ExtraLight"/>
                 <a:cs typeface="Oswald ExtraLight"/>
@@ -22927,7 +23214,7 @@
               </a:rPr>
             </a:br>
             <a:r>
-              <a:rPr lang="en-US" sz="2000">
+              <a:rPr lang="en-US" sz="2000" dirty="0">
                 <a:latin typeface="Oswald ExtraLight"/>
                 <a:ea typeface="Oswald ExtraLight"/>
                 <a:cs typeface="Oswald ExtraLight"/>
@@ -22936,7 +23223,7 @@
               <a:t>Test data Spearman correlation: 0.53</a:t>
             </a:r>
             <a:br>
-              <a:rPr lang="en-US" sz="2000">
+              <a:rPr lang="en-US" sz="2000" dirty="0">
                 <a:latin typeface="Oswald ExtraLight"/>
                 <a:ea typeface="Oswald ExtraLight"/>
                 <a:cs typeface="Oswald ExtraLight"/>
@@ -22944,7 +23231,10 @@
               </a:rPr>
             </a:br>
             <a:r>
-              <a:rPr lang="en-US" sz="2000">
+              <a:rPr lang="en-US" sz="2000" dirty="0">
+                <a:solidFill>
+                  <a:srgbClr val="FF0000"/>
+                </a:solidFill>
                 <a:latin typeface="Oswald ExtraLight"/>
                 <a:ea typeface="Oswald ExtraLight"/>
                 <a:cs typeface="Oswald ExtraLight"/>
@@ -22952,7 +23242,10 @@
               </a:rPr>
               <a:t>Test data Pearson correlation: 0.5493</a:t>
             </a:r>
-            <a:endParaRPr sz="2000">
+            <a:endParaRPr sz="2000" dirty="0">
+              <a:solidFill>
+                <a:srgbClr val="FF0000"/>
+              </a:solidFill>
               <a:latin typeface="Oswald ExtraLight"/>
               <a:ea typeface="Oswald ExtraLight"/>
               <a:cs typeface="Oswald ExtraLight"/>
@@ -22977,7 +23270,10 @@
               <a:buFont typeface="Arial"/>
               <a:buNone/>
             </a:pPr>
-            <a:endParaRPr sz="2000">
+            <a:endParaRPr sz="2000" dirty="0">
+              <a:solidFill>
+                <a:srgbClr val="FF0000"/>
+              </a:solidFill>
               <a:latin typeface="Oswald ExtraLight"/>
               <a:ea typeface="Oswald ExtraLight"/>
               <a:cs typeface="Oswald ExtraLight"/>
@@ -23003,7 +23299,10 @@
               <a:buNone/>
             </a:pPr>
             <a:r>
-              <a:rPr lang="en-US" sz="2000">
+              <a:rPr lang="en-US" sz="2000" dirty="0">
+                <a:solidFill>
+                  <a:srgbClr val="FF0000"/>
+                </a:solidFill>
                 <a:latin typeface="Oswald ExtraLight"/>
                 <a:ea typeface="Oswald ExtraLight"/>
                 <a:cs typeface="Oswald ExtraLight"/>
@@ -23011,291 +23310,14 @@
               </a:rPr>
               <a:t>Mean Squared Error 0.0355</a:t>
             </a:r>
-            <a:endParaRPr sz="2000">
+            <a:endParaRPr sz="2000" dirty="0">
+              <a:solidFill>
+                <a:srgbClr val="FF0000"/>
+              </a:solidFill>
               <a:latin typeface="Oswald ExtraLight"/>
               <a:ea typeface="Oswald ExtraLight"/>
               <a:cs typeface="Oswald ExtraLight"/>
               <a:sym typeface="Oswald ExtraLight"/>
-            </a:endParaRPr>
-          </a:p>
-        </p:txBody>
-      </p:sp>
-    </p:spTree>
-  </p:cSld>
-  <p:clrMapOvr>
-    <a:masterClrMapping/>
-  </p:clrMapOvr>
-  <mc:AlternateContent xmlns:mc="http://schemas.openxmlformats.org/markup-compatibility/2006">
-    <mc:Choice xmlns:p14="http://schemas.microsoft.com/office/powerpoint/2010/main" Requires="p14">
-      <p:transition p14:dur="10" advClick="0" advTm="15000"/>
-    </mc:Choice>
-    <mc:Fallback>
-      <p:transition advClick="0" advTm="15000"/>
-    </mc:Fallback>
-  </mc:AlternateContent>
-</p:sld>
-</file>
-
-<file path=ppt/slides/slide15.xml><?xml version="1.0" encoding="utf-8"?>
-<p:sld xmlns:a="http://schemas.openxmlformats.org/drawingml/2006/main" xmlns:r="http://schemas.openxmlformats.org/officeDocument/2006/relationships" xmlns:p="http://schemas.openxmlformats.org/presentationml/2006/main">
-  <p:cSld>
-    <p:spTree>
-      <p:nvGrpSpPr>
-        <p:cNvPr id="1" name="Shape 156"/>
-        <p:cNvGrpSpPr/>
-        <p:nvPr/>
-      </p:nvGrpSpPr>
-      <p:grpSpPr>
-        <a:xfrm>
-          <a:off x="0" y="0"/>
-          <a:ext cx="0" cy="0"/>
-          <a:chOff x="0" y="0"/>
-          <a:chExt cx="0" cy="0"/>
-        </a:xfrm>
-      </p:grpSpPr>
-      <p:sp>
-        <p:nvSpPr>
-          <p:cNvPr id="157" name="Google Shape;157;p22"/>
-          <p:cNvSpPr txBox="1">
-            <a:spLocks noGrp="1"/>
-          </p:cNvSpPr>
-          <p:nvPr>
-            <p:ph type="sldNum" idx="12"/>
-          </p:nvPr>
-        </p:nvSpPr>
-        <p:spPr>
-          <a:xfrm>
-            <a:off x="6457950" y="6356351"/>
-            <a:ext cx="2057400" cy="365125"/>
-          </a:xfrm>
-          <a:prstGeom prst="rect">
-            <a:avLst/>
-          </a:prstGeom>
-          <a:noFill/>
-          <a:ln>
-            <a:noFill/>
-          </a:ln>
-        </p:spPr>
-        <p:txBody>
-          <a:bodyPr spcFirstLastPara="1" wrap="square" lIns="91425" tIns="45700" rIns="91425" bIns="45700" anchor="ctr" anchorCtr="0">
-            <a:noAutofit/>
-          </a:bodyPr>
-          <a:lstStyle/>
-          <a:p>
-            <a:pPr marL="0" marR="0" lvl="0" indent="0" algn="r" rtl="0">
-              <a:spcBef>
-                <a:spcPts val="0"/>
-              </a:spcBef>
-              <a:spcAft>
-                <a:spcPts val="0"/>
-              </a:spcAft>
-              <a:buNone/>
-            </a:pPr>
-            <a:fld id="{00000000-1234-1234-1234-123412341234}" type="slidenum">
-              <a:rPr lang="en-US" sz="1200" b="0" i="0" u="none" strike="noStrike" cap="none">
-                <a:solidFill>
-                  <a:srgbClr val="002060"/>
-                </a:solidFill>
-                <a:latin typeface="Calibri"/>
-                <a:ea typeface="Calibri"/>
-                <a:cs typeface="Calibri"/>
-                <a:sym typeface="Calibri"/>
-              </a:rPr>
-              <a:t>15</a:t>
-            </a:fld>
-            <a:endParaRPr sz="1200" b="0" i="0" u="none" strike="noStrike" cap="none" dirty="0">
-              <a:solidFill>
-                <a:srgbClr val="002060"/>
-              </a:solidFill>
-              <a:latin typeface="Calibri"/>
-              <a:ea typeface="Calibri"/>
-              <a:cs typeface="Calibri"/>
-              <a:sym typeface="Calibri"/>
-            </a:endParaRPr>
-          </a:p>
-        </p:txBody>
-      </p:sp>
-      <p:sp>
-        <p:nvSpPr>
-          <p:cNvPr id="158" name="Google Shape;158;p22"/>
-          <p:cNvSpPr txBox="1"/>
-          <p:nvPr/>
-        </p:nvSpPr>
-        <p:spPr>
-          <a:xfrm>
-            <a:off x="0" y="0"/>
-            <a:ext cx="9144000" cy="2038800"/>
-          </a:xfrm>
-          <a:prstGeom prst="rect">
-            <a:avLst/>
-          </a:prstGeom>
-          <a:noFill/>
-          <a:ln>
-            <a:noFill/>
-          </a:ln>
-        </p:spPr>
-        <p:txBody>
-          <a:bodyPr spcFirstLastPara="1" wrap="square" lIns="91425" tIns="91425" rIns="91425" bIns="91425" anchor="ctr" anchorCtr="0">
-            <a:noAutofit/>
-          </a:bodyPr>
-          <a:lstStyle/>
-          <a:p>
-            <a:pPr marL="0" lvl="0" indent="0" algn="ctr" rtl="0">
-              <a:lnSpc>
-                <a:spcPct val="90000"/>
-              </a:lnSpc>
-              <a:spcBef>
-                <a:spcPts val="0"/>
-              </a:spcBef>
-              <a:spcAft>
-                <a:spcPts val="0"/>
-              </a:spcAft>
-              <a:buNone/>
-            </a:pPr>
-            <a:r>
-              <a:rPr lang="en-US" sz="4000" dirty="0">
-                <a:solidFill>
-                  <a:schemeClr val="dk1"/>
-                </a:solidFill>
-                <a:latin typeface="Oswald Light"/>
-                <a:ea typeface="Oswald Light"/>
-                <a:cs typeface="Oswald Light"/>
-                <a:sym typeface="Oswald Light"/>
-              </a:rPr>
-              <a:t>Model Predictions rev1</a:t>
-            </a:r>
-            <a:endParaRPr sz="4000" dirty="0">
-              <a:solidFill>
-                <a:schemeClr val="dk1"/>
-              </a:solidFill>
-              <a:latin typeface="Oswald Light"/>
-              <a:ea typeface="Oswald Light"/>
-              <a:cs typeface="Oswald Light"/>
-              <a:sym typeface="Oswald Light"/>
-            </a:endParaRPr>
-          </a:p>
-        </p:txBody>
-      </p:sp>
-      <p:pic>
-        <p:nvPicPr>
-          <p:cNvPr id="159" name="Google Shape;159;p22"/>
-          <p:cNvPicPr preferRelativeResize="0"/>
-          <p:nvPr/>
-        </p:nvPicPr>
-        <p:blipFill>
-          <a:blip r:embed="rId3">
-            <a:alphaModFix/>
-          </a:blip>
-          <a:stretch>
-            <a:fillRect/>
-          </a:stretch>
-        </p:blipFill>
-        <p:spPr>
-          <a:xfrm>
-            <a:off x="2586525" y="1526475"/>
-            <a:ext cx="4246400" cy="4569426"/>
-          </a:xfrm>
-          <a:prstGeom prst="rect">
-            <a:avLst/>
-          </a:prstGeom>
-          <a:noFill/>
-          <a:ln>
-            <a:noFill/>
-          </a:ln>
-        </p:spPr>
-      </p:pic>
-      <p:sp>
-        <p:nvSpPr>
-          <p:cNvPr id="160" name="Google Shape;160;p22"/>
-          <p:cNvSpPr/>
-          <p:nvPr/>
-        </p:nvSpPr>
-        <p:spPr>
-          <a:xfrm>
-            <a:off x="3127600" y="4399350"/>
-            <a:ext cx="1115100" cy="525600"/>
-          </a:xfrm>
-          <a:prstGeom prst="ellipse">
-            <a:avLst/>
-          </a:prstGeom>
-          <a:noFill/>
-          <a:ln w="9525" cap="flat" cmpd="sng">
-            <a:solidFill>
-              <a:srgbClr val="FF0000"/>
-            </a:solidFill>
-            <a:prstDash val="solid"/>
-            <a:round/>
-            <a:headEnd type="none" w="sm" len="sm"/>
-            <a:tailEnd type="none" w="sm" len="sm"/>
-          </a:ln>
-        </p:spPr>
-        <p:txBody>
-          <a:bodyPr spcFirstLastPara="1" wrap="square" lIns="91425" tIns="91425" rIns="91425" bIns="91425" anchor="ctr" anchorCtr="0">
-            <a:noAutofit/>
-          </a:bodyPr>
-          <a:lstStyle/>
-          <a:p>
-            <a:pPr marL="0" lvl="0" indent="0" algn="l" rtl="0">
-              <a:spcBef>
-                <a:spcPts val="0"/>
-              </a:spcBef>
-              <a:spcAft>
-                <a:spcPts val="0"/>
-              </a:spcAft>
-              <a:buNone/>
-            </a:pPr>
-            <a:endParaRPr>
-              <a:solidFill>
-                <a:srgbClr val="FF0000"/>
-              </a:solidFill>
-            </a:endParaRPr>
-          </a:p>
-        </p:txBody>
-      </p:sp>
-      <p:sp>
-        <p:nvSpPr>
-          <p:cNvPr id="161" name="Google Shape;161;p22"/>
-          <p:cNvSpPr/>
-          <p:nvPr/>
-        </p:nvSpPr>
-        <p:spPr>
-          <a:xfrm>
-            <a:off x="4615650" y="3547250"/>
-            <a:ext cx="2498100" cy="1743900"/>
-          </a:xfrm>
-          <a:prstGeom prst="ellipse">
-            <a:avLst/>
-          </a:prstGeom>
-          <a:noFill/>
-          <a:ln w="9525" cap="flat" cmpd="sng">
-            <a:solidFill>
-              <a:srgbClr val="FF0000"/>
-            </a:solidFill>
-            <a:prstDash val="solid"/>
-            <a:round/>
-            <a:headEnd type="none" w="sm" len="sm"/>
-            <a:tailEnd type="none" w="sm" len="sm"/>
-          </a:ln>
-        </p:spPr>
-        <p:txBody>
-          <a:bodyPr spcFirstLastPara="1" wrap="square" lIns="91425" tIns="91425" rIns="91425" bIns="91425" anchor="ctr" anchorCtr="0">
-            <a:noAutofit/>
-          </a:bodyPr>
-          <a:lstStyle/>
-          <a:p>
-            <a:pPr marL="0" lvl="0" indent="0" algn="l" rtl="0">
-              <a:spcBef>
-                <a:spcPts val="0"/>
-              </a:spcBef>
-              <a:spcAft>
-                <a:spcPts val="0"/>
-              </a:spcAft>
-              <a:buNone/>
-            </a:pPr>
-            <a:endParaRPr>
-              <a:solidFill>
-                <a:srgbClr val="FF0000"/>
-              </a:solidFill>
             </a:endParaRPr>
           </a:p>
         </p:txBody>
@@ -23383,7 +23405,7 @@
               </a:rPr>
               <a:t>16</a:t>
             </a:fld>
-            <a:endParaRPr sz="1200" b="0" i="0" u="none" strike="noStrike" cap="none">
+            <a:endParaRPr sz="1200" b="0" i="0" u="none" strike="noStrike" cap="none" dirty="0">
               <a:solidFill>
                 <a:srgbClr val="002060"/>
               </a:solidFill>
@@ -23581,6 +23603,286 @@
         </p:txBody>
       </p:sp>
     </p:spTree>
+  </p:cSld>
+  <p:clrMapOvr>
+    <a:masterClrMapping/>
+  </p:clrMapOvr>
+  <mc:AlternateContent xmlns:mc="http://schemas.openxmlformats.org/markup-compatibility/2006">
+    <mc:Choice xmlns:p14="http://schemas.microsoft.com/office/powerpoint/2010/main" Requires="p14">
+      <p:transition p14:dur="10" advClick="0" advTm="15000"/>
+    </mc:Choice>
+    <mc:Fallback>
+      <p:transition advClick="0" advTm="15000"/>
+    </mc:Fallback>
+  </mc:AlternateContent>
+</p:sld>
+</file>
+
+<file path=ppt/slides/slide17.xml><?xml version="1.0" encoding="utf-8"?>
+<p:sld xmlns:a="http://schemas.openxmlformats.org/drawingml/2006/main" xmlns:r="http://schemas.openxmlformats.org/officeDocument/2006/relationships" xmlns:p="http://schemas.openxmlformats.org/presentationml/2006/main">
+  <p:cSld>
+    <p:spTree>
+      <p:nvGrpSpPr>
+        <p:cNvPr id="1" name="Shape 156"/>
+        <p:cNvGrpSpPr/>
+        <p:nvPr/>
+      </p:nvGrpSpPr>
+      <p:grpSpPr>
+        <a:xfrm>
+          <a:off x="0" y="0"/>
+          <a:ext cx="0" cy="0"/>
+          <a:chOff x="0" y="0"/>
+          <a:chExt cx="0" cy="0"/>
+        </a:xfrm>
+      </p:grpSpPr>
+      <p:sp>
+        <p:nvSpPr>
+          <p:cNvPr id="157" name="Google Shape;157;p22"/>
+          <p:cNvSpPr txBox="1">
+            <a:spLocks noGrp="1"/>
+          </p:cNvSpPr>
+          <p:nvPr>
+            <p:ph type="sldNum" idx="12"/>
+          </p:nvPr>
+        </p:nvSpPr>
+        <p:spPr>
+          <a:xfrm>
+            <a:off x="6457950" y="6356351"/>
+            <a:ext cx="2057400" cy="365125"/>
+          </a:xfrm>
+          <a:prstGeom prst="rect">
+            <a:avLst/>
+          </a:prstGeom>
+          <a:noFill/>
+          <a:ln>
+            <a:noFill/>
+          </a:ln>
+        </p:spPr>
+        <p:txBody>
+          <a:bodyPr spcFirstLastPara="1" wrap="square" lIns="91425" tIns="45700" rIns="91425" bIns="45700" anchor="ctr" anchorCtr="0">
+            <a:noAutofit/>
+          </a:bodyPr>
+          <a:lstStyle/>
+          <a:p>
+            <a:pPr marL="0" marR="0" lvl="0" indent="0" algn="r" rtl="0">
+              <a:spcBef>
+                <a:spcPts val="0"/>
+              </a:spcBef>
+              <a:spcAft>
+                <a:spcPts val="0"/>
+              </a:spcAft>
+              <a:buNone/>
+            </a:pPr>
+            <a:fld id="{00000000-1234-1234-1234-123412341234}" type="slidenum">
+              <a:rPr lang="en-US" sz="1200" b="0" i="0" u="none" strike="noStrike" cap="none">
+                <a:solidFill>
+                  <a:srgbClr val="002060"/>
+                </a:solidFill>
+                <a:latin typeface="Calibri"/>
+                <a:ea typeface="Calibri"/>
+                <a:cs typeface="Calibri"/>
+                <a:sym typeface="Calibri"/>
+              </a:rPr>
+              <a:t>17</a:t>
+            </a:fld>
+            <a:endParaRPr sz="1200" b="0" i="0" u="none" strike="noStrike" cap="none">
+              <a:solidFill>
+                <a:srgbClr val="002060"/>
+              </a:solidFill>
+              <a:latin typeface="Calibri"/>
+              <a:ea typeface="Calibri"/>
+              <a:cs typeface="Calibri"/>
+              <a:sym typeface="Calibri"/>
+            </a:endParaRPr>
+          </a:p>
+        </p:txBody>
+      </p:sp>
+      <p:sp>
+        <p:nvSpPr>
+          <p:cNvPr id="158" name="Google Shape;158;p22"/>
+          <p:cNvSpPr txBox="1"/>
+          <p:nvPr/>
+        </p:nvSpPr>
+        <p:spPr>
+          <a:xfrm>
+            <a:off x="0" y="0"/>
+            <a:ext cx="9144000" cy="2038800"/>
+          </a:xfrm>
+          <a:prstGeom prst="rect">
+            <a:avLst/>
+          </a:prstGeom>
+          <a:noFill/>
+          <a:ln>
+            <a:noFill/>
+          </a:ln>
+        </p:spPr>
+        <p:txBody>
+          <a:bodyPr spcFirstLastPara="1" wrap="square" lIns="91425" tIns="91425" rIns="91425" bIns="91425" anchor="ctr" anchorCtr="0">
+            <a:noAutofit/>
+          </a:bodyPr>
+          <a:lstStyle/>
+          <a:p>
+            <a:pPr marL="0" lvl="0" indent="0" algn="ctr" rtl="0">
+              <a:lnSpc>
+                <a:spcPct val="90000"/>
+              </a:lnSpc>
+              <a:spcBef>
+                <a:spcPts val="0"/>
+              </a:spcBef>
+              <a:spcAft>
+                <a:spcPts val="0"/>
+              </a:spcAft>
+              <a:buNone/>
+            </a:pPr>
+            <a:r>
+              <a:rPr lang="en-US" sz="4000" dirty="0">
+                <a:solidFill>
+                  <a:schemeClr val="dk1"/>
+                </a:solidFill>
+                <a:latin typeface="Oswald Light"/>
+                <a:ea typeface="Oswald Light"/>
+                <a:cs typeface="Oswald Light"/>
+                <a:sym typeface="Oswald Light"/>
+              </a:rPr>
+              <a:t>Model Predictions rev1</a:t>
+            </a:r>
+            <a:endParaRPr sz="4000" dirty="0">
+              <a:solidFill>
+                <a:schemeClr val="dk1"/>
+              </a:solidFill>
+              <a:latin typeface="Oswald Light"/>
+              <a:ea typeface="Oswald Light"/>
+              <a:cs typeface="Oswald Light"/>
+              <a:sym typeface="Oswald Light"/>
+            </a:endParaRPr>
+          </a:p>
+        </p:txBody>
+      </p:sp>
+      <p:pic>
+        <p:nvPicPr>
+          <p:cNvPr id="159" name="Google Shape;159;p22"/>
+          <p:cNvPicPr preferRelativeResize="0"/>
+          <p:nvPr/>
+        </p:nvPicPr>
+        <p:blipFill>
+          <a:blip r:embed="rId3">
+            <a:alphaModFix/>
+          </a:blip>
+          <a:stretch>
+            <a:fillRect/>
+          </a:stretch>
+        </p:blipFill>
+        <p:spPr>
+          <a:xfrm>
+            <a:off x="2586525" y="1526475"/>
+            <a:ext cx="4246400" cy="4569426"/>
+          </a:xfrm>
+          <a:prstGeom prst="rect">
+            <a:avLst/>
+          </a:prstGeom>
+          <a:noFill/>
+          <a:ln>
+            <a:noFill/>
+          </a:ln>
+        </p:spPr>
+      </p:pic>
+      <p:sp>
+        <p:nvSpPr>
+          <p:cNvPr id="160" name="Google Shape;160;p22"/>
+          <p:cNvSpPr/>
+          <p:nvPr/>
+        </p:nvSpPr>
+        <p:spPr>
+          <a:xfrm>
+            <a:off x="3127600" y="4399350"/>
+            <a:ext cx="1115100" cy="525600"/>
+          </a:xfrm>
+          <a:prstGeom prst="ellipse">
+            <a:avLst/>
+          </a:prstGeom>
+          <a:noFill/>
+          <a:ln w="9525" cap="flat" cmpd="sng">
+            <a:solidFill>
+              <a:srgbClr val="FF0000"/>
+            </a:solidFill>
+            <a:prstDash val="solid"/>
+            <a:round/>
+            <a:headEnd type="none" w="sm" len="sm"/>
+            <a:tailEnd type="none" w="sm" len="sm"/>
+          </a:ln>
+        </p:spPr>
+        <p:txBody>
+          <a:bodyPr spcFirstLastPara="1" wrap="square" lIns="91425" tIns="91425" rIns="91425" bIns="91425" anchor="ctr" anchorCtr="0">
+            <a:noAutofit/>
+          </a:bodyPr>
+          <a:lstStyle/>
+          <a:p>
+            <a:pPr marL="0" lvl="0" indent="0" algn="l" rtl="0">
+              <a:spcBef>
+                <a:spcPts val="0"/>
+              </a:spcBef>
+              <a:spcAft>
+                <a:spcPts val="0"/>
+              </a:spcAft>
+              <a:buNone/>
+            </a:pPr>
+            <a:endParaRPr>
+              <a:solidFill>
+                <a:srgbClr val="FF0000"/>
+              </a:solidFill>
+            </a:endParaRPr>
+          </a:p>
+        </p:txBody>
+      </p:sp>
+      <p:sp>
+        <p:nvSpPr>
+          <p:cNvPr id="161" name="Google Shape;161;p22"/>
+          <p:cNvSpPr/>
+          <p:nvPr/>
+        </p:nvSpPr>
+        <p:spPr>
+          <a:xfrm>
+            <a:off x="4615650" y="3547250"/>
+            <a:ext cx="2498100" cy="1743900"/>
+          </a:xfrm>
+          <a:prstGeom prst="ellipse">
+            <a:avLst/>
+          </a:prstGeom>
+          <a:noFill/>
+          <a:ln w="9525" cap="flat" cmpd="sng">
+            <a:solidFill>
+              <a:srgbClr val="FF0000"/>
+            </a:solidFill>
+            <a:prstDash val="solid"/>
+            <a:round/>
+            <a:headEnd type="none" w="sm" len="sm"/>
+            <a:tailEnd type="none" w="sm" len="sm"/>
+          </a:ln>
+        </p:spPr>
+        <p:txBody>
+          <a:bodyPr spcFirstLastPara="1" wrap="square" lIns="91425" tIns="91425" rIns="91425" bIns="91425" anchor="ctr" anchorCtr="0">
+            <a:noAutofit/>
+          </a:bodyPr>
+          <a:lstStyle/>
+          <a:p>
+            <a:pPr marL="0" lvl="0" indent="0" algn="l" rtl="0">
+              <a:spcBef>
+                <a:spcPts val="0"/>
+              </a:spcBef>
+              <a:spcAft>
+                <a:spcPts val="0"/>
+              </a:spcAft>
+              <a:buNone/>
+            </a:pPr>
+            <a:endParaRPr>
+              <a:solidFill>
+                <a:srgbClr val="FF0000"/>
+              </a:solidFill>
+            </a:endParaRPr>
+          </a:p>
+        </p:txBody>
+      </p:sp>
+    </p:spTree>
     <p:extLst>
       <p:ext uri="{BB962C8B-B14F-4D97-AF65-F5344CB8AC3E}">
         <p14:creationId xmlns:p14="http://schemas.microsoft.com/office/powerpoint/2010/main" val="2824702350"/>
@@ -23601,7 +23903,7 @@
 </p:sld>
 </file>
 
-<file path=ppt/slides/slide17.xml><?xml version="1.0" encoding="utf-8"?>
+<file path=ppt/slides/slide18.xml><?xml version="1.0" encoding="utf-8"?>
 <p:sld xmlns:a="http://schemas.openxmlformats.org/drawingml/2006/main" xmlns:r="http://schemas.openxmlformats.org/officeDocument/2006/relationships" xmlns:p="http://schemas.openxmlformats.org/presentationml/2006/main">
   <p:cSld>
     <p:spTree>
@@ -23666,7 +23968,7 @@
                 <a:cs typeface="Calibri"/>
                 <a:sym typeface="Calibri"/>
               </a:rPr>
-              <a:t>17</a:t>
+              <a:t>18</a:t>
             </a:fld>
             <a:endParaRPr sz="1200" b="0" i="0" u="none" strike="noStrike" cap="none">
               <a:solidFill>
@@ -24007,7 +24309,7 @@
 </p:sld>
 </file>
 
-<file path=ppt/slides/slide18.xml><?xml version="1.0" encoding="utf-8"?>
+<file path=ppt/slides/slide19.xml><?xml version="1.0" encoding="utf-8"?>
 <p:sld xmlns:a="http://schemas.openxmlformats.org/drawingml/2006/main" xmlns:r="http://schemas.openxmlformats.org/officeDocument/2006/relationships" xmlns:p="http://schemas.openxmlformats.org/presentationml/2006/main">
   <p:cSld>
     <p:spTree>
@@ -24072,7 +24374,7 @@
                 <a:cs typeface="Calibri"/>
                 <a:sym typeface="Calibri"/>
               </a:rPr>
-              <a:t>18</a:t>
+              <a:t>19</a:t>
             </a:fld>
             <a:endParaRPr sz="1200" b="0" i="0" u="none" strike="noStrike" cap="none">
               <a:solidFill>
@@ -24662,670 +24964,6 @@
               <a:buNone/>
             </a:pPr>
             <a:endParaRPr sz="3600" dirty="0">
-              <a:latin typeface="Oswald ExtraLight"/>
-              <a:ea typeface="Oswald ExtraLight"/>
-              <a:cs typeface="Oswald ExtraLight"/>
-              <a:sym typeface="Oswald ExtraLight"/>
-            </a:endParaRPr>
-          </a:p>
-        </p:txBody>
-      </p:sp>
-    </p:spTree>
-  </p:cSld>
-  <p:clrMapOvr>
-    <a:masterClrMapping/>
-  </p:clrMapOvr>
-  <mc:AlternateContent xmlns:mc="http://schemas.openxmlformats.org/markup-compatibility/2006">
-    <mc:Choice xmlns:p14="http://schemas.microsoft.com/office/powerpoint/2010/main" Requires="p14">
-      <p:transition p14:dur="10" advClick="0" advTm="15000"/>
-    </mc:Choice>
-    <mc:Fallback>
-      <p:transition advClick="0" advTm="15000"/>
-    </mc:Fallback>
-  </mc:AlternateContent>
-</p:sld>
-</file>
-
-<file path=ppt/slides/slide19.xml><?xml version="1.0" encoding="utf-8"?>
-<p:sld xmlns:a="http://schemas.openxmlformats.org/drawingml/2006/main" xmlns:r="http://schemas.openxmlformats.org/officeDocument/2006/relationships" xmlns:p="http://schemas.openxmlformats.org/presentationml/2006/main">
-  <p:cSld>
-    <p:spTree>
-      <p:nvGrpSpPr>
-        <p:cNvPr id="1" name="Shape 179"/>
-        <p:cNvGrpSpPr/>
-        <p:nvPr/>
-      </p:nvGrpSpPr>
-      <p:grpSpPr>
-        <a:xfrm>
-          <a:off x="0" y="0"/>
-          <a:ext cx="0" cy="0"/>
-          <a:chOff x="0" y="0"/>
-          <a:chExt cx="0" cy="0"/>
-        </a:xfrm>
-      </p:grpSpPr>
-      <p:sp>
-        <p:nvSpPr>
-          <p:cNvPr id="180" name="Google Shape;180;p25"/>
-          <p:cNvSpPr txBox="1">
-            <a:spLocks noGrp="1"/>
-          </p:cNvSpPr>
-          <p:nvPr>
-            <p:ph type="title"/>
-          </p:nvPr>
-        </p:nvSpPr>
-        <p:spPr>
-          <a:xfrm>
-            <a:off x="628650" y="365126"/>
-            <a:ext cx="7886700" cy="1325700"/>
-          </a:xfrm>
-          <a:prstGeom prst="rect">
-            <a:avLst/>
-          </a:prstGeom>
-          <a:noFill/>
-          <a:ln>
-            <a:noFill/>
-          </a:ln>
-        </p:spPr>
-        <p:txBody>
-          <a:bodyPr spcFirstLastPara="1" wrap="square" lIns="91425" tIns="45700" rIns="91425" bIns="45700" anchor="ctr" anchorCtr="0">
-            <a:noAutofit/>
-          </a:bodyPr>
-          <a:lstStyle/>
-          <a:p>
-            <a:pPr marL="0" marR="0" lvl="0" indent="0" algn="ctr" rtl="0">
-              <a:lnSpc>
-                <a:spcPct val="90000"/>
-              </a:lnSpc>
-              <a:spcBef>
-                <a:spcPts val="0"/>
-              </a:spcBef>
-              <a:spcAft>
-                <a:spcPts val="0"/>
-              </a:spcAft>
-              <a:buClr>
-                <a:schemeClr val="dk1"/>
-              </a:buClr>
-              <a:buSzPts val="4000"/>
-              <a:buFont typeface="Arial"/>
-              <a:buNone/>
-            </a:pPr>
-            <a:r>
-              <a:rPr lang="en-US" b="0" dirty="0">
-                <a:latin typeface="Oswald Light"/>
-                <a:ea typeface="Oswald Light"/>
-                <a:cs typeface="Oswald Light"/>
-                <a:sym typeface="Oswald Light"/>
-              </a:rPr>
-              <a:t>Random Forest </a:t>
-            </a:r>
-            <a:endParaRPr b="0" dirty="0">
-              <a:latin typeface="Oswald Light"/>
-              <a:ea typeface="Oswald Light"/>
-              <a:cs typeface="Oswald Light"/>
-              <a:sym typeface="Oswald Light"/>
-            </a:endParaRPr>
-          </a:p>
-          <a:p>
-            <a:pPr marL="0" marR="0" lvl="0" indent="0" algn="ctr" rtl="0">
-              <a:lnSpc>
-                <a:spcPct val="90000"/>
-              </a:lnSpc>
-              <a:spcBef>
-                <a:spcPts val="0"/>
-              </a:spcBef>
-              <a:spcAft>
-                <a:spcPts val="0"/>
-              </a:spcAft>
-              <a:buClr>
-                <a:schemeClr val="dk1"/>
-              </a:buClr>
-              <a:buSzPts val="4000"/>
-              <a:buFont typeface="Arial"/>
-              <a:buNone/>
-            </a:pPr>
-            <a:r>
-              <a:rPr lang="en-US" b="0" dirty="0">
-                <a:latin typeface="Oswald Light"/>
-                <a:ea typeface="Oswald Light"/>
-                <a:cs typeface="Oswald Light"/>
-                <a:sym typeface="Oswald Light"/>
-              </a:rPr>
-              <a:t>Iteration 2  Parameters and Results</a:t>
-            </a:r>
-            <a:endParaRPr sz="4000" b="0" i="0" u="none" strike="noStrike" cap="none" dirty="0">
-              <a:solidFill>
-                <a:schemeClr val="dk1"/>
-              </a:solidFill>
-              <a:latin typeface="Oswald Light"/>
-              <a:ea typeface="Oswald Light"/>
-              <a:cs typeface="Oswald Light"/>
-              <a:sym typeface="Oswald Light"/>
-            </a:endParaRPr>
-          </a:p>
-        </p:txBody>
-      </p:sp>
-      <p:sp>
-        <p:nvSpPr>
-          <p:cNvPr id="181" name="Google Shape;181;p25"/>
-          <p:cNvSpPr txBox="1">
-            <a:spLocks noGrp="1"/>
-          </p:cNvSpPr>
-          <p:nvPr>
-            <p:ph type="body" idx="1"/>
-          </p:nvPr>
-        </p:nvSpPr>
-        <p:spPr>
-          <a:xfrm>
-            <a:off x="4197600" y="2498725"/>
-            <a:ext cx="4509900" cy="2241300"/>
-          </a:xfrm>
-          <a:prstGeom prst="rect">
-            <a:avLst/>
-          </a:prstGeom>
-          <a:noFill/>
-          <a:ln>
-            <a:noFill/>
-          </a:ln>
-        </p:spPr>
-        <p:txBody>
-          <a:bodyPr spcFirstLastPara="1" wrap="square" lIns="91425" tIns="45700" rIns="91425" bIns="45700" anchor="t" anchorCtr="0">
-            <a:noAutofit/>
-          </a:bodyPr>
-          <a:lstStyle/>
-          <a:p>
-            <a:pPr marL="0" lvl="0" indent="0" algn="ctr" rtl="0">
-              <a:lnSpc>
-                <a:spcPct val="115000"/>
-              </a:lnSpc>
-              <a:spcBef>
-                <a:spcPts val="0"/>
-              </a:spcBef>
-              <a:spcAft>
-                <a:spcPts val="0"/>
-              </a:spcAft>
-              <a:buClr>
-                <a:schemeClr val="dk1"/>
-              </a:buClr>
-              <a:buSzPts val="1100"/>
-              <a:buFont typeface="Arial"/>
-              <a:buNone/>
-            </a:pPr>
-            <a:r>
-              <a:rPr lang="en-US" sz="1800" dirty="0">
-                <a:latin typeface="Oswald ExtraLight"/>
-                <a:ea typeface="Oswald ExtraLight"/>
-                <a:cs typeface="Oswald ExtraLight"/>
-                <a:sym typeface="Oswald ExtraLight"/>
-              </a:rPr>
-              <a:t>Out-of-bag R-2 score estimate: 0.39</a:t>
-            </a:r>
-            <a:br>
-              <a:rPr lang="en-US" sz="1800" dirty="0">
-                <a:latin typeface="Oswald ExtraLight"/>
-                <a:ea typeface="Oswald ExtraLight"/>
-                <a:cs typeface="Oswald ExtraLight"/>
-                <a:sym typeface="Oswald ExtraLight"/>
-              </a:rPr>
-            </a:br>
-            <a:r>
-              <a:rPr lang="en-US" sz="1800" dirty="0">
-                <a:latin typeface="Oswald ExtraLight"/>
-                <a:ea typeface="Oswald ExtraLight"/>
-                <a:cs typeface="Oswald ExtraLight"/>
-                <a:sym typeface="Oswald ExtraLight"/>
-              </a:rPr>
-              <a:t>Test data R-2 score: 0.616</a:t>
-            </a:r>
-            <a:endParaRPr sz="1800" dirty="0">
-              <a:latin typeface="Oswald ExtraLight"/>
-              <a:ea typeface="Oswald ExtraLight"/>
-              <a:cs typeface="Oswald ExtraLight"/>
-              <a:sym typeface="Oswald ExtraLight"/>
-            </a:endParaRPr>
-          </a:p>
-          <a:p>
-            <a:pPr marL="0" lvl="0" indent="0" algn="ctr" rtl="0">
-              <a:lnSpc>
-                <a:spcPct val="115000"/>
-              </a:lnSpc>
-              <a:spcBef>
-                <a:spcPts val="0"/>
-              </a:spcBef>
-              <a:spcAft>
-                <a:spcPts val="0"/>
-              </a:spcAft>
-              <a:buClr>
-                <a:schemeClr val="dk1"/>
-              </a:buClr>
-              <a:buSzPts val="1100"/>
-              <a:buFont typeface="Arial"/>
-              <a:buNone/>
-            </a:pPr>
-            <a:r>
-              <a:rPr lang="en-US" sz="1800" dirty="0">
-                <a:latin typeface="Oswald ExtraLight"/>
-                <a:ea typeface="Oswald ExtraLight"/>
-                <a:cs typeface="Oswald ExtraLight"/>
-                <a:sym typeface="Oswald ExtraLight"/>
-              </a:rPr>
-              <a:t>Test data Spearman correlation: 0.75</a:t>
-            </a:r>
-            <a:br>
-              <a:rPr lang="en-US" sz="1800" dirty="0">
-                <a:latin typeface="Oswald ExtraLight"/>
-                <a:ea typeface="Oswald ExtraLight"/>
-                <a:cs typeface="Oswald ExtraLight"/>
-                <a:sym typeface="Oswald ExtraLight"/>
-              </a:rPr>
-            </a:br>
-            <a:r>
-              <a:rPr lang="en-US" sz="1800" dirty="0">
-                <a:latin typeface="Oswald ExtraLight"/>
-                <a:ea typeface="Oswald ExtraLight"/>
-                <a:cs typeface="Oswald ExtraLight"/>
-                <a:sym typeface="Oswald ExtraLight"/>
-              </a:rPr>
-              <a:t>Test data Pearson correlation: 0.796 </a:t>
-            </a:r>
-            <a:endParaRPr sz="1800" dirty="0">
-              <a:latin typeface="Oswald ExtraLight"/>
-              <a:ea typeface="Oswald ExtraLight"/>
-              <a:cs typeface="Oswald ExtraLight"/>
-              <a:sym typeface="Oswald ExtraLight"/>
-            </a:endParaRPr>
-          </a:p>
-          <a:p>
-            <a:pPr marL="0" lvl="0" indent="0" algn="ctr" rtl="0">
-              <a:lnSpc>
-                <a:spcPct val="115000"/>
-              </a:lnSpc>
-              <a:spcBef>
-                <a:spcPts val="0"/>
-              </a:spcBef>
-              <a:spcAft>
-                <a:spcPts val="0"/>
-              </a:spcAft>
-              <a:buClr>
-                <a:schemeClr val="dk1"/>
-              </a:buClr>
-              <a:buSzPts val="1100"/>
-              <a:buFont typeface="Arial"/>
-              <a:buNone/>
-            </a:pPr>
-            <a:endParaRPr sz="1800" dirty="0">
-              <a:latin typeface="Oswald ExtraLight"/>
-              <a:ea typeface="Oswald ExtraLight"/>
-              <a:cs typeface="Oswald ExtraLight"/>
-              <a:sym typeface="Oswald ExtraLight"/>
-            </a:endParaRPr>
-          </a:p>
-          <a:p>
-            <a:pPr marL="0" lvl="0" indent="0" algn="ctr" rtl="0">
-              <a:lnSpc>
-                <a:spcPct val="115000"/>
-              </a:lnSpc>
-              <a:spcBef>
-                <a:spcPts val="0"/>
-              </a:spcBef>
-              <a:spcAft>
-                <a:spcPts val="0"/>
-              </a:spcAft>
-              <a:buClr>
-                <a:schemeClr val="dk1"/>
-              </a:buClr>
-              <a:buSzPts val="1100"/>
-              <a:buFont typeface="Arial"/>
-              <a:buNone/>
-            </a:pPr>
-            <a:r>
-              <a:rPr lang="en-US" sz="1800" dirty="0">
-                <a:latin typeface="Oswald ExtraLight"/>
-                <a:ea typeface="Oswald ExtraLight"/>
-                <a:cs typeface="Oswald ExtraLight"/>
-                <a:sym typeface="Oswald ExtraLight"/>
-              </a:rPr>
-              <a:t>Mean Squared Error 0.0204 (reduced)</a:t>
-            </a:r>
-            <a:endParaRPr sz="1800" dirty="0">
-              <a:latin typeface="Oswald ExtraLight"/>
-              <a:ea typeface="Oswald ExtraLight"/>
-              <a:cs typeface="Oswald ExtraLight"/>
-              <a:sym typeface="Oswald ExtraLight"/>
-            </a:endParaRPr>
-          </a:p>
-        </p:txBody>
-      </p:sp>
-      <p:sp>
-        <p:nvSpPr>
-          <p:cNvPr id="182" name="Google Shape;182;p25"/>
-          <p:cNvSpPr txBox="1">
-            <a:spLocks noGrp="1"/>
-          </p:cNvSpPr>
-          <p:nvPr>
-            <p:ph type="sldNum" idx="12"/>
-          </p:nvPr>
-        </p:nvSpPr>
-        <p:spPr>
-          <a:xfrm>
-            <a:off x="6457950" y="6356351"/>
-            <a:ext cx="2057400" cy="365100"/>
-          </a:xfrm>
-          <a:prstGeom prst="rect">
-            <a:avLst/>
-          </a:prstGeom>
-          <a:noFill/>
-          <a:ln>
-            <a:noFill/>
-          </a:ln>
-        </p:spPr>
-        <p:txBody>
-          <a:bodyPr spcFirstLastPara="1" wrap="square" lIns="91425" tIns="45700" rIns="91425" bIns="45700" anchor="ctr" anchorCtr="0">
-            <a:noAutofit/>
-          </a:bodyPr>
-          <a:lstStyle/>
-          <a:p>
-            <a:pPr marL="0" marR="0" lvl="0" indent="0" algn="r" rtl="0">
-              <a:spcBef>
-                <a:spcPts val="0"/>
-              </a:spcBef>
-              <a:spcAft>
-                <a:spcPts val="0"/>
-              </a:spcAft>
-              <a:buNone/>
-            </a:pPr>
-            <a:fld id="{00000000-1234-1234-1234-123412341234}" type="slidenum">
-              <a:rPr lang="en-US" sz="1200" b="0" i="0" u="none" strike="noStrike" cap="none">
-                <a:solidFill>
-                  <a:srgbClr val="002060"/>
-                </a:solidFill>
-                <a:latin typeface="Calibri"/>
-                <a:ea typeface="Calibri"/>
-                <a:cs typeface="Calibri"/>
-                <a:sym typeface="Calibri"/>
-              </a:rPr>
-              <a:t>19</a:t>
-            </a:fld>
-            <a:endParaRPr sz="1200" b="0" i="0" u="none" strike="noStrike" cap="none">
-              <a:solidFill>
-                <a:srgbClr val="002060"/>
-              </a:solidFill>
-              <a:latin typeface="Calibri"/>
-              <a:ea typeface="Calibri"/>
-              <a:cs typeface="Calibri"/>
-              <a:sym typeface="Calibri"/>
-            </a:endParaRPr>
-          </a:p>
-        </p:txBody>
-      </p:sp>
-      <p:sp>
-        <p:nvSpPr>
-          <p:cNvPr id="183" name="Google Shape;183;p25"/>
-          <p:cNvSpPr/>
-          <p:nvPr/>
-        </p:nvSpPr>
-        <p:spPr>
-          <a:xfrm>
-            <a:off x="8033250" y="3436813"/>
-            <a:ext cx="236400" cy="365100"/>
-          </a:xfrm>
-          <a:prstGeom prst="upArrow">
-            <a:avLst>
-              <a:gd name="adj1" fmla="val 50000"/>
-              <a:gd name="adj2" fmla="val 50000"/>
-            </a:avLst>
-          </a:prstGeom>
-          <a:solidFill>
-            <a:schemeClr val="accent6">
-              <a:lumMod val="60000"/>
-              <a:lumOff val="40000"/>
-            </a:schemeClr>
-          </a:solidFill>
-          <a:ln w="9525" cap="flat" cmpd="sng">
-            <a:solidFill>
-              <a:schemeClr val="dk2"/>
-            </a:solidFill>
-            <a:prstDash val="solid"/>
-            <a:round/>
-            <a:headEnd type="none" w="sm" len="sm"/>
-            <a:tailEnd type="none" w="sm" len="sm"/>
-          </a:ln>
-        </p:spPr>
-        <p:txBody>
-          <a:bodyPr spcFirstLastPara="1" wrap="square" lIns="91425" tIns="91425" rIns="91425" bIns="91425" anchor="ctr" anchorCtr="0">
-            <a:noAutofit/>
-          </a:bodyPr>
-          <a:lstStyle/>
-          <a:p>
-            <a:pPr marL="0" lvl="0" indent="0" algn="l" rtl="0">
-              <a:spcBef>
-                <a:spcPts val="0"/>
-              </a:spcBef>
-              <a:spcAft>
-                <a:spcPts val="0"/>
-              </a:spcAft>
-              <a:buNone/>
-            </a:pPr>
-            <a:endParaRPr/>
-          </a:p>
-        </p:txBody>
-      </p:sp>
-      <p:sp>
-        <p:nvSpPr>
-          <p:cNvPr id="184" name="Google Shape;184;p25"/>
-          <p:cNvSpPr/>
-          <p:nvPr/>
-        </p:nvSpPr>
-        <p:spPr>
-          <a:xfrm rot="10800000">
-            <a:off x="8033313" y="4107115"/>
-            <a:ext cx="236283" cy="365072"/>
-          </a:xfrm>
-          <a:prstGeom prst="upArrow">
-            <a:avLst>
-              <a:gd name="adj1" fmla="val 50000"/>
-              <a:gd name="adj2" fmla="val 50000"/>
-            </a:avLst>
-          </a:prstGeom>
-          <a:solidFill>
-            <a:schemeClr val="accent6">
-              <a:lumMod val="60000"/>
-              <a:lumOff val="40000"/>
-            </a:schemeClr>
-          </a:solidFill>
-          <a:ln w="9525" cap="flat" cmpd="sng">
-            <a:solidFill>
-              <a:schemeClr val="dk2"/>
-            </a:solidFill>
-            <a:prstDash val="solid"/>
-            <a:round/>
-            <a:headEnd type="none" w="sm" len="sm"/>
-            <a:tailEnd type="none" w="sm" len="sm"/>
-          </a:ln>
-        </p:spPr>
-        <p:txBody>
-          <a:bodyPr spcFirstLastPara="1" wrap="square" lIns="91425" tIns="91425" rIns="91425" bIns="91425" anchor="ctr" anchorCtr="0">
-            <a:noAutofit/>
-          </a:bodyPr>
-          <a:lstStyle/>
-          <a:p>
-            <a:pPr marL="0" lvl="0" indent="0" algn="l" rtl="0">
-              <a:spcBef>
-                <a:spcPts val="0"/>
-              </a:spcBef>
-              <a:spcAft>
-                <a:spcPts val="0"/>
-              </a:spcAft>
-              <a:buNone/>
-            </a:pPr>
-            <a:endParaRPr/>
-          </a:p>
-        </p:txBody>
-      </p:sp>
-      <p:sp>
-        <p:nvSpPr>
-          <p:cNvPr id="185" name="Google Shape;185;p25"/>
-          <p:cNvSpPr txBox="1">
-            <a:spLocks noGrp="1"/>
-          </p:cNvSpPr>
-          <p:nvPr>
-            <p:ph type="body" idx="1"/>
-          </p:nvPr>
-        </p:nvSpPr>
-        <p:spPr>
-          <a:xfrm>
-            <a:off x="628650" y="2621525"/>
-            <a:ext cx="3465300" cy="2241300"/>
-          </a:xfrm>
-          <a:prstGeom prst="rect">
-            <a:avLst/>
-          </a:prstGeom>
-          <a:noFill/>
-          <a:ln>
-            <a:noFill/>
-          </a:ln>
-        </p:spPr>
-        <p:txBody>
-          <a:bodyPr spcFirstLastPara="1" wrap="square" lIns="91425" tIns="45700" rIns="91425" bIns="45700" anchor="t" anchorCtr="0">
-            <a:noAutofit/>
-          </a:bodyPr>
-          <a:lstStyle/>
-          <a:p>
-            <a:pPr marL="0" lvl="0" indent="0" algn="ctr" rtl="0">
-              <a:lnSpc>
-                <a:spcPct val="115000"/>
-              </a:lnSpc>
-              <a:spcBef>
-                <a:spcPts val="0"/>
-              </a:spcBef>
-              <a:spcAft>
-                <a:spcPts val="0"/>
-              </a:spcAft>
-              <a:buClr>
-                <a:schemeClr val="dk1"/>
-              </a:buClr>
-              <a:buSzPts val="1100"/>
-              <a:buFont typeface="Arial"/>
-              <a:buNone/>
-            </a:pPr>
-            <a:endParaRPr sz="1800">
-              <a:latin typeface="Oswald ExtraLight"/>
-              <a:ea typeface="Oswald ExtraLight"/>
-              <a:cs typeface="Oswald ExtraLight"/>
-              <a:sym typeface="Oswald ExtraLight"/>
-            </a:endParaRPr>
-          </a:p>
-          <a:p>
-            <a:pPr marL="0" lvl="0" indent="0" algn="ctr" rtl="0">
-              <a:lnSpc>
-                <a:spcPct val="115000"/>
-              </a:lnSpc>
-              <a:spcBef>
-                <a:spcPts val="0"/>
-              </a:spcBef>
-              <a:spcAft>
-                <a:spcPts val="0"/>
-              </a:spcAft>
-              <a:buClr>
-                <a:schemeClr val="dk1"/>
-              </a:buClr>
-              <a:buSzPts val="1100"/>
-              <a:buFont typeface="Arial"/>
-              <a:buNone/>
-            </a:pPr>
-            <a:r>
-              <a:rPr lang="en-US" sz="1800">
-                <a:latin typeface="Oswald ExtraLight"/>
-                <a:ea typeface="Oswald ExtraLight"/>
-                <a:cs typeface="Oswald ExtraLight"/>
-                <a:sym typeface="Oswald ExtraLight"/>
-              </a:rPr>
-              <a:t>CV - splits - 5 (optimized)</a:t>
-            </a:r>
-            <a:endParaRPr sz="1800">
-              <a:latin typeface="Oswald ExtraLight"/>
-              <a:ea typeface="Oswald ExtraLight"/>
-              <a:cs typeface="Oswald ExtraLight"/>
-              <a:sym typeface="Oswald ExtraLight"/>
-            </a:endParaRPr>
-          </a:p>
-          <a:p>
-            <a:pPr marL="0" lvl="0" indent="0" algn="ctr" rtl="0">
-              <a:lnSpc>
-                <a:spcPct val="115000"/>
-              </a:lnSpc>
-              <a:spcBef>
-                <a:spcPts val="0"/>
-              </a:spcBef>
-              <a:spcAft>
-                <a:spcPts val="0"/>
-              </a:spcAft>
-              <a:buClr>
-                <a:schemeClr val="dk1"/>
-              </a:buClr>
-              <a:buSzPts val="1100"/>
-              <a:buFont typeface="Arial"/>
-              <a:buNone/>
-            </a:pPr>
-            <a:r>
-              <a:rPr lang="en-US" sz="1800">
-                <a:latin typeface="Oswald ExtraLight"/>
-                <a:ea typeface="Oswald ExtraLight"/>
-                <a:cs typeface="Oswald ExtraLight"/>
-                <a:sym typeface="Oswald ExtraLight"/>
-              </a:rPr>
-              <a:t>Number of estimators - 150</a:t>
-            </a:r>
-            <a:endParaRPr sz="1800">
-              <a:latin typeface="Oswald ExtraLight"/>
-              <a:ea typeface="Oswald ExtraLight"/>
-              <a:cs typeface="Oswald ExtraLight"/>
-              <a:sym typeface="Oswald ExtraLight"/>
-            </a:endParaRPr>
-          </a:p>
-          <a:p>
-            <a:pPr marL="0" lvl="0" indent="0" algn="ctr" rtl="0">
-              <a:lnSpc>
-                <a:spcPct val="115000"/>
-              </a:lnSpc>
-              <a:spcBef>
-                <a:spcPts val="0"/>
-              </a:spcBef>
-              <a:spcAft>
-                <a:spcPts val="0"/>
-              </a:spcAft>
-              <a:buClr>
-                <a:schemeClr val="dk1"/>
-              </a:buClr>
-              <a:buSzPts val="1100"/>
-              <a:buFont typeface="Arial"/>
-              <a:buNone/>
-            </a:pPr>
-            <a:endParaRPr sz="1800">
-              <a:latin typeface="Oswald ExtraLight"/>
-              <a:ea typeface="Oswald ExtraLight"/>
-              <a:cs typeface="Oswald ExtraLight"/>
-              <a:sym typeface="Oswald ExtraLight"/>
-            </a:endParaRPr>
-          </a:p>
-          <a:p>
-            <a:pPr marL="0" lvl="0" indent="0" algn="ctr" rtl="0">
-              <a:lnSpc>
-                <a:spcPct val="115000"/>
-              </a:lnSpc>
-              <a:spcBef>
-                <a:spcPts val="0"/>
-              </a:spcBef>
-              <a:spcAft>
-                <a:spcPts val="0"/>
-              </a:spcAft>
-              <a:buClr>
-                <a:schemeClr val="dk1"/>
-              </a:buClr>
-              <a:buSzPts val="1100"/>
-              <a:buFont typeface="Arial"/>
-              <a:buNone/>
-            </a:pPr>
-            <a:endParaRPr sz="1800">
               <a:latin typeface="Oswald ExtraLight"/>
               <a:ea typeface="Oswald ExtraLight"/>
               <a:cs typeface="Oswald ExtraLight"/>
@@ -25499,7 +25137,7 @@
                 </a:solidFill>
                 <a:latin typeface="Oswald ExtraLight"/>
               </a:rPr>
-              <a:t>Political election results are important media topic discussed. The election outcomes generally are determined based on sample telephone surveys, online polls and paper mailings.</a:t>
+              <a:t>Political election results is an important media topic. The election outcomes are in general determined based on sample telephone surveys, online polls and paper mailings.</a:t>
             </a:r>
           </a:p>
           <a:p>
@@ -25530,7 +25168,7 @@
                 </a:solidFill>
                 <a:latin typeface="Oswald ExtraLight"/>
               </a:rPr>
-              <a:t>Political parties spend most of their campaign budgets on swing constituencies based on initial polls.</a:t>
+              <a:t>Political parties spend considerable of their campaign budget on swing constituencies based on initial polls.</a:t>
             </a:r>
           </a:p>
         </p:txBody>
@@ -25623,7 +25261,7 @@
   <p:cSld>
     <p:spTree>
       <p:nvGrpSpPr>
-        <p:cNvPr id="1" name="Shape 189"/>
+        <p:cNvPr id="1" name="Shape 179"/>
         <p:cNvGrpSpPr/>
         <p:nvPr/>
       </p:nvGrpSpPr>
@@ -25637,7 +25275,314 @@
       </p:grpSpPr>
       <p:sp>
         <p:nvSpPr>
-          <p:cNvPr id="190" name="Google Shape;190;p26"/>
+          <p:cNvPr id="180" name="Google Shape;180;p25"/>
+          <p:cNvSpPr txBox="1">
+            <a:spLocks noGrp="1"/>
+          </p:cNvSpPr>
+          <p:nvPr>
+            <p:ph type="title"/>
+          </p:nvPr>
+        </p:nvSpPr>
+        <p:spPr>
+          <a:xfrm>
+            <a:off x="628650" y="365126"/>
+            <a:ext cx="7886700" cy="1325700"/>
+          </a:xfrm>
+          <a:prstGeom prst="rect">
+            <a:avLst/>
+          </a:prstGeom>
+          <a:noFill/>
+          <a:ln>
+            <a:noFill/>
+          </a:ln>
+        </p:spPr>
+        <p:txBody>
+          <a:bodyPr spcFirstLastPara="1" wrap="square" lIns="91425" tIns="45700" rIns="91425" bIns="45700" anchor="ctr" anchorCtr="0">
+            <a:noAutofit/>
+          </a:bodyPr>
+          <a:lstStyle/>
+          <a:p>
+            <a:pPr marL="0" marR="0" lvl="0" indent="0" algn="ctr" rtl="0">
+              <a:lnSpc>
+                <a:spcPct val="90000"/>
+              </a:lnSpc>
+              <a:spcBef>
+                <a:spcPts val="0"/>
+              </a:spcBef>
+              <a:spcAft>
+                <a:spcPts val="0"/>
+              </a:spcAft>
+              <a:buClr>
+                <a:schemeClr val="dk1"/>
+              </a:buClr>
+              <a:buSzPts val="4000"/>
+              <a:buFont typeface="Arial"/>
+              <a:buNone/>
+            </a:pPr>
+            <a:r>
+              <a:rPr lang="en-US" b="0" dirty="0">
+                <a:latin typeface="Oswald Light"/>
+                <a:ea typeface="Oswald Light"/>
+                <a:cs typeface="Oswald Light"/>
+                <a:sym typeface="Oswald Light"/>
+              </a:rPr>
+              <a:t>Random Forest </a:t>
+            </a:r>
+            <a:endParaRPr b="0" dirty="0">
+              <a:latin typeface="Oswald Light"/>
+              <a:ea typeface="Oswald Light"/>
+              <a:cs typeface="Oswald Light"/>
+              <a:sym typeface="Oswald Light"/>
+            </a:endParaRPr>
+          </a:p>
+          <a:p>
+            <a:pPr marL="0" marR="0" lvl="0" indent="0" algn="ctr" rtl="0">
+              <a:lnSpc>
+                <a:spcPct val="90000"/>
+              </a:lnSpc>
+              <a:spcBef>
+                <a:spcPts val="0"/>
+              </a:spcBef>
+              <a:spcAft>
+                <a:spcPts val="0"/>
+              </a:spcAft>
+              <a:buClr>
+                <a:schemeClr val="dk1"/>
+              </a:buClr>
+              <a:buSzPts val="4000"/>
+              <a:buFont typeface="Arial"/>
+              <a:buNone/>
+            </a:pPr>
+            <a:r>
+              <a:rPr lang="en-US" b="0" dirty="0">
+                <a:latin typeface="Oswald Light"/>
+                <a:ea typeface="Oswald Light"/>
+                <a:cs typeface="Oswald Light"/>
+                <a:sym typeface="Oswald Light"/>
+              </a:rPr>
+              <a:t>Iteration 2  Parameters and Results</a:t>
+            </a:r>
+            <a:endParaRPr sz="4000" b="0" i="0" u="none" strike="noStrike" cap="none" dirty="0">
+              <a:solidFill>
+                <a:schemeClr val="dk1"/>
+              </a:solidFill>
+              <a:latin typeface="Oswald Light"/>
+              <a:ea typeface="Oswald Light"/>
+              <a:cs typeface="Oswald Light"/>
+              <a:sym typeface="Oswald Light"/>
+            </a:endParaRPr>
+          </a:p>
+        </p:txBody>
+      </p:sp>
+      <p:sp>
+        <p:nvSpPr>
+          <p:cNvPr id="181" name="Google Shape;181;p25"/>
+          <p:cNvSpPr txBox="1">
+            <a:spLocks noGrp="1"/>
+          </p:cNvSpPr>
+          <p:nvPr>
+            <p:ph type="body" idx="1"/>
+          </p:nvPr>
+        </p:nvSpPr>
+        <p:spPr>
+          <a:xfrm>
+            <a:off x="4197600" y="2498725"/>
+            <a:ext cx="4509900" cy="2241300"/>
+          </a:xfrm>
+          <a:prstGeom prst="rect">
+            <a:avLst/>
+          </a:prstGeom>
+          <a:noFill/>
+          <a:ln>
+            <a:noFill/>
+          </a:ln>
+        </p:spPr>
+        <p:txBody>
+          <a:bodyPr spcFirstLastPara="1" wrap="square" lIns="91425" tIns="45700" rIns="91425" bIns="45700" anchor="t" anchorCtr="0">
+            <a:noAutofit/>
+          </a:bodyPr>
+          <a:lstStyle/>
+          <a:p>
+            <a:pPr marL="0" lvl="0" indent="0" algn="ctr" rtl="0">
+              <a:lnSpc>
+                <a:spcPct val="115000"/>
+              </a:lnSpc>
+              <a:spcBef>
+                <a:spcPts val="0"/>
+              </a:spcBef>
+              <a:spcAft>
+                <a:spcPts val="0"/>
+              </a:spcAft>
+              <a:buClr>
+                <a:schemeClr val="dk1"/>
+              </a:buClr>
+              <a:buSzPts val="1100"/>
+              <a:buFont typeface="Arial"/>
+              <a:buNone/>
+            </a:pPr>
+            <a:r>
+              <a:rPr lang="en-US" sz="1800" dirty="0">
+                <a:latin typeface="Oswald ExtraLight"/>
+                <a:ea typeface="Oswald ExtraLight"/>
+                <a:cs typeface="Oswald ExtraLight"/>
+                <a:sym typeface="Oswald ExtraLight"/>
+              </a:rPr>
+              <a:t>Out-of-bag R-2 score estimate: 0.39</a:t>
+            </a:r>
+            <a:br>
+              <a:rPr lang="en-US" sz="1800" dirty="0">
+                <a:latin typeface="Oswald ExtraLight"/>
+                <a:ea typeface="Oswald ExtraLight"/>
+                <a:cs typeface="Oswald ExtraLight"/>
+                <a:sym typeface="Oswald ExtraLight"/>
+              </a:rPr>
+            </a:br>
+            <a:r>
+              <a:rPr lang="en-US" sz="1800" dirty="0">
+                <a:latin typeface="Oswald ExtraLight"/>
+                <a:ea typeface="Oswald ExtraLight"/>
+                <a:cs typeface="Oswald ExtraLight"/>
+                <a:sym typeface="Oswald ExtraLight"/>
+              </a:rPr>
+              <a:t>Test data R-2 score: 0.616</a:t>
+            </a:r>
+            <a:endParaRPr sz="1800" dirty="0">
+              <a:latin typeface="Oswald ExtraLight"/>
+              <a:ea typeface="Oswald ExtraLight"/>
+              <a:cs typeface="Oswald ExtraLight"/>
+              <a:sym typeface="Oswald ExtraLight"/>
+            </a:endParaRPr>
+          </a:p>
+          <a:p>
+            <a:pPr marL="0" lvl="0" indent="0" algn="ctr" rtl="0">
+              <a:lnSpc>
+                <a:spcPct val="115000"/>
+              </a:lnSpc>
+              <a:spcBef>
+                <a:spcPts val="0"/>
+              </a:spcBef>
+              <a:spcAft>
+                <a:spcPts val="0"/>
+              </a:spcAft>
+              <a:buClr>
+                <a:schemeClr val="dk1"/>
+              </a:buClr>
+              <a:buSzPts val="1100"/>
+              <a:buFont typeface="Arial"/>
+              <a:buNone/>
+            </a:pPr>
+            <a:r>
+              <a:rPr lang="en-US" sz="1800" dirty="0">
+                <a:latin typeface="Oswald ExtraLight"/>
+                <a:ea typeface="Oswald ExtraLight"/>
+                <a:cs typeface="Oswald ExtraLight"/>
+                <a:sym typeface="Oswald ExtraLight"/>
+              </a:rPr>
+              <a:t>Test data Spearman correlation: 0.75</a:t>
+            </a:r>
+            <a:br>
+              <a:rPr lang="en-US" sz="1800" dirty="0">
+                <a:latin typeface="Oswald ExtraLight"/>
+                <a:ea typeface="Oswald ExtraLight"/>
+                <a:cs typeface="Oswald ExtraLight"/>
+                <a:sym typeface="Oswald ExtraLight"/>
+              </a:rPr>
+            </a:br>
+            <a:r>
+              <a:rPr lang="en-US" sz="1800" dirty="0">
+                <a:solidFill>
+                  <a:srgbClr val="FF0000"/>
+                </a:solidFill>
+                <a:latin typeface="Oswald ExtraLight"/>
+                <a:ea typeface="Oswald ExtraLight"/>
+                <a:cs typeface="Oswald ExtraLight"/>
+                <a:sym typeface="Oswald ExtraLight"/>
+              </a:rPr>
+              <a:t>Test data Pearson correlation: 0.796 </a:t>
+            </a:r>
+            <a:endParaRPr sz="1800" dirty="0">
+              <a:solidFill>
+                <a:srgbClr val="FF0000"/>
+              </a:solidFill>
+              <a:latin typeface="Oswald ExtraLight"/>
+              <a:ea typeface="Oswald ExtraLight"/>
+              <a:cs typeface="Oswald ExtraLight"/>
+              <a:sym typeface="Oswald ExtraLight"/>
+            </a:endParaRPr>
+          </a:p>
+          <a:p>
+            <a:pPr marL="0" lvl="0" indent="0" algn="ctr" rtl="0">
+              <a:lnSpc>
+                <a:spcPct val="115000"/>
+              </a:lnSpc>
+              <a:spcBef>
+                <a:spcPts val="0"/>
+              </a:spcBef>
+              <a:spcAft>
+                <a:spcPts val="0"/>
+              </a:spcAft>
+              <a:buClr>
+                <a:schemeClr val="dk1"/>
+              </a:buClr>
+              <a:buSzPts val="1100"/>
+              <a:buFont typeface="Arial"/>
+              <a:buNone/>
+            </a:pPr>
+            <a:endParaRPr sz="1800" dirty="0">
+              <a:solidFill>
+                <a:srgbClr val="FF0000"/>
+              </a:solidFill>
+              <a:latin typeface="Oswald ExtraLight"/>
+              <a:ea typeface="Oswald ExtraLight"/>
+              <a:cs typeface="Oswald ExtraLight"/>
+              <a:sym typeface="Oswald ExtraLight"/>
+            </a:endParaRPr>
+          </a:p>
+          <a:p>
+            <a:pPr marL="0" lvl="0" indent="0" algn="ctr" rtl="0">
+              <a:lnSpc>
+                <a:spcPct val="115000"/>
+              </a:lnSpc>
+              <a:spcBef>
+                <a:spcPts val="0"/>
+              </a:spcBef>
+              <a:spcAft>
+                <a:spcPts val="0"/>
+              </a:spcAft>
+              <a:buClr>
+                <a:schemeClr val="dk1"/>
+              </a:buClr>
+              <a:buSzPts val="1100"/>
+              <a:buFont typeface="Arial"/>
+              <a:buNone/>
+            </a:pPr>
+            <a:r>
+              <a:rPr lang="en-US" sz="1800" dirty="0">
+                <a:solidFill>
+                  <a:srgbClr val="FF0000"/>
+                </a:solidFill>
+                <a:latin typeface="Oswald ExtraLight"/>
+                <a:ea typeface="Oswald ExtraLight"/>
+                <a:cs typeface="Oswald ExtraLight"/>
+                <a:sym typeface="Oswald ExtraLight"/>
+              </a:rPr>
+              <a:t>Mean Squared Error 0.0204 (reduced)</a:t>
+            </a:r>
+            <a:endParaRPr sz="1800" dirty="0">
+              <a:solidFill>
+                <a:srgbClr val="FF0000"/>
+              </a:solidFill>
+              <a:latin typeface="Oswald ExtraLight"/>
+              <a:ea typeface="Oswald ExtraLight"/>
+              <a:cs typeface="Oswald ExtraLight"/>
+              <a:sym typeface="Oswald ExtraLight"/>
+            </a:endParaRPr>
+          </a:p>
+        </p:txBody>
+      </p:sp>
+      <p:sp>
+        <p:nvSpPr>
+          <p:cNvPr id="182" name="Google Shape;182;p25"/>
           <p:cNvSpPr txBox="1">
             <a:spLocks noGrp="1"/>
           </p:cNvSpPr>
@@ -25699,111 +25644,30 @@
       </p:sp>
       <p:sp>
         <p:nvSpPr>
-          <p:cNvPr id="191" name="Google Shape;191;p26"/>
-          <p:cNvSpPr txBox="1"/>
-          <p:nvPr/>
-        </p:nvSpPr>
-        <p:spPr>
-          <a:xfrm>
-            <a:off x="0" y="0"/>
-            <a:ext cx="9144000" cy="2038800"/>
-          </a:xfrm>
-          <a:prstGeom prst="rect">
-            <a:avLst/>
-          </a:prstGeom>
-          <a:noFill/>
-          <a:ln>
-            <a:noFill/>
-          </a:ln>
-        </p:spPr>
-        <p:txBody>
-          <a:bodyPr spcFirstLastPara="1" wrap="square" lIns="91425" tIns="91425" rIns="91425" bIns="91425" anchor="ctr" anchorCtr="0">
-            <a:noAutofit/>
-          </a:bodyPr>
-          <a:lstStyle/>
-          <a:p>
-            <a:pPr marL="0" lvl="0" indent="0" algn="ctr" rtl="0">
-              <a:lnSpc>
-                <a:spcPct val="90000"/>
-              </a:lnSpc>
-              <a:spcBef>
-                <a:spcPts val="0"/>
-              </a:spcBef>
-              <a:spcAft>
-                <a:spcPts val="0"/>
-              </a:spcAft>
-              <a:buNone/>
-            </a:pPr>
-            <a:r>
-              <a:rPr lang="en-US" sz="4000" dirty="0">
-                <a:solidFill>
-                  <a:schemeClr val="dk1"/>
-                </a:solidFill>
-                <a:latin typeface="Oswald Light"/>
-                <a:ea typeface="Oswald Light"/>
-                <a:cs typeface="Oswald Light"/>
-                <a:sym typeface="Oswald Light"/>
-              </a:rPr>
-              <a:t>Model Predictions rev2</a:t>
-            </a:r>
-            <a:endParaRPr sz="4000" dirty="0">
-              <a:solidFill>
-                <a:schemeClr val="dk1"/>
-              </a:solidFill>
-              <a:latin typeface="Oswald Light"/>
-              <a:ea typeface="Oswald Light"/>
-              <a:cs typeface="Oswald Light"/>
-              <a:sym typeface="Oswald Light"/>
-            </a:endParaRPr>
-          </a:p>
-        </p:txBody>
-      </p:sp>
-      <p:pic>
-        <p:nvPicPr>
-          <p:cNvPr id="192" name="Google Shape;192;p26"/>
-          <p:cNvPicPr preferRelativeResize="0"/>
-          <p:nvPr/>
-        </p:nvPicPr>
-        <p:blipFill>
-          <a:blip r:embed="rId3">
-            <a:alphaModFix/>
-          </a:blip>
-          <a:stretch>
-            <a:fillRect/>
-          </a:stretch>
-        </p:blipFill>
-        <p:spPr>
-          <a:xfrm>
-            <a:off x="2659388" y="1565850"/>
-            <a:ext cx="4209463" cy="4514400"/>
-          </a:xfrm>
-          <a:prstGeom prst="rect">
-            <a:avLst/>
-          </a:prstGeom>
-          <a:noFill/>
-          <a:ln>
-            <a:noFill/>
-          </a:ln>
-        </p:spPr>
-      </p:pic>
-      <p:sp>
-        <p:nvSpPr>
-          <p:cNvPr id="193" name="Google Shape;193;p26"/>
+          <p:cNvPr id="183" name="Google Shape;183;p25"/>
           <p:cNvSpPr/>
           <p:nvPr/>
         </p:nvSpPr>
         <p:spPr>
           <a:xfrm>
-            <a:off x="4818350" y="4005425"/>
-            <a:ext cx="2290800" cy="1906500"/>
+            <a:off x="8033250" y="3436813"/>
+            <a:ext cx="236400" cy="365100"/>
           </a:xfrm>
-          <a:prstGeom prst="ellipse">
-            <a:avLst/>
+          <a:prstGeom prst="upArrow">
+            <a:avLst>
+              <a:gd name="adj1" fmla="val 50000"/>
+              <a:gd name="adj2" fmla="val 50000"/>
+            </a:avLst>
           </a:prstGeom>
-          <a:noFill/>
+          <a:solidFill>
+            <a:schemeClr val="accent6">
+              <a:lumMod val="60000"/>
+              <a:lumOff val="40000"/>
+            </a:schemeClr>
+          </a:solidFill>
           <a:ln w="9525" cap="flat" cmpd="sng">
             <a:solidFill>
-              <a:srgbClr val="FF0000"/>
+              <a:schemeClr val="dk2"/>
             </a:solidFill>
             <a:prstDash val="solid"/>
             <a:round/>
@@ -25826,93 +25690,36 @@
               </a:spcAft>
               <a:buNone/>
             </a:pPr>
-            <a:endParaRPr>
-              <a:solidFill>
-                <a:srgbClr val="FF0000"/>
-              </a:solidFill>
-            </a:endParaRPr>
+            <a:endParaRPr/>
           </a:p>
         </p:txBody>
       </p:sp>
       <p:sp>
         <p:nvSpPr>
-          <p:cNvPr id="194" name="Google Shape;194;p26"/>
-          <p:cNvSpPr txBox="1"/>
-          <p:nvPr/>
-        </p:nvSpPr>
-        <p:spPr>
-          <a:xfrm>
-            <a:off x="372375" y="2993700"/>
-            <a:ext cx="1769100" cy="565800"/>
-          </a:xfrm>
-          <a:prstGeom prst="rect">
-            <a:avLst/>
-          </a:prstGeom>
-          <a:noFill/>
-          <a:ln>
-            <a:noFill/>
-          </a:ln>
-        </p:spPr>
-        <p:txBody>
-          <a:bodyPr spcFirstLastPara="1" wrap="square" lIns="91425" tIns="91425" rIns="91425" bIns="91425" anchor="ctr" anchorCtr="0">
-            <a:noAutofit/>
-          </a:bodyPr>
-          <a:lstStyle/>
-          <a:p>
-            <a:pPr marL="0" lvl="0" indent="0" algn="ctr" rtl="0">
-              <a:lnSpc>
-                <a:spcPct val="90000"/>
-              </a:lnSpc>
-              <a:spcBef>
-                <a:spcPts val="0"/>
-              </a:spcBef>
-              <a:spcAft>
-                <a:spcPts val="0"/>
-              </a:spcAft>
-              <a:buNone/>
-            </a:pPr>
-            <a:r>
-              <a:rPr lang="en-US" sz="2400">
-                <a:solidFill>
-                  <a:schemeClr val="dk1"/>
-                </a:solidFill>
-                <a:latin typeface="Oswald Light"/>
-                <a:ea typeface="Oswald Light"/>
-                <a:cs typeface="Oswald Light"/>
-                <a:sym typeface="Oswald Light"/>
-              </a:rPr>
-              <a:t>rev1</a:t>
-            </a:r>
-            <a:endParaRPr sz="2400">
-              <a:solidFill>
-                <a:schemeClr val="dk1"/>
-              </a:solidFill>
-              <a:latin typeface="Oswald Light"/>
-              <a:ea typeface="Oswald Light"/>
-              <a:cs typeface="Oswald Light"/>
-              <a:sym typeface="Oswald Light"/>
-            </a:endParaRPr>
-          </a:p>
-        </p:txBody>
-      </p:sp>
-      <p:sp>
-        <p:nvSpPr>
-          <p:cNvPr id="195" name="Google Shape;195;p26"/>
+          <p:cNvPr id="184" name="Google Shape;184;p25"/>
           <p:cNvSpPr/>
           <p:nvPr/>
         </p:nvSpPr>
         <p:spPr>
-          <a:xfrm rot="-2540945">
-            <a:off x="3936431" y="3457517"/>
-            <a:ext cx="2054788" cy="750058"/>
+          <a:xfrm rot="10800000">
+            <a:off x="8033313" y="4107115"/>
+            <a:ext cx="236283" cy="365072"/>
           </a:xfrm>
-          <a:prstGeom prst="ellipse">
-            <a:avLst/>
+          <a:prstGeom prst="upArrow">
+            <a:avLst>
+              <a:gd name="adj1" fmla="val 50000"/>
+              <a:gd name="adj2" fmla="val 50000"/>
+            </a:avLst>
           </a:prstGeom>
-          <a:noFill/>
+          <a:solidFill>
+            <a:schemeClr val="accent6">
+              <a:lumMod val="60000"/>
+              <a:lumOff val="40000"/>
+            </a:schemeClr>
+          </a:solidFill>
           <a:ln w="9525" cap="flat" cmpd="sng">
             <a:solidFill>
-              <a:srgbClr val="38761D"/>
+              <a:schemeClr val="dk2"/>
             </a:solidFill>
             <a:prstDash val="solid"/>
             <a:round/>
@@ -25935,35 +25742,24 @@
               </a:spcAft>
               <a:buNone/>
             </a:pPr>
-            <a:endParaRPr>
-              <a:solidFill>
-                <a:srgbClr val="38761D"/>
-              </a:solidFill>
-              <a:highlight>
-                <a:srgbClr val="38761D"/>
-              </a:highlight>
-            </a:endParaRPr>
+            <a:endParaRPr/>
           </a:p>
         </p:txBody>
       </p:sp>
-      <p:pic>
-        <p:nvPicPr>
-          <p:cNvPr id="196" name="Google Shape;196;p26"/>
-          <p:cNvPicPr preferRelativeResize="0"/>
-          <p:nvPr/>
-        </p:nvPicPr>
-        <p:blipFill>
-          <a:blip r:embed="rId4">
-            <a:alphaModFix/>
-          </a:blip>
-          <a:stretch>
-            <a:fillRect/>
-          </a:stretch>
-        </p:blipFill>
+      <p:sp>
+        <p:nvSpPr>
+          <p:cNvPr id="185" name="Google Shape;185;p25"/>
+          <p:cNvSpPr txBox="1">
+            <a:spLocks noGrp="1"/>
+          </p:cNvSpPr>
+          <p:nvPr>
+            <p:ph type="body" idx="1"/>
+          </p:nvPr>
+        </p:nvSpPr>
         <p:spPr>
           <a:xfrm>
-            <a:off x="0" y="3559500"/>
-            <a:ext cx="2643175" cy="2844250"/>
+            <a:off x="628650" y="2621525"/>
+            <a:ext cx="3465300" cy="2241300"/>
           </a:xfrm>
           <a:prstGeom prst="rect">
             <a:avLst/>
@@ -25973,99 +25769,158 @@
             <a:noFill/>
           </a:ln>
         </p:spPr>
-      </p:pic>
-      <p:sp>
-        <p:nvSpPr>
-          <p:cNvPr id="197" name="Google Shape;197;p26"/>
-          <p:cNvSpPr/>
-          <p:nvPr/>
-        </p:nvSpPr>
-        <p:spPr>
-          <a:xfrm>
-            <a:off x="372375" y="5505323"/>
-            <a:ext cx="575400" cy="294000"/>
-          </a:xfrm>
-          <a:prstGeom prst="ellipse">
-            <a:avLst/>
-          </a:prstGeom>
-          <a:noFill/>
-          <a:ln w="9525" cap="flat" cmpd="sng">
-            <a:solidFill>
-              <a:srgbClr val="FF0000"/>
-            </a:solidFill>
-            <a:prstDash val="solid"/>
-            <a:round/>
-            <a:headEnd type="none" w="sm" len="sm"/>
-            <a:tailEnd type="none" w="sm" len="sm"/>
-          </a:ln>
-        </p:spPr>
         <p:txBody>
-          <a:bodyPr spcFirstLastPara="1" wrap="square" lIns="91425" tIns="91425" rIns="91425" bIns="91425" anchor="ctr" anchorCtr="0">
+          <a:bodyPr spcFirstLastPara="1" wrap="square" lIns="91425" tIns="45700" rIns="91425" bIns="45700" anchor="t" anchorCtr="0">
             <a:noAutofit/>
           </a:bodyPr>
           <a:lstStyle/>
           <a:p>
-            <a:pPr marL="0" lvl="0" indent="0" algn="l" rtl="0">
-              <a:spcBef>
-                <a:spcPts val="0"/>
-              </a:spcBef>
-              <a:spcAft>
-                <a:spcPts val="0"/>
-              </a:spcAft>
-              <a:buNone/>
-            </a:pPr>
-            <a:endParaRPr>
+            <a:pPr marL="0" lvl="0" indent="0" algn="ctr" rtl="0">
+              <a:lnSpc>
+                <a:spcPct val="115000"/>
+              </a:lnSpc>
+              <a:spcBef>
+                <a:spcPts val="0"/>
+              </a:spcBef>
+              <a:spcAft>
+                <a:spcPts val="0"/>
+              </a:spcAft>
+              <a:buClr>
+                <a:schemeClr val="dk1"/>
+              </a:buClr>
+              <a:buSzPts val="1100"/>
+              <a:buFont typeface="Arial"/>
+              <a:buNone/>
+            </a:pPr>
+            <a:endParaRPr sz="1800" dirty="0">
+              <a:latin typeface="Oswald ExtraLight"/>
+              <a:ea typeface="Oswald ExtraLight"/>
+              <a:cs typeface="Oswald ExtraLight"/>
+              <a:sym typeface="Oswald ExtraLight"/>
+            </a:endParaRPr>
+          </a:p>
+          <a:p>
+            <a:pPr marL="0" lvl="0" indent="0" algn="ctr" rtl="0">
+              <a:lnSpc>
+                <a:spcPct val="115000"/>
+              </a:lnSpc>
+              <a:spcBef>
+                <a:spcPts val="0"/>
+              </a:spcBef>
+              <a:spcAft>
+                <a:spcPts val="0"/>
+              </a:spcAft>
+              <a:buClr>
+                <a:schemeClr val="dk1"/>
+              </a:buClr>
+              <a:buSzPts val="1100"/>
+              <a:buFont typeface="Arial"/>
+              <a:buNone/>
+            </a:pPr>
+            <a:r>
+              <a:rPr lang="en-US" sz="1800" dirty="0">
+                <a:solidFill>
+                  <a:srgbClr val="FF0000"/>
+                </a:solidFill>
+                <a:latin typeface="Oswald ExtraLight"/>
+                <a:ea typeface="Oswald ExtraLight"/>
+                <a:cs typeface="Oswald ExtraLight"/>
+                <a:sym typeface="Oswald ExtraLight"/>
+              </a:rPr>
+              <a:t>CV - splits - 5 (optimized)</a:t>
+            </a:r>
+            <a:endParaRPr sz="1800" dirty="0">
               <a:solidFill>
                 <a:srgbClr val="FF0000"/>
               </a:solidFill>
+              <a:latin typeface="Oswald ExtraLight"/>
+              <a:ea typeface="Oswald ExtraLight"/>
+              <a:cs typeface="Oswald ExtraLight"/>
+              <a:sym typeface="Oswald ExtraLight"/>
             </a:endParaRPr>
           </a:p>
-        </p:txBody>
-      </p:sp>
-      <p:sp>
-        <p:nvSpPr>
-          <p:cNvPr id="198" name="Google Shape;198;p26"/>
-          <p:cNvSpPr/>
-          <p:nvPr/>
-        </p:nvSpPr>
-        <p:spPr>
-          <a:xfrm>
-            <a:off x="1140413" y="5104950"/>
-            <a:ext cx="1289400" cy="975300"/>
-          </a:xfrm>
-          <a:prstGeom prst="ellipse">
-            <a:avLst/>
-          </a:prstGeom>
-          <a:noFill/>
-          <a:ln w="9525" cap="flat" cmpd="sng">
-            <a:solidFill>
-              <a:srgbClr val="FF0000"/>
-            </a:solidFill>
-            <a:prstDash val="solid"/>
-            <a:round/>
-            <a:headEnd type="none" w="sm" len="sm"/>
-            <a:tailEnd type="none" w="sm" len="sm"/>
-          </a:ln>
-        </p:spPr>
-        <p:txBody>
-          <a:bodyPr spcFirstLastPara="1" wrap="square" lIns="91425" tIns="91425" rIns="91425" bIns="91425" anchor="ctr" anchorCtr="0">
-            <a:noAutofit/>
-          </a:bodyPr>
-          <a:lstStyle/>
-          <a:p>
-            <a:pPr marL="0" lvl="0" indent="0" algn="l" rtl="0">
-              <a:spcBef>
-                <a:spcPts val="0"/>
-              </a:spcBef>
-              <a:spcAft>
-                <a:spcPts val="0"/>
-              </a:spcAft>
-              <a:buNone/>
-            </a:pPr>
-            <a:endParaRPr>
-              <a:solidFill>
-                <a:srgbClr val="FF0000"/>
-              </a:solidFill>
+          <a:p>
+            <a:pPr marL="0" lvl="0" indent="0" algn="ctr" rtl="0">
+              <a:lnSpc>
+                <a:spcPct val="115000"/>
+              </a:lnSpc>
+              <a:spcBef>
+                <a:spcPts val="0"/>
+              </a:spcBef>
+              <a:spcAft>
+                <a:spcPts val="0"/>
+              </a:spcAft>
+              <a:buClr>
+                <a:schemeClr val="dk1"/>
+              </a:buClr>
+              <a:buSzPts val="1100"/>
+              <a:buFont typeface="Arial"/>
+              <a:buNone/>
+            </a:pPr>
+            <a:r>
+              <a:rPr lang="en-US" sz="1800" dirty="0">
+                <a:latin typeface="Oswald ExtraLight"/>
+                <a:ea typeface="Oswald ExtraLight"/>
+                <a:cs typeface="Oswald ExtraLight"/>
+                <a:sym typeface="Oswald ExtraLight"/>
+              </a:rPr>
+              <a:t>Number of estimators - 150</a:t>
+            </a:r>
+            <a:endParaRPr sz="1800" dirty="0">
+              <a:latin typeface="Oswald ExtraLight"/>
+              <a:ea typeface="Oswald ExtraLight"/>
+              <a:cs typeface="Oswald ExtraLight"/>
+              <a:sym typeface="Oswald ExtraLight"/>
+            </a:endParaRPr>
+          </a:p>
+          <a:p>
+            <a:pPr marL="0" lvl="0" indent="0" algn="ctr" rtl="0">
+              <a:lnSpc>
+                <a:spcPct val="115000"/>
+              </a:lnSpc>
+              <a:spcBef>
+                <a:spcPts val="0"/>
+              </a:spcBef>
+              <a:spcAft>
+                <a:spcPts val="0"/>
+              </a:spcAft>
+              <a:buClr>
+                <a:schemeClr val="dk1"/>
+              </a:buClr>
+              <a:buSzPts val="1100"/>
+              <a:buFont typeface="Arial"/>
+              <a:buNone/>
+            </a:pPr>
+            <a:endParaRPr sz="1800" dirty="0">
+              <a:latin typeface="Oswald ExtraLight"/>
+              <a:ea typeface="Oswald ExtraLight"/>
+              <a:cs typeface="Oswald ExtraLight"/>
+              <a:sym typeface="Oswald ExtraLight"/>
+            </a:endParaRPr>
+          </a:p>
+          <a:p>
+            <a:pPr marL="0" lvl="0" indent="0" algn="ctr" rtl="0">
+              <a:lnSpc>
+                <a:spcPct val="115000"/>
+              </a:lnSpc>
+              <a:spcBef>
+                <a:spcPts val="0"/>
+              </a:spcBef>
+              <a:spcAft>
+                <a:spcPts val="0"/>
+              </a:spcAft>
+              <a:buClr>
+                <a:schemeClr val="dk1"/>
+              </a:buClr>
+              <a:buSzPts val="1100"/>
+              <a:buFont typeface="Arial"/>
+              <a:buNone/>
+            </a:pPr>
+            <a:endParaRPr sz="1800" dirty="0">
+              <a:latin typeface="Oswald ExtraLight"/>
+              <a:ea typeface="Oswald ExtraLight"/>
+              <a:cs typeface="Oswald ExtraLight"/>
+              <a:sym typeface="Oswald ExtraLight"/>
             </a:endParaRPr>
           </a:p>
         </p:txBody>
@@ -26539,6 +26394,474 @@
         </p:txBody>
       </p:sp>
     </p:spTree>
+  </p:cSld>
+  <p:clrMapOvr>
+    <a:masterClrMapping/>
+  </p:clrMapOvr>
+  <mc:AlternateContent xmlns:mc="http://schemas.openxmlformats.org/markup-compatibility/2006">
+    <mc:Choice xmlns:p14="http://schemas.microsoft.com/office/powerpoint/2010/main" Requires="p14">
+      <p:transition p14:dur="10" advClick="0" advTm="15000"/>
+    </mc:Choice>
+    <mc:Fallback>
+      <p:transition advClick="0" advTm="15000"/>
+    </mc:Fallback>
+  </mc:AlternateContent>
+</p:sld>
+</file>
+
+<file path=ppt/slides/slide22.xml><?xml version="1.0" encoding="utf-8"?>
+<p:sld xmlns:a="http://schemas.openxmlformats.org/drawingml/2006/main" xmlns:r="http://schemas.openxmlformats.org/officeDocument/2006/relationships" xmlns:p="http://schemas.openxmlformats.org/presentationml/2006/main">
+  <p:cSld>
+    <p:spTree>
+      <p:nvGrpSpPr>
+        <p:cNvPr id="1" name="Shape 189"/>
+        <p:cNvGrpSpPr/>
+        <p:nvPr/>
+      </p:nvGrpSpPr>
+      <p:grpSpPr>
+        <a:xfrm>
+          <a:off x="0" y="0"/>
+          <a:ext cx="0" cy="0"/>
+          <a:chOff x="0" y="0"/>
+          <a:chExt cx="0" cy="0"/>
+        </a:xfrm>
+      </p:grpSpPr>
+      <p:sp>
+        <p:nvSpPr>
+          <p:cNvPr id="190" name="Google Shape;190;p26"/>
+          <p:cNvSpPr txBox="1">
+            <a:spLocks noGrp="1"/>
+          </p:cNvSpPr>
+          <p:nvPr>
+            <p:ph type="sldNum" idx="12"/>
+          </p:nvPr>
+        </p:nvSpPr>
+        <p:spPr>
+          <a:xfrm>
+            <a:off x="6457950" y="6356351"/>
+            <a:ext cx="2057400" cy="365100"/>
+          </a:xfrm>
+          <a:prstGeom prst="rect">
+            <a:avLst/>
+          </a:prstGeom>
+          <a:noFill/>
+          <a:ln>
+            <a:noFill/>
+          </a:ln>
+        </p:spPr>
+        <p:txBody>
+          <a:bodyPr spcFirstLastPara="1" wrap="square" lIns="91425" tIns="45700" rIns="91425" bIns="45700" anchor="ctr" anchorCtr="0">
+            <a:noAutofit/>
+          </a:bodyPr>
+          <a:lstStyle/>
+          <a:p>
+            <a:pPr marL="0" marR="0" lvl="0" indent="0" algn="r" rtl="0">
+              <a:spcBef>
+                <a:spcPts val="0"/>
+              </a:spcBef>
+              <a:spcAft>
+                <a:spcPts val="0"/>
+              </a:spcAft>
+              <a:buNone/>
+            </a:pPr>
+            <a:fld id="{00000000-1234-1234-1234-123412341234}" type="slidenum">
+              <a:rPr lang="en-US" sz="1200" b="0" i="0" u="none" strike="noStrike" cap="none">
+                <a:solidFill>
+                  <a:srgbClr val="002060"/>
+                </a:solidFill>
+                <a:latin typeface="Calibri"/>
+                <a:ea typeface="Calibri"/>
+                <a:cs typeface="Calibri"/>
+                <a:sym typeface="Calibri"/>
+              </a:rPr>
+              <a:t>22</a:t>
+            </a:fld>
+            <a:endParaRPr sz="1200" b="0" i="0" u="none" strike="noStrike" cap="none">
+              <a:solidFill>
+                <a:srgbClr val="002060"/>
+              </a:solidFill>
+              <a:latin typeface="Calibri"/>
+              <a:ea typeface="Calibri"/>
+              <a:cs typeface="Calibri"/>
+              <a:sym typeface="Calibri"/>
+            </a:endParaRPr>
+          </a:p>
+        </p:txBody>
+      </p:sp>
+      <p:sp>
+        <p:nvSpPr>
+          <p:cNvPr id="191" name="Google Shape;191;p26"/>
+          <p:cNvSpPr txBox="1"/>
+          <p:nvPr/>
+        </p:nvSpPr>
+        <p:spPr>
+          <a:xfrm>
+            <a:off x="0" y="0"/>
+            <a:ext cx="9144000" cy="2038800"/>
+          </a:xfrm>
+          <a:prstGeom prst="rect">
+            <a:avLst/>
+          </a:prstGeom>
+          <a:noFill/>
+          <a:ln>
+            <a:noFill/>
+          </a:ln>
+        </p:spPr>
+        <p:txBody>
+          <a:bodyPr spcFirstLastPara="1" wrap="square" lIns="91425" tIns="91425" rIns="91425" bIns="91425" anchor="ctr" anchorCtr="0">
+            <a:noAutofit/>
+          </a:bodyPr>
+          <a:lstStyle/>
+          <a:p>
+            <a:pPr marL="0" lvl="0" indent="0" algn="ctr" rtl="0">
+              <a:lnSpc>
+                <a:spcPct val="90000"/>
+              </a:lnSpc>
+              <a:spcBef>
+                <a:spcPts val="0"/>
+              </a:spcBef>
+              <a:spcAft>
+                <a:spcPts val="0"/>
+              </a:spcAft>
+              <a:buNone/>
+            </a:pPr>
+            <a:r>
+              <a:rPr lang="en-US" sz="4000" dirty="0">
+                <a:solidFill>
+                  <a:schemeClr val="dk1"/>
+                </a:solidFill>
+                <a:latin typeface="Oswald Light"/>
+                <a:ea typeface="Oswald Light"/>
+                <a:cs typeface="Oswald Light"/>
+                <a:sym typeface="Oswald Light"/>
+              </a:rPr>
+              <a:t>Model Predictions rev2</a:t>
+            </a:r>
+            <a:endParaRPr sz="4000" dirty="0">
+              <a:solidFill>
+                <a:schemeClr val="dk1"/>
+              </a:solidFill>
+              <a:latin typeface="Oswald Light"/>
+              <a:ea typeface="Oswald Light"/>
+              <a:cs typeface="Oswald Light"/>
+              <a:sym typeface="Oswald Light"/>
+            </a:endParaRPr>
+          </a:p>
+        </p:txBody>
+      </p:sp>
+      <p:pic>
+        <p:nvPicPr>
+          <p:cNvPr id="192" name="Google Shape;192;p26"/>
+          <p:cNvPicPr preferRelativeResize="0"/>
+          <p:nvPr/>
+        </p:nvPicPr>
+        <p:blipFill>
+          <a:blip r:embed="rId3">
+            <a:alphaModFix/>
+          </a:blip>
+          <a:stretch>
+            <a:fillRect/>
+          </a:stretch>
+        </p:blipFill>
+        <p:spPr>
+          <a:xfrm>
+            <a:off x="2659388" y="1565850"/>
+            <a:ext cx="4209463" cy="4514400"/>
+          </a:xfrm>
+          <a:prstGeom prst="rect">
+            <a:avLst/>
+          </a:prstGeom>
+          <a:noFill/>
+          <a:ln>
+            <a:noFill/>
+          </a:ln>
+        </p:spPr>
+      </p:pic>
+      <p:sp>
+        <p:nvSpPr>
+          <p:cNvPr id="193" name="Google Shape;193;p26"/>
+          <p:cNvSpPr/>
+          <p:nvPr/>
+        </p:nvSpPr>
+        <p:spPr>
+          <a:xfrm>
+            <a:off x="4818350" y="4005425"/>
+            <a:ext cx="2290800" cy="1906500"/>
+          </a:xfrm>
+          <a:prstGeom prst="ellipse">
+            <a:avLst/>
+          </a:prstGeom>
+          <a:noFill/>
+          <a:ln w="9525" cap="flat" cmpd="sng">
+            <a:solidFill>
+              <a:srgbClr val="FF0000"/>
+            </a:solidFill>
+            <a:prstDash val="solid"/>
+            <a:round/>
+            <a:headEnd type="none" w="sm" len="sm"/>
+            <a:tailEnd type="none" w="sm" len="sm"/>
+          </a:ln>
+        </p:spPr>
+        <p:txBody>
+          <a:bodyPr spcFirstLastPara="1" wrap="square" lIns="91425" tIns="91425" rIns="91425" bIns="91425" anchor="ctr" anchorCtr="0">
+            <a:noAutofit/>
+          </a:bodyPr>
+          <a:lstStyle/>
+          <a:p>
+            <a:pPr marL="0" lvl="0" indent="0" algn="l" rtl="0">
+              <a:spcBef>
+                <a:spcPts val="0"/>
+              </a:spcBef>
+              <a:spcAft>
+                <a:spcPts val="0"/>
+              </a:spcAft>
+              <a:buNone/>
+            </a:pPr>
+            <a:endParaRPr>
+              <a:solidFill>
+                <a:srgbClr val="FF0000"/>
+              </a:solidFill>
+            </a:endParaRPr>
+          </a:p>
+        </p:txBody>
+      </p:sp>
+      <p:sp>
+        <p:nvSpPr>
+          <p:cNvPr id="194" name="Google Shape;194;p26"/>
+          <p:cNvSpPr txBox="1"/>
+          <p:nvPr/>
+        </p:nvSpPr>
+        <p:spPr>
+          <a:xfrm>
+            <a:off x="372375" y="2993700"/>
+            <a:ext cx="1769100" cy="565800"/>
+          </a:xfrm>
+          <a:prstGeom prst="rect">
+            <a:avLst/>
+          </a:prstGeom>
+          <a:noFill/>
+          <a:ln>
+            <a:noFill/>
+          </a:ln>
+        </p:spPr>
+        <p:txBody>
+          <a:bodyPr spcFirstLastPara="1" wrap="square" lIns="91425" tIns="91425" rIns="91425" bIns="91425" anchor="ctr" anchorCtr="0">
+            <a:noAutofit/>
+          </a:bodyPr>
+          <a:lstStyle/>
+          <a:p>
+            <a:pPr marL="0" lvl="0" indent="0" algn="ctr" rtl="0">
+              <a:lnSpc>
+                <a:spcPct val="90000"/>
+              </a:lnSpc>
+              <a:spcBef>
+                <a:spcPts val="0"/>
+              </a:spcBef>
+              <a:spcAft>
+                <a:spcPts val="0"/>
+              </a:spcAft>
+              <a:buNone/>
+            </a:pPr>
+            <a:r>
+              <a:rPr lang="en-US" sz="2400">
+                <a:solidFill>
+                  <a:schemeClr val="dk1"/>
+                </a:solidFill>
+                <a:latin typeface="Oswald Light"/>
+                <a:ea typeface="Oswald Light"/>
+                <a:cs typeface="Oswald Light"/>
+                <a:sym typeface="Oswald Light"/>
+              </a:rPr>
+              <a:t>rev1</a:t>
+            </a:r>
+            <a:endParaRPr sz="2400">
+              <a:solidFill>
+                <a:schemeClr val="dk1"/>
+              </a:solidFill>
+              <a:latin typeface="Oswald Light"/>
+              <a:ea typeface="Oswald Light"/>
+              <a:cs typeface="Oswald Light"/>
+              <a:sym typeface="Oswald Light"/>
+            </a:endParaRPr>
+          </a:p>
+        </p:txBody>
+      </p:sp>
+      <p:sp>
+        <p:nvSpPr>
+          <p:cNvPr id="195" name="Google Shape;195;p26"/>
+          <p:cNvSpPr/>
+          <p:nvPr/>
+        </p:nvSpPr>
+        <p:spPr>
+          <a:xfrm rot="-2540945">
+            <a:off x="3936431" y="3457517"/>
+            <a:ext cx="2054788" cy="750058"/>
+          </a:xfrm>
+          <a:prstGeom prst="ellipse">
+            <a:avLst/>
+          </a:prstGeom>
+          <a:noFill/>
+          <a:ln w="9525" cap="flat" cmpd="sng">
+            <a:solidFill>
+              <a:srgbClr val="38761D"/>
+            </a:solidFill>
+            <a:prstDash val="solid"/>
+            <a:round/>
+            <a:headEnd type="none" w="sm" len="sm"/>
+            <a:tailEnd type="none" w="sm" len="sm"/>
+          </a:ln>
+        </p:spPr>
+        <p:txBody>
+          <a:bodyPr spcFirstLastPara="1" wrap="square" lIns="91425" tIns="91425" rIns="91425" bIns="91425" anchor="ctr" anchorCtr="0">
+            <a:noAutofit/>
+          </a:bodyPr>
+          <a:lstStyle/>
+          <a:p>
+            <a:pPr marL="0" lvl="0" indent="0" algn="l" rtl="0">
+              <a:spcBef>
+                <a:spcPts val="0"/>
+              </a:spcBef>
+              <a:spcAft>
+                <a:spcPts val="0"/>
+              </a:spcAft>
+              <a:buNone/>
+            </a:pPr>
+            <a:endParaRPr>
+              <a:solidFill>
+                <a:srgbClr val="38761D"/>
+              </a:solidFill>
+              <a:highlight>
+                <a:srgbClr val="38761D"/>
+              </a:highlight>
+            </a:endParaRPr>
+          </a:p>
+        </p:txBody>
+      </p:sp>
+      <p:pic>
+        <p:nvPicPr>
+          <p:cNvPr id="196" name="Google Shape;196;p26"/>
+          <p:cNvPicPr preferRelativeResize="0"/>
+          <p:nvPr/>
+        </p:nvPicPr>
+        <p:blipFill>
+          <a:blip r:embed="rId4">
+            <a:alphaModFix/>
+          </a:blip>
+          <a:stretch>
+            <a:fillRect/>
+          </a:stretch>
+        </p:blipFill>
+        <p:spPr>
+          <a:xfrm>
+            <a:off x="0" y="3559500"/>
+            <a:ext cx="2643175" cy="2844250"/>
+          </a:xfrm>
+          <a:prstGeom prst="rect">
+            <a:avLst/>
+          </a:prstGeom>
+          <a:noFill/>
+          <a:ln>
+            <a:noFill/>
+          </a:ln>
+        </p:spPr>
+      </p:pic>
+      <p:sp>
+        <p:nvSpPr>
+          <p:cNvPr id="197" name="Google Shape;197;p26"/>
+          <p:cNvSpPr/>
+          <p:nvPr/>
+        </p:nvSpPr>
+        <p:spPr>
+          <a:xfrm>
+            <a:off x="372375" y="5505323"/>
+            <a:ext cx="575400" cy="294000"/>
+          </a:xfrm>
+          <a:prstGeom prst="ellipse">
+            <a:avLst/>
+          </a:prstGeom>
+          <a:noFill/>
+          <a:ln w="9525" cap="flat" cmpd="sng">
+            <a:solidFill>
+              <a:srgbClr val="FF0000"/>
+            </a:solidFill>
+            <a:prstDash val="solid"/>
+            <a:round/>
+            <a:headEnd type="none" w="sm" len="sm"/>
+            <a:tailEnd type="none" w="sm" len="sm"/>
+          </a:ln>
+        </p:spPr>
+        <p:txBody>
+          <a:bodyPr spcFirstLastPara="1" wrap="square" lIns="91425" tIns="91425" rIns="91425" bIns="91425" anchor="ctr" anchorCtr="0">
+            <a:noAutofit/>
+          </a:bodyPr>
+          <a:lstStyle/>
+          <a:p>
+            <a:pPr marL="0" lvl="0" indent="0" algn="l" rtl="0">
+              <a:spcBef>
+                <a:spcPts val="0"/>
+              </a:spcBef>
+              <a:spcAft>
+                <a:spcPts val="0"/>
+              </a:spcAft>
+              <a:buNone/>
+            </a:pPr>
+            <a:endParaRPr>
+              <a:solidFill>
+                <a:srgbClr val="FF0000"/>
+              </a:solidFill>
+            </a:endParaRPr>
+          </a:p>
+        </p:txBody>
+      </p:sp>
+      <p:sp>
+        <p:nvSpPr>
+          <p:cNvPr id="198" name="Google Shape;198;p26"/>
+          <p:cNvSpPr/>
+          <p:nvPr/>
+        </p:nvSpPr>
+        <p:spPr>
+          <a:xfrm>
+            <a:off x="1140413" y="5104950"/>
+            <a:ext cx="1289400" cy="975300"/>
+          </a:xfrm>
+          <a:prstGeom prst="ellipse">
+            <a:avLst/>
+          </a:prstGeom>
+          <a:noFill/>
+          <a:ln w="9525" cap="flat" cmpd="sng">
+            <a:solidFill>
+              <a:srgbClr val="FF0000"/>
+            </a:solidFill>
+            <a:prstDash val="solid"/>
+            <a:round/>
+            <a:headEnd type="none" w="sm" len="sm"/>
+            <a:tailEnd type="none" w="sm" len="sm"/>
+          </a:ln>
+        </p:spPr>
+        <p:txBody>
+          <a:bodyPr spcFirstLastPara="1" wrap="square" lIns="91425" tIns="91425" rIns="91425" bIns="91425" anchor="ctr" anchorCtr="0">
+            <a:noAutofit/>
+          </a:bodyPr>
+          <a:lstStyle/>
+          <a:p>
+            <a:pPr marL="0" lvl="0" indent="0" algn="l" rtl="0">
+              <a:spcBef>
+                <a:spcPts val="0"/>
+              </a:spcBef>
+              <a:spcAft>
+                <a:spcPts val="0"/>
+              </a:spcAft>
+              <a:buNone/>
+            </a:pPr>
+            <a:endParaRPr>
+              <a:solidFill>
+                <a:srgbClr val="FF0000"/>
+              </a:solidFill>
+            </a:endParaRPr>
+          </a:p>
+        </p:txBody>
+      </p:sp>
+    </p:spTree>
     <p:extLst>
       <p:ext uri="{BB962C8B-B14F-4D97-AF65-F5344CB8AC3E}">
         <p14:creationId xmlns:p14="http://schemas.microsoft.com/office/powerpoint/2010/main" val="557675890"/>
@@ -26559,7 +26882,7 @@
 </p:sld>
 </file>
 
-<file path=ppt/slides/slide22.xml><?xml version="1.0" encoding="utf-8"?>
+<file path=ppt/slides/slide23.xml><?xml version="1.0" encoding="utf-8"?>
 <p:sld xmlns:a="http://schemas.openxmlformats.org/drawingml/2006/main" xmlns:r="http://schemas.openxmlformats.org/officeDocument/2006/relationships" xmlns:p="http://schemas.openxmlformats.org/presentationml/2006/main">
   <p:cSld>
     <p:spTree>
@@ -26655,7 +26978,7 @@
         </p:nvSpPr>
         <p:spPr>
           <a:xfrm>
-            <a:off x="775150" y="1751050"/>
+            <a:off x="196415" y="1691474"/>
             <a:ext cx="8229900" cy="4351500"/>
           </a:xfrm>
           <a:prstGeom prst="rect">
@@ -26672,7 +26995,7 @@
           </a:bodyPr>
           <a:lstStyle/>
           <a:p>
-            <a:pPr marL="457200" marR="0" lvl="0" indent="0" algn="l" rtl="0">
+            <a:pPr marL="457200" marR="0" lvl="0" indent="0" algn="ctr" rtl="0">
               <a:lnSpc>
                 <a:spcPct val="90000"/>
               </a:lnSpc>
@@ -26692,7 +27015,7 @@
             </a:endParaRPr>
           </a:p>
           <a:p>
-            <a:pPr marL="457200" marR="0" lvl="0" indent="0" algn="l" rtl="0">
+            <a:pPr marL="457200" marR="0" lvl="0" indent="0" algn="ctr" rtl="0">
               <a:lnSpc>
                 <a:spcPct val="90000"/>
               </a:lnSpc>
@@ -26735,7 +27058,7 @@
             </a:r>
           </a:p>
           <a:p>
-            <a:pPr marL="457200" marR="0" lvl="0" indent="0" rtl="0">
+            <a:pPr marL="457200" marR="0" lvl="0" indent="0" algn="ctr" rtl="0">
               <a:lnSpc>
                 <a:spcPct val="90000"/>
               </a:lnSpc>
@@ -26792,25 +27115,7 @@
                 <a:cs typeface="Oswald ExtraLight"/>
                 <a:sym typeface="Oswald ExtraLight"/>
               </a:rPr>
-              <a:t> feature extraction (Word </a:t>
-            </a:r>
-            <a:r>
-              <a:rPr lang="en-US" sz="2400" dirty="0" err="1">
-                <a:latin typeface="Oswald ExtraLight"/>
-                <a:ea typeface="Oswald ExtraLight"/>
-                <a:cs typeface="Oswald ExtraLight"/>
-                <a:sym typeface="Oswald ExtraLight"/>
-              </a:rPr>
-              <a:t>freq</a:t>
-            </a:r>
-            <a:r>
-              <a:rPr lang="en-US" sz="2400" dirty="0">
-                <a:latin typeface="Oswald ExtraLight"/>
-                <a:ea typeface="Oswald ExtraLight"/>
-                <a:cs typeface="Oswald ExtraLight"/>
-                <a:sym typeface="Oswald ExtraLight"/>
-              </a:rPr>
-              <a:t>/</a:t>
+              <a:t> feature extraction (Term frequency/</a:t>
             </a:r>
             <a:r>
               <a:rPr lang="en-US" sz="2400" dirty="0" err="1">
@@ -26828,17 +27133,11 @@
                 <a:cs typeface="Oswald ExtraLight"/>
                 <a:sym typeface="Oswald ExtraLight"/>
               </a:rPr>
-              <a:t>) for 103 profiles that include top performers </a:t>
+              <a:t>) for 103 profiles that include top performers</a:t>
             </a:r>
-            <a:endParaRPr sz="2400" dirty="0">
-              <a:latin typeface="Oswald ExtraLight"/>
-              <a:ea typeface="Oswald ExtraLight"/>
-              <a:cs typeface="Oswald ExtraLight"/>
-              <a:sym typeface="Oswald ExtraLight"/>
-            </a:endParaRPr>
-          </a:p>
-          <a:p>
-            <a:pPr marL="1371600" marR="0" lvl="0" indent="457200" algn="l" rtl="0">
+          </a:p>
+          <a:p>
+            <a:pPr marL="457200" marR="0" lvl="0" indent="0" algn="ctr" rtl="0">
               <a:lnSpc>
                 <a:spcPct val="90000"/>
               </a:lnSpc>
@@ -26850,15 +27149,18 @@
               </a:spcAft>
               <a:buNone/>
             </a:pPr>
-            <a:endParaRPr lang="en-US" sz="2400" i="1" dirty="0">
-              <a:latin typeface="Oswald ExtraLight"/>
-              <a:ea typeface="Oswald ExtraLight"/>
-              <a:cs typeface="Oswald ExtraLight"/>
-              <a:sym typeface="Oswald ExtraLight"/>
-            </a:endParaRPr>
-          </a:p>
-          <a:p>
-            <a:pPr marL="1371600" marR="0" lvl="0" indent="457200" algn="l" rtl="0">
+            <a:r>
+              <a:rPr lang="en-US" sz="2400" dirty="0">
+                <a:latin typeface="Oswald ExtraLight"/>
+                <a:ea typeface="Oswald ExtraLight"/>
+                <a:cs typeface="Oswald ExtraLight"/>
+                <a:sym typeface="Oswald ExtraLight"/>
+              </a:rPr>
+              <a:t> </a:t>
+            </a:r>
+          </a:p>
+          <a:p>
+            <a:pPr marL="457200" marR="0" lvl="0" indent="0" algn="ctr" rtl="0">
               <a:lnSpc>
                 <a:spcPct val="90000"/>
               </a:lnSpc>
@@ -26893,7 +27195,7 @@
             </a:endParaRPr>
           </a:p>
           <a:p>
-            <a:pPr marL="457200" marR="0" lvl="0" indent="0" algn="l" rtl="0">
+            <a:pPr marL="457200" marR="0" lvl="0" indent="0" algn="ctr" rtl="0">
               <a:lnSpc>
                 <a:spcPct val="90000"/>
               </a:lnSpc>
@@ -26913,7 +27215,7 @@
             </a:endParaRPr>
           </a:p>
           <a:p>
-            <a:pPr marL="457200" marR="0" lvl="0" indent="0" algn="l" rtl="0">
+            <a:pPr marL="457200" marR="0" lvl="0" indent="0" algn="ctr" rtl="0">
               <a:lnSpc>
                 <a:spcPct val="90000"/>
               </a:lnSpc>
@@ -26982,7 +27284,7 @@
                 <a:cs typeface="Calibri" panose="020F0502020204030204" pitchFamily="34" charset="0"/>
                 <a:sym typeface="Oswald ExtraLight"/>
               </a:rPr>
-              <a:t>22</a:t>
+              <a:t>23</a:t>
             </a:fld>
             <a:endParaRPr sz="1200" i="0" u="none" strike="noStrike" cap="none" dirty="0">
               <a:solidFill>
@@ -27012,7 +27314,7 @@
 </p:sld>
 </file>
 
-<file path=ppt/slides/slide23.xml><?xml version="1.0" encoding="utf-8"?>
+<file path=ppt/slides/slide24.xml><?xml version="1.0" encoding="utf-8"?>
 <p:sld xmlns:a="http://schemas.openxmlformats.org/drawingml/2006/main" xmlns:r="http://schemas.openxmlformats.org/officeDocument/2006/relationships" xmlns:p="http://schemas.openxmlformats.org/presentationml/2006/main">
   <p:cSld>
     <p:spTree>
@@ -27351,7 +27653,7 @@
                 <a:cs typeface="Calibri"/>
                 <a:sym typeface="Calibri"/>
               </a:rPr>
-              <a:t>23</a:t>
+              <a:t>24</a:t>
             </a:fld>
             <a:endParaRPr sz="1200" b="0" i="0" u="none" strike="noStrike" cap="none">
               <a:solidFill>
@@ -27816,7 +28118,7 @@
 </p:sld>
 </file>
 
-<file path=ppt/slides/slide24.xml><?xml version="1.0" encoding="utf-8"?>
+<file path=ppt/slides/slide25.xml><?xml version="1.0" encoding="utf-8"?>
 <p:sld xmlns:a="http://schemas.openxmlformats.org/drawingml/2006/main" xmlns:r="http://schemas.openxmlformats.org/officeDocument/2006/relationships" xmlns:p="http://schemas.openxmlformats.org/presentationml/2006/main">
   <p:cSld>
     <p:spTree>
@@ -28155,7 +28457,7 @@
                 <a:cs typeface="Calibri"/>
                 <a:sym typeface="Calibri"/>
               </a:rPr>
-              <a:t>24</a:t>
+              <a:t>25</a:t>
             </a:fld>
             <a:endParaRPr sz="1200" b="0" i="0" u="none" strike="noStrike" cap="none">
               <a:solidFill>
@@ -28619,7 +28921,7 @@
 </p:sld>
 </file>
 
-<file path=ppt/slides/slide25.xml><?xml version="1.0" encoding="utf-8"?>
+<file path=ppt/slides/slide26.xml><?xml version="1.0" encoding="utf-8"?>
 <p:sld xmlns:a="http://schemas.openxmlformats.org/drawingml/2006/main" xmlns:r="http://schemas.openxmlformats.org/officeDocument/2006/relationships" xmlns:p="http://schemas.openxmlformats.org/presentationml/2006/main">
   <p:cSld>
     <p:spTree>
@@ -28784,7 +29086,7 @@
               <a:buNone/>
             </a:pPr>
             <a:r>
-              <a:rPr lang="en-US" sz="2000">
+              <a:rPr lang="en-US" sz="2000" dirty="0">
                 <a:latin typeface="Oswald ExtraLight"/>
                 <a:ea typeface="Oswald ExtraLight"/>
                 <a:cs typeface="Oswald ExtraLight"/>
@@ -28792,7 +29094,7 @@
               </a:rPr>
               <a:t>Out-of-bag R-2 score estimate: 0.529</a:t>
             </a:r>
-            <a:endParaRPr sz="2000">
+            <a:endParaRPr sz="2000" dirty="0">
               <a:latin typeface="Oswald ExtraLight"/>
               <a:ea typeface="Oswald ExtraLight"/>
               <a:cs typeface="Oswald ExtraLight"/>
@@ -28818,7 +29120,7 @@
               <a:buNone/>
             </a:pPr>
             <a:r>
-              <a:rPr lang="en-US" sz="2000">
+              <a:rPr lang="en-US" sz="2000" dirty="0">
                 <a:latin typeface="Oswald ExtraLight"/>
                 <a:ea typeface="Oswald ExtraLight"/>
                 <a:cs typeface="Oswald ExtraLight"/>
@@ -28826,7 +29128,7 @@
               </a:rPr>
               <a:t>Test data R-2 score:0.408</a:t>
             </a:r>
-            <a:endParaRPr sz="2000">
+            <a:endParaRPr sz="2000" dirty="0">
               <a:latin typeface="Oswald ExtraLight"/>
               <a:ea typeface="Oswald ExtraLight"/>
               <a:cs typeface="Oswald ExtraLight"/>
@@ -28852,7 +29154,7 @@
               <a:buNone/>
             </a:pPr>
             <a:r>
-              <a:rPr lang="en-US" sz="2000">
+              <a:rPr lang="en-US" sz="2000" dirty="0">
                 <a:latin typeface="Oswald ExtraLight"/>
                 <a:ea typeface="Oswald ExtraLight"/>
                 <a:cs typeface="Oswald ExtraLight"/>
@@ -28861,7 +29163,7 @@
               <a:t>Test data Spearman correlation:0.705</a:t>
             </a:r>
             <a:br>
-              <a:rPr lang="en-US" sz="2000">
+              <a:rPr lang="en-US" sz="2000" dirty="0">
                 <a:latin typeface="Oswald ExtraLight"/>
                 <a:ea typeface="Oswald ExtraLight"/>
                 <a:cs typeface="Oswald ExtraLight"/>
@@ -28869,7 +29171,10 @@
               </a:rPr>
             </a:br>
             <a:r>
-              <a:rPr lang="en-US" sz="2000">
+              <a:rPr lang="en-US" sz="2000" dirty="0">
+                <a:solidFill>
+                  <a:srgbClr val="FF0000"/>
+                </a:solidFill>
                 <a:latin typeface="Oswald ExtraLight"/>
                 <a:ea typeface="Oswald ExtraLight"/>
                 <a:cs typeface="Oswald ExtraLight"/>
@@ -28877,7 +29182,10 @@
               </a:rPr>
               <a:t>Test data Pearson correlation:0.709</a:t>
             </a:r>
-            <a:endParaRPr sz="2000">
+            <a:endParaRPr sz="2000" dirty="0">
+              <a:solidFill>
+                <a:srgbClr val="FF0000"/>
+              </a:solidFill>
               <a:latin typeface="Oswald ExtraLight"/>
               <a:ea typeface="Oswald ExtraLight"/>
               <a:cs typeface="Oswald ExtraLight"/>
@@ -28902,7 +29210,10 @@
               <a:buFont typeface="Arial"/>
               <a:buNone/>
             </a:pPr>
-            <a:endParaRPr sz="2000">
+            <a:endParaRPr sz="2000" dirty="0">
+              <a:solidFill>
+                <a:srgbClr val="FF0000"/>
+              </a:solidFill>
               <a:latin typeface="Oswald ExtraLight"/>
               <a:ea typeface="Oswald ExtraLight"/>
               <a:cs typeface="Oswald ExtraLight"/>
@@ -28927,7 +29238,10 @@
               <a:buFont typeface="Arial"/>
               <a:buNone/>
             </a:pPr>
-            <a:endParaRPr sz="2000">
+            <a:endParaRPr sz="2000" dirty="0">
+              <a:solidFill>
+                <a:srgbClr val="FF0000"/>
+              </a:solidFill>
               <a:latin typeface="Oswald ExtraLight"/>
               <a:ea typeface="Oswald ExtraLight"/>
               <a:cs typeface="Oswald ExtraLight"/>
@@ -28953,7 +29267,10 @@
               <a:buNone/>
             </a:pPr>
             <a:r>
-              <a:rPr lang="en-US" sz="2000">
+              <a:rPr lang="en-US" sz="2000" dirty="0">
+                <a:solidFill>
+                  <a:srgbClr val="FF0000"/>
+                </a:solidFill>
                 <a:latin typeface="Oswald ExtraLight"/>
                 <a:ea typeface="Oswald ExtraLight"/>
                 <a:cs typeface="Oswald ExtraLight"/>
@@ -28961,7 +29278,10 @@
               </a:rPr>
               <a:t>Mean Squared Error 0.019 (reduced)</a:t>
             </a:r>
-            <a:endParaRPr sz="2000">
+            <a:endParaRPr sz="2000" dirty="0">
+              <a:solidFill>
+                <a:srgbClr val="FF0000"/>
+              </a:solidFill>
               <a:latin typeface="Oswald ExtraLight"/>
               <a:ea typeface="Oswald ExtraLight"/>
               <a:cs typeface="Oswald ExtraLight"/>
@@ -28987,7 +29307,10 @@
               <a:buNone/>
             </a:pPr>
             <a:r>
-              <a:rPr lang="en-US" sz="2000">
+              <a:rPr lang="en-US" sz="2000" dirty="0">
+                <a:solidFill>
+                  <a:srgbClr val="FF0000"/>
+                </a:solidFill>
                 <a:latin typeface="Oswald ExtraLight"/>
                 <a:ea typeface="Oswald ExtraLight"/>
                 <a:cs typeface="Oswald ExtraLight"/>
@@ -28995,7 +29318,10 @@
               </a:rPr>
               <a:t> </a:t>
             </a:r>
-            <a:endParaRPr sz="2000">
+            <a:endParaRPr sz="2000" dirty="0">
+              <a:solidFill>
+                <a:srgbClr val="FF0000"/>
+              </a:solidFill>
               <a:latin typeface="Oswald ExtraLight"/>
               <a:ea typeface="Oswald ExtraLight"/>
               <a:cs typeface="Oswald ExtraLight"/>
@@ -29052,7 +29378,7 @@
                 <a:cs typeface="Calibri"/>
                 <a:sym typeface="Calibri"/>
               </a:rPr>
-              <a:t>25</a:t>
+              <a:t>26</a:t>
             </a:fld>
             <a:endParaRPr sz="1200" b="0" i="0" u="none" strike="noStrike" cap="none">
               <a:solidFill>
@@ -29239,279 +29565,6 @@
           </a:p>
         </p:txBody>
       </p:sp>
-    </p:spTree>
-  </p:cSld>
-  <p:clrMapOvr>
-    <a:masterClrMapping/>
-  </p:clrMapOvr>
-  <mc:AlternateContent xmlns:mc="http://schemas.openxmlformats.org/markup-compatibility/2006">
-    <mc:Choice xmlns:p14="http://schemas.microsoft.com/office/powerpoint/2010/main" Requires="p14">
-      <p:transition p14:dur="10" advClick="0" advTm="15000"/>
-    </mc:Choice>
-    <mc:Fallback>
-      <p:transition advClick="0" advTm="15000"/>
-    </mc:Fallback>
-  </mc:AlternateContent>
-</p:sld>
-</file>
-
-<file path=ppt/slides/slide26.xml><?xml version="1.0" encoding="utf-8"?>
-<p:sld xmlns:a="http://schemas.openxmlformats.org/drawingml/2006/main" xmlns:r="http://schemas.openxmlformats.org/officeDocument/2006/relationships" xmlns:p="http://schemas.openxmlformats.org/presentationml/2006/main">
-  <p:cSld>
-    <p:spTree>
-      <p:nvGrpSpPr>
-        <p:cNvPr id="1" name="Shape 225"/>
-        <p:cNvGrpSpPr/>
-        <p:nvPr/>
-      </p:nvGrpSpPr>
-      <p:grpSpPr>
-        <a:xfrm>
-          <a:off x="0" y="0"/>
-          <a:ext cx="0" cy="0"/>
-          <a:chOff x="0" y="0"/>
-          <a:chExt cx="0" cy="0"/>
-        </a:xfrm>
-      </p:grpSpPr>
-      <p:sp>
-        <p:nvSpPr>
-          <p:cNvPr id="226" name="Google Shape;226;p30"/>
-          <p:cNvSpPr txBox="1">
-            <a:spLocks noGrp="1"/>
-          </p:cNvSpPr>
-          <p:nvPr>
-            <p:ph type="title"/>
-          </p:nvPr>
-        </p:nvSpPr>
-        <p:spPr>
-          <a:xfrm>
-            <a:off x="628650" y="365126"/>
-            <a:ext cx="7886700" cy="1325563"/>
-          </a:xfrm>
-          <a:prstGeom prst="rect">
-            <a:avLst/>
-          </a:prstGeom>
-          <a:noFill/>
-          <a:ln>
-            <a:noFill/>
-          </a:ln>
-        </p:spPr>
-        <p:txBody>
-          <a:bodyPr spcFirstLastPara="1" wrap="square" lIns="91425" tIns="45700" rIns="91425" bIns="45700" anchor="ctr" anchorCtr="0">
-            <a:noAutofit/>
-          </a:bodyPr>
-          <a:lstStyle/>
-          <a:p>
-            <a:pPr marL="0" lvl="0" indent="0" algn="ctr" rtl="0">
-              <a:spcBef>
-                <a:spcPts val="0"/>
-              </a:spcBef>
-              <a:spcAft>
-                <a:spcPts val="0"/>
-              </a:spcAft>
-              <a:buClr>
-                <a:schemeClr val="dk1"/>
-              </a:buClr>
-              <a:buSzPts val="1100"/>
-              <a:buFont typeface="Arial"/>
-              <a:buNone/>
-            </a:pPr>
-            <a:r>
-              <a:rPr lang="en-US" b="0" dirty="0">
-                <a:latin typeface="Oswald Light"/>
-                <a:ea typeface="Oswald Light"/>
-                <a:cs typeface="Oswald Light"/>
-                <a:sym typeface="Oswald Light"/>
-              </a:rPr>
-              <a:t>Model Predictions rev3[NLP]</a:t>
-            </a:r>
-            <a:endParaRPr b="0" dirty="0">
-              <a:latin typeface="Oswald Light"/>
-              <a:ea typeface="Oswald Light"/>
-              <a:cs typeface="Oswald Light"/>
-              <a:sym typeface="Oswald Light"/>
-            </a:endParaRPr>
-          </a:p>
-        </p:txBody>
-      </p:sp>
-      <p:sp>
-        <p:nvSpPr>
-          <p:cNvPr id="227" name="Google Shape;227;p30"/>
-          <p:cNvSpPr txBox="1">
-            <a:spLocks noGrp="1"/>
-          </p:cNvSpPr>
-          <p:nvPr>
-            <p:ph type="sldNum" idx="12"/>
-          </p:nvPr>
-        </p:nvSpPr>
-        <p:spPr>
-          <a:xfrm>
-            <a:off x="6457950" y="6356351"/>
-            <a:ext cx="2057400" cy="365125"/>
-          </a:xfrm>
-          <a:prstGeom prst="rect">
-            <a:avLst/>
-          </a:prstGeom>
-          <a:noFill/>
-          <a:ln>
-            <a:noFill/>
-          </a:ln>
-        </p:spPr>
-        <p:txBody>
-          <a:bodyPr spcFirstLastPara="1" wrap="square" lIns="91425" tIns="45700" rIns="91425" bIns="45700" anchor="ctr" anchorCtr="0">
-            <a:noAutofit/>
-          </a:bodyPr>
-          <a:lstStyle/>
-          <a:p>
-            <a:pPr marL="0" marR="0" lvl="0" indent="0" algn="r" rtl="0">
-              <a:spcBef>
-                <a:spcPts val="0"/>
-              </a:spcBef>
-              <a:spcAft>
-                <a:spcPts val="0"/>
-              </a:spcAft>
-              <a:buNone/>
-            </a:pPr>
-            <a:fld id="{00000000-1234-1234-1234-123412341234}" type="slidenum">
-              <a:rPr lang="en-US" sz="1200" b="0" i="0" u="none" strike="noStrike" cap="none">
-                <a:solidFill>
-                  <a:srgbClr val="002060"/>
-                </a:solidFill>
-                <a:latin typeface="Calibri"/>
-                <a:ea typeface="Calibri"/>
-                <a:cs typeface="Calibri"/>
-                <a:sym typeface="Calibri"/>
-              </a:rPr>
-              <a:t>26</a:t>
-            </a:fld>
-            <a:endParaRPr sz="1200" b="0" i="0" u="none" strike="noStrike" cap="none">
-              <a:solidFill>
-                <a:srgbClr val="002060"/>
-              </a:solidFill>
-              <a:latin typeface="Calibri"/>
-              <a:ea typeface="Calibri"/>
-              <a:cs typeface="Calibri"/>
-              <a:sym typeface="Calibri"/>
-            </a:endParaRPr>
-          </a:p>
-        </p:txBody>
-      </p:sp>
-      <p:pic>
-        <p:nvPicPr>
-          <p:cNvPr id="228" name="Google Shape;228;p30"/>
-          <p:cNvPicPr preferRelativeResize="0"/>
-          <p:nvPr/>
-        </p:nvPicPr>
-        <p:blipFill>
-          <a:blip r:embed="rId3">
-            <a:alphaModFix/>
-          </a:blip>
-          <a:stretch>
-            <a:fillRect/>
-          </a:stretch>
-        </p:blipFill>
-        <p:spPr>
-          <a:xfrm>
-            <a:off x="321851" y="3650698"/>
-            <a:ext cx="2246675" cy="2440099"/>
-          </a:xfrm>
-          <a:prstGeom prst="rect">
-            <a:avLst/>
-          </a:prstGeom>
-          <a:noFill/>
-          <a:ln>
-            <a:noFill/>
-          </a:ln>
-        </p:spPr>
-      </p:pic>
-      <p:sp>
-        <p:nvSpPr>
-          <p:cNvPr id="229" name="Google Shape;229;p30"/>
-          <p:cNvSpPr txBox="1"/>
-          <p:nvPr/>
-        </p:nvSpPr>
-        <p:spPr>
-          <a:xfrm>
-            <a:off x="372375" y="3146100"/>
-            <a:ext cx="1769100" cy="565800"/>
-          </a:xfrm>
-          <a:prstGeom prst="rect">
-            <a:avLst/>
-          </a:prstGeom>
-          <a:noFill/>
-          <a:ln>
-            <a:noFill/>
-          </a:ln>
-        </p:spPr>
-        <p:txBody>
-          <a:bodyPr spcFirstLastPara="1" wrap="square" lIns="91425" tIns="91425" rIns="91425" bIns="91425" anchor="ctr" anchorCtr="0">
-            <a:noAutofit/>
-          </a:bodyPr>
-          <a:lstStyle/>
-          <a:p>
-            <a:pPr marL="0" lvl="0" indent="0" algn="ctr" rtl="0">
-              <a:lnSpc>
-                <a:spcPct val="90000"/>
-              </a:lnSpc>
-              <a:spcBef>
-                <a:spcPts val="0"/>
-              </a:spcBef>
-              <a:spcAft>
-                <a:spcPts val="0"/>
-              </a:spcAft>
-              <a:buNone/>
-            </a:pPr>
-            <a:r>
-              <a:rPr lang="en-US" sz="2400">
-                <a:solidFill>
-                  <a:schemeClr val="dk1"/>
-                </a:solidFill>
-                <a:latin typeface="Oswald Light"/>
-                <a:ea typeface="Oswald Light"/>
-                <a:cs typeface="Oswald Light"/>
-                <a:sym typeface="Oswald Light"/>
-              </a:rPr>
-              <a:t>rev2</a:t>
-            </a:r>
-            <a:endParaRPr sz="2400">
-              <a:solidFill>
-                <a:schemeClr val="dk1"/>
-              </a:solidFill>
-              <a:latin typeface="Oswald Light"/>
-              <a:ea typeface="Oswald Light"/>
-              <a:cs typeface="Oswald Light"/>
-              <a:sym typeface="Oswald Light"/>
-            </a:endParaRPr>
-          </a:p>
-        </p:txBody>
-      </p:sp>
-      <p:pic>
-        <p:nvPicPr>
-          <p:cNvPr id="230" name="Google Shape;230;p30"/>
-          <p:cNvPicPr preferRelativeResize="0"/>
-          <p:nvPr/>
-        </p:nvPicPr>
-        <p:blipFill>
-          <a:blip r:embed="rId4">
-            <a:alphaModFix/>
-          </a:blip>
-          <a:stretch>
-            <a:fillRect/>
-          </a:stretch>
-        </p:blipFill>
-        <p:spPr>
-          <a:xfrm>
-            <a:off x="3087051" y="1690689"/>
-            <a:ext cx="4020653" cy="4360862"/>
-          </a:xfrm>
-          <a:prstGeom prst="rect">
-            <a:avLst/>
-          </a:prstGeom>
-          <a:noFill/>
-          <a:ln>
-            <a:noFill/>
-          </a:ln>
-        </p:spPr>
-      </p:pic>
     </p:spTree>
   </p:cSld>
   <p:clrMapOvr>
@@ -29786,11 +29839,6 @@
         </p:spPr>
       </p:pic>
     </p:spTree>
-    <p:extLst>
-      <p:ext uri="{BB962C8B-B14F-4D97-AF65-F5344CB8AC3E}">
-        <p14:creationId xmlns:p14="http://schemas.microsoft.com/office/powerpoint/2010/main" val="3414069030"/>
-      </p:ext>
-    </p:extLst>
   </p:cSld>
   <p:clrMapOvr>
     <a:masterClrMapping/>
@@ -29811,7 +29859,7 @@
   <p:cSld>
     <p:spTree>
       <p:nvGrpSpPr>
-        <p:cNvPr id="1" name="Shape 234"/>
+        <p:cNvPr id="1" name="Shape 225"/>
         <p:cNvGrpSpPr/>
         <p:nvPr/>
       </p:nvGrpSpPr>
@@ -29825,7 +29873,68 @@
       </p:grpSpPr>
       <p:sp>
         <p:nvSpPr>
-          <p:cNvPr id="235" name="Google Shape;235;p31"/>
+          <p:cNvPr id="226" name="Google Shape;226;p30"/>
+          <p:cNvSpPr txBox="1">
+            <a:spLocks noGrp="1"/>
+          </p:cNvSpPr>
+          <p:nvPr>
+            <p:ph type="title"/>
+          </p:nvPr>
+        </p:nvSpPr>
+        <p:spPr>
+          <a:xfrm>
+            <a:off x="628650" y="365126"/>
+            <a:ext cx="7886700" cy="1325563"/>
+          </a:xfrm>
+          <a:prstGeom prst="rect">
+            <a:avLst/>
+          </a:prstGeom>
+          <a:noFill/>
+          <a:ln>
+            <a:noFill/>
+          </a:ln>
+        </p:spPr>
+        <p:txBody>
+          <a:bodyPr spcFirstLastPara="1" wrap="square" lIns="91425" tIns="45700" rIns="91425" bIns="45700" anchor="ctr" anchorCtr="0">
+            <a:noAutofit/>
+          </a:bodyPr>
+          <a:lstStyle/>
+          <a:p>
+            <a:pPr marL="0" lvl="0" indent="0" algn="ctr" rtl="0">
+              <a:spcBef>
+                <a:spcPts val="0"/>
+              </a:spcBef>
+              <a:spcAft>
+                <a:spcPts val="0"/>
+              </a:spcAft>
+              <a:buClr>
+                <a:schemeClr val="dk1"/>
+              </a:buClr>
+              <a:buSzPts val="1100"/>
+              <a:buFont typeface="Arial"/>
+              <a:buNone/>
+            </a:pPr>
+            <a:r>
+              <a:rPr lang="en-US" b="0" dirty="0">
+                <a:latin typeface="Oswald Light"/>
+                <a:ea typeface="Oswald Light"/>
+                <a:cs typeface="Oswald Light"/>
+                <a:sym typeface="Oswald Light"/>
+              </a:rPr>
+              <a:t>Model Predictions rev3[NLP]</a:t>
+            </a:r>
+            <a:endParaRPr b="0" dirty="0">
+              <a:latin typeface="Oswald Light"/>
+              <a:ea typeface="Oswald Light"/>
+              <a:cs typeface="Oswald Light"/>
+              <a:sym typeface="Oswald Light"/>
+            </a:endParaRPr>
+          </a:p>
+        </p:txBody>
+      </p:sp>
+      <p:sp>
+        <p:nvSpPr>
+          <p:cNvPr id="227" name="Google Shape;227;p30"/>
           <p:cNvSpPr txBox="1">
             <a:spLocks noGrp="1"/>
           </p:cNvSpPr>
@@ -29885,20 +29994,24 @@
           </a:p>
         </p:txBody>
       </p:sp>
-      <p:sp>
-        <p:nvSpPr>
-          <p:cNvPr id="236" name="Google Shape;236;p31"/>
-          <p:cNvSpPr txBox="1">
-            <a:spLocks noGrp="1"/>
-          </p:cNvSpPr>
-          <p:nvPr>
-            <p:ph type="title"/>
-          </p:nvPr>
-        </p:nvSpPr>
+      <p:pic>
+        <p:nvPicPr>
+          <p:cNvPr id="228" name="Google Shape;228;p30"/>
+          <p:cNvPicPr preferRelativeResize="0"/>
+          <p:nvPr/>
+        </p:nvPicPr>
+        <p:blipFill>
+          <a:blip r:embed="rId3">
+            <a:alphaModFix/>
+          </a:blip>
+          <a:stretch>
+            <a:fillRect/>
+          </a:stretch>
+        </p:blipFill>
         <p:spPr>
           <a:xfrm>
-            <a:off x="628650" y="365126"/>
-            <a:ext cx="7886700" cy="1325700"/>
+            <a:off x="321851" y="3650698"/>
+            <a:ext cx="2246675" cy="2440099"/>
           </a:xfrm>
           <a:prstGeom prst="rect">
             <a:avLst/>
@@ -29908,54 +30021,17 @@
             <a:noFill/>
           </a:ln>
         </p:spPr>
-        <p:txBody>
-          <a:bodyPr spcFirstLastPara="1" wrap="square" lIns="91425" tIns="45700" rIns="91425" bIns="45700" anchor="ctr" anchorCtr="0">
-            <a:noAutofit/>
-          </a:bodyPr>
-          <a:lstStyle/>
-          <a:p>
-            <a:pPr marL="0" lvl="0" indent="0" algn="ctr" rtl="0">
-              <a:spcBef>
-                <a:spcPts val="0"/>
-              </a:spcBef>
-              <a:spcAft>
-                <a:spcPts val="0"/>
-              </a:spcAft>
-              <a:buClr>
-                <a:schemeClr val="dk1"/>
-              </a:buClr>
-              <a:buSzPts val="1100"/>
-              <a:buFont typeface="Arial"/>
-              <a:buNone/>
-            </a:pPr>
-            <a:r>
-              <a:rPr lang="en-US" b="0">
-                <a:latin typeface="Oswald Light"/>
-                <a:ea typeface="Oswald Light"/>
-                <a:cs typeface="Oswald Light"/>
-                <a:sym typeface="Oswald Light"/>
-              </a:rPr>
-              <a:t>Final Model</a:t>
-            </a:r>
-            <a:endParaRPr b="0">
-              <a:latin typeface="Oswald Light"/>
-              <a:ea typeface="Oswald Light"/>
-              <a:cs typeface="Oswald Light"/>
-              <a:sym typeface="Oswald Light"/>
-            </a:endParaRPr>
-          </a:p>
-        </p:txBody>
-      </p:sp>
+      </p:pic>
       <p:sp>
         <p:nvSpPr>
-          <p:cNvPr id="237" name="Google Shape;237;p31"/>
+          <p:cNvPr id="229" name="Google Shape;229;p30"/>
           <p:cNvSpPr txBox="1"/>
           <p:nvPr/>
         </p:nvSpPr>
         <p:spPr>
           <a:xfrm>
-            <a:off x="7050125" y="2202225"/>
-            <a:ext cx="1569300" cy="1965600"/>
+            <a:off x="372375" y="3146100"/>
+            <a:ext cx="1769100" cy="565800"/>
           </a:xfrm>
           <a:prstGeom prst="rect">
             <a:avLst/>
@@ -29973,30 +30049,7 @@
           <a:p>
             <a:pPr marL="0" lvl="0" indent="0" algn="ctr" rtl="0">
               <a:lnSpc>
-                <a:spcPct val="115000"/>
-              </a:lnSpc>
-              <a:spcBef>
-                <a:spcPts val="0"/>
-              </a:spcBef>
-              <a:spcAft>
-                <a:spcPts val="0"/>
-              </a:spcAft>
-              <a:buNone/>
-            </a:pPr>
-            <a:endParaRPr sz="2400">
-              <a:solidFill>
-                <a:schemeClr val="dk1"/>
-              </a:solidFill>
-              <a:latin typeface="Oswald ExtraLight"/>
-              <a:ea typeface="Oswald ExtraLight"/>
-              <a:cs typeface="Oswald ExtraLight"/>
-              <a:sym typeface="Oswald ExtraLight"/>
-            </a:endParaRPr>
-          </a:p>
-          <a:p>
-            <a:pPr marL="0" lvl="0" indent="0" algn="ctr" rtl="0">
-              <a:lnSpc>
-                <a:spcPct val="115000"/>
+                <a:spcPct val="90000"/>
               </a:lnSpc>
               <a:spcBef>
                 <a:spcPts val="0"/>
@@ -30009,119 +30062,35 @@
             <a:r>
               <a:rPr lang="en-US" sz="2400">
                 <a:solidFill>
-                  <a:srgbClr val="FF0000"/>
-                </a:solidFill>
-                <a:latin typeface="Oswald ExtraLight"/>
-                <a:ea typeface="Oswald ExtraLight"/>
-                <a:cs typeface="Oswald ExtraLight"/>
-                <a:sym typeface="Oswald ExtraLight"/>
+                  <a:schemeClr val="dk1"/>
+                </a:solidFill>
+                <a:latin typeface="Oswald Light"/>
+                <a:ea typeface="Oswald Light"/>
+                <a:cs typeface="Oswald Light"/>
+                <a:sym typeface="Oswald Light"/>
               </a:rPr>
-              <a:t>Pearson correlation: 0.709</a:t>
+              <a:t>rev2</a:t>
             </a:r>
             <a:endParaRPr sz="2400">
               <a:solidFill>
                 <a:schemeClr val="dk1"/>
               </a:solidFill>
-              <a:latin typeface="Oswald ExtraLight"/>
-              <a:ea typeface="Oswald ExtraLight"/>
-              <a:cs typeface="Oswald ExtraLight"/>
-              <a:sym typeface="Oswald ExtraLight"/>
-            </a:endParaRPr>
-          </a:p>
-          <a:p>
-            <a:pPr marL="0" lvl="0" indent="0" algn="ctr" rtl="0">
-              <a:lnSpc>
-                <a:spcPct val="115000"/>
-              </a:lnSpc>
-              <a:spcBef>
-                <a:spcPts val="0"/>
-              </a:spcBef>
-              <a:spcAft>
-                <a:spcPts val="0"/>
-              </a:spcAft>
-              <a:buNone/>
-            </a:pPr>
-            <a:endParaRPr sz="2400">
-              <a:solidFill>
-                <a:schemeClr val="dk1"/>
-              </a:solidFill>
-              <a:latin typeface="Oswald ExtraLight"/>
-              <a:ea typeface="Oswald ExtraLight"/>
-              <a:cs typeface="Oswald ExtraLight"/>
-              <a:sym typeface="Oswald ExtraLight"/>
-            </a:endParaRPr>
-          </a:p>
-        </p:txBody>
-      </p:sp>
-      <p:sp>
-        <p:nvSpPr>
-          <p:cNvPr id="238" name="Google Shape;238;p31"/>
-          <p:cNvSpPr txBox="1"/>
-          <p:nvPr/>
-        </p:nvSpPr>
-        <p:spPr>
-          <a:xfrm>
-            <a:off x="960700" y="4434050"/>
-            <a:ext cx="1684500" cy="2128500"/>
-          </a:xfrm>
-          <a:prstGeom prst="rect">
-            <a:avLst/>
-          </a:prstGeom>
-          <a:noFill/>
-          <a:ln>
-            <a:noFill/>
-          </a:ln>
-        </p:spPr>
-        <p:txBody>
-          <a:bodyPr spcFirstLastPara="1" wrap="square" lIns="91425" tIns="91425" rIns="91425" bIns="91425" anchor="ctr" anchorCtr="0">
-            <a:noAutofit/>
-          </a:bodyPr>
-          <a:lstStyle/>
-          <a:p>
-            <a:pPr marL="0" lvl="0" indent="0" algn="ctr" rtl="0">
-              <a:lnSpc>
-                <a:spcPct val="115000"/>
-              </a:lnSpc>
-              <a:spcBef>
-                <a:spcPts val="0"/>
-              </a:spcBef>
-              <a:spcAft>
-                <a:spcPts val="0"/>
-              </a:spcAft>
-              <a:buNone/>
-            </a:pPr>
-            <a:r>
-              <a:rPr lang="en-US" sz="2400">
-                <a:solidFill>
-                  <a:srgbClr val="0000FF"/>
-                </a:solidFill>
-                <a:latin typeface="Oswald ExtraLight"/>
-                <a:ea typeface="Oswald ExtraLight"/>
-                <a:cs typeface="Oswald ExtraLight"/>
-                <a:sym typeface="Oswald ExtraLight"/>
-              </a:rPr>
-              <a:t>Pearson correlation: 0.796</a:t>
-            </a:r>
-            <a:endParaRPr sz="2400">
-              <a:solidFill>
-                <a:srgbClr val="0000FF"/>
-              </a:solidFill>
-              <a:latin typeface="Oswald ExtraLight"/>
-              <a:ea typeface="Oswald ExtraLight"/>
-              <a:cs typeface="Oswald ExtraLight"/>
-              <a:sym typeface="Oswald ExtraLight"/>
+              <a:latin typeface="Oswald Light"/>
+              <a:ea typeface="Oswald Light"/>
+              <a:cs typeface="Oswald Light"/>
+              <a:sym typeface="Oswald Light"/>
             </a:endParaRPr>
           </a:p>
         </p:txBody>
       </p:sp>
       <p:pic>
         <p:nvPicPr>
-          <p:cNvPr id="239" name="Google Shape;239;p31"/>
+          <p:cNvPr id="230" name="Google Shape;230;p30"/>
           <p:cNvPicPr preferRelativeResize="0"/>
           <p:nvPr/>
         </p:nvPicPr>
         <p:blipFill>
-          <a:blip r:embed="rId3">
+          <a:blip r:embed="rId4">
             <a:alphaModFix/>
           </a:blip>
           <a:stretch>
@@ -30130,8 +30099,8 @@
         </p:blipFill>
         <p:spPr>
           <a:xfrm>
-            <a:off x="2797600" y="1843226"/>
-            <a:ext cx="4020526" cy="4360724"/>
+            <a:off x="3087051" y="1690689"/>
+            <a:ext cx="4020653" cy="4360862"/>
           </a:xfrm>
           <a:prstGeom prst="rect">
             <a:avLst/>
@@ -30145,7 +30114,7 @@
     </p:spTree>
     <p:extLst>
       <p:ext uri="{BB962C8B-B14F-4D97-AF65-F5344CB8AC3E}">
-        <p14:creationId xmlns:p14="http://schemas.microsoft.com/office/powerpoint/2010/main" val="1228240976"/>
+        <p14:creationId xmlns:p14="http://schemas.microsoft.com/office/powerpoint/2010/main" val="3414069030"/>
       </p:ext>
     </p:extLst>
   </p:cSld>
@@ -30286,15 +30255,15 @@
               <a:buNone/>
             </a:pPr>
             <a:r>
-              <a:rPr lang="en-US" b="0" dirty="0">
+              <a:rPr lang="en-US" b="0">
                 <a:latin typeface="Oswald Light"/>
                 <a:ea typeface="Oswald Light"/>
                 <a:cs typeface="Oswald Light"/>
                 <a:sym typeface="Oswald Light"/>
               </a:rPr>
-              <a:t>Feature Ranking</a:t>
+              <a:t>Final Model</a:t>
             </a:r>
-            <a:endParaRPr b="0" dirty="0">
+            <a:endParaRPr b="0">
               <a:latin typeface="Oswald Light"/>
               <a:ea typeface="Oswald Light"/>
               <a:cs typeface="Oswald Light"/>
@@ -30303,40 +30272,206 @@
           </a:p>
         </p:txBody>
       </p:sp>
+      <p:sp>
+        <p:nvSpPr>
+          <p:cNvPr id="237" name="Google Shape;237;p31"/>
+          <p:cNvSpPr txBox="1"/>
+          <p:nvPr/>
+        </p:nvSpPr>
+        <p:spPr>
+          <a:xfrm>
+            <a:off x="7050125" y="2202225"/>
+            <a:ext cx="1569300" cy="1965600"/>
+          </a:xfrm>
+          <a:prstGeom prst="rect">
+            <a:avLst/>
+          </a:prstGeom>
+          <a:noFill/>
+          <a:ln>
+            <a:noFill/>
+          </a:ln>
+        </p:spPr>
+        <p:txBody>
+          <a:bodyPr spcFirstLastPara="1" wrap="square" lIns="91425" tIns="91425" rIns="91425" bIns="91425" anchor="ctr" anchorCtr="0">
+            <a:noAutofit/>
+          </a:bodyPr>
+          <a:lstStyle/>
+          <a:p>
+            <a:pPr marL="0" lvl="0" indent="0" algn="ctr" rtl="0">
+              <a:lnSpc>
+                <a:spcPct val="115000"/>
+              </a:lnSpc>
+              <a:spcBef>
+                <a:spcPts val="0"/>
+              </a:spcBef>
+              <a:spcAft>
+                <a:spcPts val="0"/>
+              </a:spcAft>
+              <a:buNone/>
+            </a:pPr>
+            <a:endParaRPr sz="2400">
+              <a:solidFill>
+                <a:schemeClr val="dk1"/>
+              </a:solidFill>
+              <a:latin typeface="Oswald ExtraLight"/>
+              <a:ea typeface="Oswald ExtraLight"/>
+              <a:cs typeface="Oswald ExtraLight"/>
+              <a:sym typeface="Oswald ExtraLight"/>
+            </a:endParaRPr>
+          </a:p>
+          <a:p>
+            <a:pPr marL="0" lvl="0" indent="0" algn="ctr" rtl="0">
+              <a:lnSpc>
+                <a:spcPct val="115000"/>
+              </a:lnSpc>
+              <a:spcBef>
+                <a:spcPts val="0"/>
+              </a:spcBef>
+              <a:spcAft>
+                <a:spcPts val="0"/>
+              </a:spcAft>
+              <a:buNone/>
+            </a:pPr>
+            <a:r>
+              <a:rPr lang="en-US" sz="2400">
+                <a:solidFill>
+                  <a:srgbClr val="FF0000"/>
+                </a:solidFill>
+                <a:latin typeface="Oswald ExtraLight"/>
+                <a:ea typeface="Oswald ExtraLight"/>
+                <a:cs typeface="Oswald ExtraLight"/>
+                <a:sym typeface="Oswald ExtraLight"/>
+              </a:rPr>
+              <a:t>Pearson correlation: 0.709</a:t>
+            </a:r>
+            <a:endParaRPr sz="2400">
+              <a:solidFill>
+                <a:schemeClr val="dk1"/>
+              </a:solidFill>
+              <a:latin typeface="Oswald ExtraLight"/>
+              <a:ea typeface="Oswald ExtraLight"/>
+              <a:cs typeface="Oswald ExtraLight"/>
+              <a:sym typeface="Oswald ExtraLight"/>
+            </a:endParaRPr>
+          </a:p>
+          <a:p>
+            <a:pPr marL="0" lvl="0" indent="0" algn="ctr" rtl="0">
+              <a:lnSpc>
+                <a:spcPct val="115000"/>
+              </a:lnSpc>
+              <a:spcBef>
+                <a:spcPts val="0"/>
+              </a:spcBef>
+              <a:spcAft>
+                <a:spcPts val="0"/>
+              </a:spcAft>
+              <a:buNone/>
+            </a:pPr>
+            <a:endParaRPr sz="2400">
+              <a:solidFill>
+                <a:schemeClr val="dk1"/>
+              </a:solidFill>
+              <a:latin typeface="Oswald ExtraLight"/>
+              <a:ea typeface="Oswald ExtraLight"/>
+              <a:cs typeface="Oswald ExtraLight"/>
+              <a:sym typeface="Oswald ExtraLight"/>
+            </a:endParaRPr>
+          </a:p>
+        </p:txBody>
+      </p:sp>
+      <p:sp>
+        <p:nvSpPr>
+          <p:cNvPr id="238" name="Google Shape;238;p31"/>
+          <p:cNvSpPr txBox="1"/>
+          <p:nvPr/>
+        </p:nvSpPr>
+        <p:spPr>
+          <a:xfrm>
+            <a:off x="960700" y="4434050"/>
+            <a:ext cx="1684500" cy="2128500"/>
+          </a:xfrm>
+          <a:prstGeom prst="rect">
+            <a:avLst/>
+          </a:prstGeom>
+          <a:noFill/>
+          <a:ln>
+            <a:noFill/>
+          </a:ln>
+        </p:spPr>
+        <p:txBody>
+          <a:bodyPr spcFirstLastPara="1" wrap="square" lIns="91425" tIns="91425" rIns="91425" bIns="91425" anchor="ctr" anchorCtr="0">
+            <a:noAutofit/>
+          </a:bodyPr>
+          <a:lstStyle/>
+          <a:p>
+            <a:pPr marL="0" lvl="0" indent="0" algn="ctr" rtl="0">
+              <a:lnSpc>
+                <a:spcPct val="115000"/>
+              </a:lnSpc>
+              <a:spcBef>
+                <a:spcPts val="0"/>
+              </a:spcBef>
+              <a:spcAft>
+                <a:spcPts val="0"/>
+              </a:spcAft>
+              <a:buNone/>
+            </a:pPr>
+            <a:r>
+              <a:rPr lang="en-US" sz="2400">
+                <a:solidFill>
+                  <a:srgbClr val="0000FF"/>
+                </a:solidFill>
+                <a:latin typeface="Oswald ExtraLight"/>
+                <a:ea typeface="Oswald ExtraLight"/>
+                <a:cs typeface="Oswald ExtraLight"/>
+                <a:sym typeface="Oswald ExtraLight"/>
+              </a:rPr>
+              <a:t>Pearson correlation: 0.796</a:t>
+            </a:r>
+            <a:endParaRPr sz="2400">
+              <a:solidFill>
+                <a:srgbClr val="0000FF"/>
+              </a:solidFill>
+              <a:latin typeface="Oswald ExtraLight"/>
+              <a:ea typeface="Oswald ExtraLight"/>
+              <a:cs typeface="Oswald ExtraLight"/>
+              <a:sym typeface="Oswald ExtraLight"/>
+            </a:endParaRPr>
+          </a:p>
+        </p:txBody>
+      </p:sp>
       <p:pic>
         <p:nvPicPr>
-          <p:cNvPr id="7" name="Picture 6">
-            <a:extLst>
-              <a:ext uri="{FF2B5EF4-FFF2-40B4-BE49-F238E27FC236}">
-                <a16:creationId xmlns:a16="http://schemas.microsoft.com/office/drawing/2014/main" id="{BF3A846B-12FF-D14B-B2F6-B345843C8CFA}"/>
-              </a:ext>
-            </a:extLst>
-          </p:cNvPr>
-          <p:cNvPicPr>
-            <a:picLocks noChangeAspect="1"/>
-          </p:cNvPicPr>
+          <p:cNvPr id="239" name="Google Shape;239;p31"/>
+          <p:cNvPicPr preferRelativeResize="0"/>
           <p:nvPr/>
         </p:nvPicPr>
         <p:blipFill>
-          <a:blip r:embed="rId3"/>
+          <a:blip r:embed="rId3">
+            <a:alphaModFix/>
+          </a:blip>
           <a:stretch>
             <a:fillRect/>
           </a:stretch>
         </p:blipFill>
         <p:spPr>
           <a:xfrm>
-            <a:off x="1940025" y="1480457"/>
-            <a:ext cx="5263949" cy="4657241"/>
+            <a:off x="2797600" y="1843226"/>
+            <a:ext cx="4020526" cy="4360724"/>
           </a:xfrm>
           <a:prstGeom prst="rect">
             <a:avLst/>
           </a:prstGeom>
+          <a:noFill/>
+          <a:ln>
+            <a:noFill/>
+          </a:ln>
         </p:spPr>
       </p:pic>
     </p:spTree>
     <p:extLst>
       <p:ext uri="{BB962C8B-B14F-4D97-AF65-F5344CB8AC3E}">
-        <p14:creationId xmlns:p14="http://schemas.microsoft.com/office/powerpoint/2010/main" val="3510800032"/>
+        <p14:creationId xmlns:p14="http://schemas.microsoft.com/office/powerpoint/2010/main" val="1228240976"/>
       </p:ext>
     </p:extLst>
   </p:cSld>
@@ -30715,6 +30850,197 @@
                 <a:sym typeface="Calibri"/>
               </a:rPr>
               <a:t>30</a:t>
+            </a:fld>
+            <a:endParaRPr sz="1200" b="0" i="0" u="none" strike="noStrike" cap="none">
+              <a:solidFill>
+                <a:srgbClr val="002060"/>
+              </a:solidFill>
+              <a:latin typeface="Calibri"/>
+              <a:ea typeface="Calibri"/>
+              <a:cs typeface="Calibri"/>
+              <a:sym typeface="Calibri"/>
+            </a:endParaRPr>
+          </a:p>
+        </p:txBody>
+      </p:sp>
+      <p:sp>
+        <p:nvSpPr>
+          <p:cNvPr id="236" name="Google Shape;236;p31"/>
+          <p:cNvSpPr txBox="1">
+            <a:spLocks noGrp="1"/>
+          </p:cNvSpPr>
+          <p:nvPr>
+            <p:ph type="title"/>
+          </p:nvPr>
+        </p:nvSpPr>
+        <p:spPr>
+          <a:xfrm>
+            <a:off x="628650" y="365126"/>
+            <a:ext cx="7886700" cy="1325700"/>
+          </a:xfrm>
+          <a:prstGeom prst="rect">
+            <a:avLst/>
+          </a:prstGeom>
+          <a:noFill/>
+          <a:ln>
+            <a:noFill/>
+          </a:ln>
+        </p:spPr>
+        <p:txBody>
+          <a:bodyPr spcFirstLastPara="1" wrap="square" lIns="91425" tIns="45700" rIns="91425" bIns="45700" anchor="ctr" anchorCtr="0">
+            <a:noAutofit/>
+          </a:bodyPr>
+          <a:lstStyle/>
+          <a:p>
+            <a:pPr marL="0" lvl="0" indent="0" algn="ctr" rtl="0">
+              <a:spcBef>
+                <a:spcPts val="0"/>
+              </a:spcBef>
+              <a:spcAft>
+                <a:spcPts val="0"/>
+              </a:spcAft>
+              <a:buClr>
+                <a:schemeClr val="dk1"/>
+              </a:buClr>
+              <a:buSzPts val="1100"/>
+              <a:buFont typeface="Arial"/>
+              <a:buNone/>
+            </a:pPr>
+            <a:r>
+              <a:rPr lang="en-US" b="0" dirty="0">
+                <a:latin typeface="Oswald Light"/>
+                <a:ea typeface="Oswald Light"/>
+                <a:cs typeface="Oswald Light"/>
+                <a:sym typeface="Oswald Light"/>
+              </a:rPr>
+              <a:t>Feature Ranking</a:t>
+            </a:r>
+            <a:endParaRPr b="0" dirty="0">
+              <a:latin typeface="Oswald Light"/>
+              <a:ea typeface="Oswald Light"/>
+              <a:cs typeface="Oswald Light"/>
+              <a:sym typeface="Oswald Light"/>
+            </a:endParaRPr>
+          </a:p>
+        </p:txBody>
+      </p:sp>
+      <p:pic>
+        <p:nvPicPr>
+          <p:cNvPr id="7" name="Picture 6">
+            <a:extLst>
+              <a:ext uri="{FF2B5EF4-FFF2-40B4-BE49-F238E27FC236}">
+                <a16:creationId xmlns:a16="http://schemas.microsoft.com/office/drawing/2014/main" id="{BF3A846B-12FF-D14B-B2F6-B345843C8CFA}"/>
+              </a:ext>
+            </a:extLst>
+          </p:cNvPr>
+          <p:cNvPicPr>
+            <a:picLocks noChangeAspect="1"/>
+          </p:cNvPicPr>
+          <p:nvPr/>
+        </p:nvPicPr>
+        <p:blipFill>
+          <a:blip r:embed="rId3"/>
+          <a:stretch>
+            <a:fillRect/>
+          </a:stretch>
+        </p:blipFill>
+        <p:spPr>
+          <a:xfrm>
+            <a:off x="1940025" y="1480457"/>
+            <a:ext cx="5263949" cy="4657241"/>
+          </a:xfrm>
+          <a:prstGeom prst="rect">
+            <a:avLst/>
+          </a:prstGeom>
+        </p:spPr>
+      </p:pic>
+    </p:spTree>
+    <p:extLst>
+      <p:ext uri="{BB962C8B-B14F-4D97-AF65-F5344CB8AC3E}">
+        <p14:creationId xmlns:p14="http://schemas.microsoft.com/office/powerpoint/2010/main" val="3510800032"/>
+      </p:ext>
+    </p:extLst>
+  </p:cSld>
+  <p:clrMapOvr>
+    <a:masterClrMapping/>
+  </p:clrMapOvr>
+  <mc:AlternateContent xmlns:mc="http://schemas.openxmlformats.org/markup-compatibility/2006">
+    <mc:Choice xmlns:p14="http://schemas.microsoft.com/office/powerpoint/2010/main" Requires="p14">
+      <p:transition p14:dur="10" advClick="0" advTm="15000"/>
+    </mc:Choice>
+    <mc:Fallback>
+      <p:transition advClick="0" advTm="15000"/>
+    </mc:Fallback>
+  </mc:AlternateContent>
+</p:sld>
+</file>
+
+<file path=ppt/slides/slide31.xml><?xml version="1.0" encoding="utf-8"?>
+<p:sld xmlns:a="http://schemas.openxmlformats.org/drawingml/2006/main" xmlns:r="http://schemas.openxmlformats.org/officeDocument/2006/relationships" xmlns:p="http://schemas.openxmlformats.org/presentationml/2006/main">
+  <p:cSld>
+    <p:spTree>
+      <p:nvGrpSpPr>
+        <p:cNvPr id="1" name="Shape 234"/>
+        <p:cNvGrpSpPr/>
+        <p:nvPr/>
+      </p:nvGrpSpPr>
+      <p:grpSpPr>
+        <a:xfrm>
+          <a:off x="0" y="0"/>
+          <a:ext cx="0" cy="0"/>
+          <a:chOff x="0" y="0"/>
+          <a:chExt cx="0" cy="0"/>
+        </a:xfrm>
+      </p:grpSpPr>
+      <p:sp>
+        <p:nvSpPr>
+          <p:cNvPr id="235" name="Google Shape;235;p31"/>
+          <p:cNvSpPr txBox="1">
+            <a:spLocks noGrp="1"/>
+          </p:cNvSpPr>
+          <p:nvPr>
+            <p:ph type="sldNum" idx="12"/>
+          </p:nvPr>
+        </p:nvSpPr>
+        <p:spPr>
+          <a:xfrm>
+            <a:off x="6457950" y="6356351"/>
+            <a:ext cx="2057400" cy="365125"/>
+          </a:xfrm>
+          <a:prstGeom prst="rect">
+            <a:avLst/>
+          </a:prstGeom>
+          <a:noFill/>
+          <a:ln>
+            <a:noFill/>
+          </a:ln>
+        </p:spPr>
+        <p:txBody>
+          <a:bodyPr spcFirstLastPara="1" wrap="square" lIns="91425" tIns="45700" rIns="91425" bIns="45700" anchor="ctr" anchorCtr="0">
+            <a:noAutofit/>
+          </a:bodyPr>
+          <a:lstStyle/>
+          <a:p>
+            <a:pPr marL="0" marR="0" lvl="0" indent="0" algn="r" rtl="0">
+              <a:spcBef>
+                <a:spcPts val="0"/>
+              </a:spcBef>
+              <a:spcAft>
+                <a:spcPts val="0"/>
+              </a:spcAft>
+              <a:buNone/>
+            </a:pPr>
+            <a:fld id="{00000000-1234-1234-1234-123412341234}" type="slidenum">
+              <a:rPr lang="en-US" sz="1200" b="0" i="0" u="none" strike="noStrike" cap="none">
+                <a:solidFill>
+                  <a:srgbClr val="002060"/>
+                </a:solidFill>
+                <a:latin typeface="Calibri"/>
+                <a:ea typeface="Calibri"/>
+                <a:cs typeface="Calibri"/>
+                <a:sym typeface="Calibri"/>
+              </a:rPr>
+              <a:t>31</a:t>
             </a:fld>
             <a:endParaRPr sz="1200" b="0" i="0" u="none" strike="noStrike" cap="none">
               <a:solidFill>
@@ -32217,404 +32543,6 @@
 </p:sld>
 </file>
 
-<file path=ppt/slides/slide31.xml><?xml version="1.0" encoding="utf-8"?>
-<p:sld xmlns:a="http://schemas.openxmlformats.org/drawingml/2006/main" xmlns:r="http://schemas.openxmlformats.org/officeDocument/2006/relationships" xmlns:p="http://schemas.openxmlformats.org/presentationml/2006/main">
-  <p:cSld>
-    <p:spTree>
-      <p:nvGrpSpPr>
-        <p:cNvPr id="1" name="Shape 243"/>
-        <p:cNvGrpSpPr/>
-        <p:nvPr/>
-      </p:nvGrpSpPr>
-      <p:grpSpPr>
-        <a:xfrm>
-          <a:off x="0" y="0"/>
-          <a:ext cx="0" cy="0"/>
-          <a:chOff x="0" y="0"/>
-          <a:chExt cx="0" cy="0"/>
-        </a:xfrm>
-      </p:grpSpPr>
-      <p:sp>
-        <p:nvSpPr>
-          <p:cNvPr id="244" name="Google Shape;244;p32"/>
-          <p:cNvSpPr txBox="1">
-            <a:spLocks noGrp="1"/>
-          </p:cNvSpPr>
-          <p:nvPr>
-            <p:ph type="title"/>
-          </p:nvPr>
-        </p:nvSpPr>
-        <p:spPr>
-          <a:xfrm>
-            <a:off x="628650" y="365126"/>
-            <a:ext cx="7886700" cy="1325700"/>
-          </a:xfrm>
-          <a:prstGeom prst="rect">
-            <a:avLst/>
-          </a:prstGeom>
-          <a:noFill/>
-          <a:ln>
-            <a:noFill/>
-          </a:ln>
-        </p:spPr>
-        <p:txBody>
-          <a:bodyPr spcFirstLastPara="1" wrap="square" lIns="91425" tIns="45700" rIns="91425" bIns="45700" anchor="ctr" anchorCtr="0">
-            <a:noAutofit/>
-          </a:bodyPr>
-          <a:lstStyle/>
-          <a:p>
-            <a:pPr marL="0" marR="0" lvl="0" indent="0" algn="ctr" rtl="0">
-              <a:lnSpc>
-                <a:spcPct val="90000"/>
-              </a:lnSpc>
-              <a:spcBef>
-                <a:spcPts val="0"/>
-              </a:spcBef>
-              <a:spcAft>
-                <a:spcPts val="0"/>
-              </a:spcAft>
-              <a:buClr>
-                <a:schemeClr val="dk1"/>
-              </a:buClr>
-              <a:buSzPts val="1100"/>
-              <a:buFont typeface="Arial"/>
-              <a:buNone/>
-            </a:pPr>
-            <a:r>
-              <a:rPr lang="en-US" b="0" dirty="0">
-                <a:latin typeface="Oswald Light"/>
-                <a:ea typeface="Oswald Light"/>
-                <a:cs typeface="Oswald Light"/>
-                <a:sym typeface="Oswald Light"/>
-              </a:rPr>
-              <a:t>Ethics</a:t>
-            </a:r>
-            <a:endParaRPr b="0" dirty="0">
-              <a:latin typeface="Oswald Light"/>
-              <a:ea typeface="Oswald Light"/>
-              <a:cs typeface="Oswald Light"/>
-              <a:sym typeface="Oswald Light"/>
-            </a:endParaRPr>
-          </a:p>
-        </p:txBody>
-      </p:sp>
-      <p:sp>
-        <p:nvSpPr>
-          <p:cNvPr id="245" name="Google Shape;245;p32"/>
-          <p:cNvSpPr txBox="1">
-            <a:spLocks noGrp="1"/>
-          </p:cNvSpPr>
-          <p:nvPr>
-            <p:ph type="sldNum" idx="12"/>
-          </p:nvPr>
-        </p:nvSpPr>
-        <p:spPr>
-          <a:xfrm>
-            <a:off x="6457950" y="6356351"/>
-            <a:ext cx="2057400" cy="365100"/>
-          </a:xfrm>
-          <a:prstGeom prst="rect">
-            <a:avLst/>
-          </a:prstGeom>
-          <a:noFill/>
-          <a:ln>
-            <a:noFill/>
-          </a:ln>
-        </p:spPr>
-        <p:txBody>
-          <a:bodyPr spcFirstLastPara="1" wrap="square" lIns="91425" tIns="45700" rIns="91425" bIns="45700" anchor="ctr" anchorCtr="0">
-            <a:noAutofit/>
-          </a:bodyPr>
-          <a:lstStyle/>
-          <a:p>
-            <a:pPr marL="0" marR="0" lvl="0" indent="0" algn="r" rtl="0">
-              <a:spcBef>
-                <a:spcPts val="0"/>
-              </a:spcBef>
-              <a:spcAft>
-                <a:spcPts val="0"/>
-              </a:spcAft>
-              <a:buNone/>
-            </a:pPr>
-            <a:fld id="{00000000-1234-1234-1234-123412341234}" type="slidenum">
-              <a:rPr lang="en-US" sz="1200" b="0" i="0" u="none" strike="noStrike" cap="none">
-                <a:solidFill>
-                  <a:srgbClr val="002060"/>
-                </a:solidFill>
-                <a:latin typeface="Calibri"/>
-                <a:ea typeface="Calibri"/>
-                <a:cs typeface="Calibri"/>
-                <a:sym typeface="Calibri"/>
-              </a:rPr>
-              <a:t>31</a:t>
-            </a:fld>
-            <a:endParaRPr sz="1200" b="0" i="0" u="none" strike="noStrike" cap="none">
-              <a:solidFill>
-                <a:srgbClr val="002060"/>
-              </a:solidFill>
-              <a:latin typeface="Calibri"/>
-              <a:ea typeface="Calibri"/>
-              <a:cs typeface="Calibri"/>
-              <a:sym typeface="Calibri"/>
-            </a:endParaRPr>
-          </a:p>
-        </p:txBody>
-      </p:sp>
-      <p:sp>
-        <p:nvSpPr>
-          <p:cNvPr id="246" name="Google Shape;246;p32"/>
-          <p:cNvSpPr txBox="1"/>
-          <p:nvPr/>
-        </p:nvSpPr>
-        <p:spPr>
-          <a:xfrm>
-            <a:off x="1277250" y="1815138"/>
-            <a:ext cx="7238100" cy="2586900"/>
-          </a:xfrm>
-          <a:prstGeom prst="rect">
-            <a:avLst/>
-          </a:prstGeom>
-          <a:noFill/>
-          <a:ln>
-            <a:noFill/>
-          </a:ln>
-        </p:spPr>
-        <p:txBody>
-          <a:bodyPr spcFirstLastPara="1" wrap="square" lIns="91425" tIns="91425" rIns="91425" bIns="91425" anchor="ctr" anchorCtr="0">
-            <a:noAutofit/>
-          </a:bodyPr>
-          <a:lstStyle/>
-          <a:p>
-            <a:pPr marL="571500" lvl="0" indent="-457200" algn="l" rtl="0">
-              <a:lnSpc>
-                <a:spcPct val="90000"/>
-              </a:lnSpc>
-              <a:spcBef>
-                <a:spcPts val="0"/>
-              </a:spcBef>
-              <a:spcAft>
-                <a:spcPts val="0"/>
-              </a:spcAft>
-              <a:buClr>
-                <a:schemeClr val="dk1"/>
-              </a:buClr>
-              <a:buSzPts val="1800"/>
-              <a:buFont typeface="Arial" panose="020B0604020202020204" pitchFamily="34" charset="0"/>
-              <a:buChar char="•"/>
-            </a:pPr>
-            <a:r>
-              <a:rPr lang="en-US" sz="2800" dirty="0">
-                <a:solidFill>
-                  <a:srgbClr val="1155CC"/>
-                </a:solidFill>
-                <a:latin typeface="Oswald ExtraLight"/>
-                <a:sym typeface="Oswald ExtraLight"/>
-              </a:rPr>
-              <a:t>Data sources that are </a:t>
-            </a:r>
-            <a:r>
-              <a:rPr lang="en-US" sz="2800" dirty="0">
-                <a:solidFill>
-                  <a:srgbClr val="FF0000"/>
-                </a:solidFill>
-                <a:latin typeface="Oswald ExtraLight"/>
-                <a:sym typeface="Oswald ExtraLight"/>
-              </a:rPr>
-              <a:t>public</a:t>
-            </a:r>
-            <a:r>
-              <a:rPr lang="en-US" sz="2800" dirty="0">
-                <a:solidFill>
-                  <a:srgbClr val="1155CC"/>
-                </a:solidFill>
-                <a:latin typeface="Oswald ExtraLight"/>
-                <a:sym typeface="Oswald ExtraLight"/>
-              </a:rPr>
-              <a:t> and </a:t>
-            </a:r>
-            <a:r>
-              <a:rPr lang="en-US" sz="2800" dirty="0">
-                <a:solidFill>
-                  <a:srgbClr val="FF0000"/>
-                </a:solidFill>
-                <a:latin typeface="Oswald ExtraLight"/>
-                <a:sym typeface="Oswald ExtraLight"/>
-              </a:rPr>
-              <a:t>open</a:t>
-            </a:r>
-            <a:r>
-              <a:rPr lang="en-US" sz="2800" dirty="0">
-                <a:solidFill>
-                  <a:srgbClr val="1155CC"/>
-                </a:solidFill>
-                <a:latin typeface="Oswald ExtraLight"/>
-                <a:sym typeface="Oswald ExtraLight"/>
-              </a:rPr>
-              <a:t> data are used(without needing any </a:t>
-            </a:r>
-            <a:r>
-              <a:rPr lang="en-US" sz="2800" dirty="0">
-                <a:solidFill>
-                  <a:srgbClr val="FF0000"/>
-                </a:solidFill>
-                <a:latin typeface="Oswald ExtraLight"/>
-                <a:sym typeface="Oswald ExtraLight"/>
-              </a:rPr>
-              <a:t>entity’s authentication</a:t>
-            </a:r>
-            <a:r>
-              <a:rPr lang="en-US" sz="2800" dirty="0">
-                <a:solidFill>
-                  <a:srgbClr val="1155CC"/>
-                </a:solidFill>
-                <a:latin typeface="Oswald ExtraLight"/>
-                <a:sym typeface="Oswald ExtraLight"/>
-              </a:rPr>
-              <a:t>)</a:t>
-            </a:r>
-          </a:p>
-          <a:p>
-            <a:pPr marL="571500" lvl="0" indent="-457200" algn="l" rtl="0">
-              <a:lnSpc>
-                <a:spcPct val="90000"/>
-              </a:lnSpc>
-              <a:spcBef>
-                <a:spcPts val="0"/>
-              </a:spcBef>
-              <a:spcAft>
-                <a:spcPts val="0"/>
-              </a:spcAft>
-              <a:buClr>
-                <a:schemeClr val="dk1"/>
-              </a:buClr>
-              <a:buSzPts val="1800"/>
-              <a:buFont typeface="Arial" panose="020B0604020202020204" pitchFamily="34" charset="0"/>
-              <a:buChar char="•"/>
-            </a:pPr>
-            <a:endParaRPr sz="2800" dirty="0">
-              <a:solidFill>
-                <a:srgbClr val="1155CC"/>
-              </a:solidFill>
-              <a:latin typeface="Oswald ExtraLight"/>
-              <a:sym typeface="Oswald ExtraLight"/>
-            </a:endParaRPr>
-          </a:p>
-          <a:p>
-            <a:pPr marL="571500" lvl="0" indent="-457200">
-              <a:lnSpc>
-                <a:spcPct val="90000"/>
-              </a:lnSpc>
-              <a:buClr>
-                <a:schemeClr val="dk1"/>
-              </a:buClr>
-              <a:buSzPts val="1800"/>
-              <a:buFont typeface="Arial" panose="020B0604020202020204" pitchFamily="34" charset="0"/>
-              <a:buChar char="•"/>
-            </a:pPr>
-            <a:r>
-              <a:rPr lang="en-US" sz="2800" dirty="0">
-                <a:solidFill>
-                  <a:srgbClr val="1155CC"/>
-                </a:solidFill>
-                <a:latin typeface="Oswald ExtraLight"/>
-                <a:sym typeface="Oswald ExtraLight"/>
-              </a:rPr>
-              <a:t>At no point, any data that has potential </a:t>
-            </a:r>
-            <a:r>
-              <a:rPr lang="en-US" sz="2800" dirty="0">
-                <a:solidFill>
-                  <a:srgbClr val="FF0000"/>
-                </a:solidFill>
-                <a:latin typeface="Oswald ExtraLight"/>
-                <a:sym typeface="Oswald ExtraLight"/>
-              </a:rPr>
-              <a:t>legal implications</a:t>
-            </a:r>
-            <a:r>
-              <a:rPr lang="en-US" sz="2800" dirty="0">
-                <a:solidFill>
-                  <a:srgbClr val="1155CC"/>
-                </a:solidFill>
-                <a:latin typeface="Oswald ExtraLight"/>
-                <a:sym typeface="Oswald ExtraLight"/>
-              </a:rPr>
-              <a:t> in future has been used</a:t>
-            </a:r>
-            <a:endParaRPr sz="2800" dirty="0">
-              <a:solidFill>
-                <a:srgbClr val="1155CC"/>
-              </a:solidFill>
-              <a:latin typeface="Oswald ExtraLight"/>
-              <a:sym typeface="Oswald ExtraLight"/>
-            </a:endParaRPr>
-          </a:p>
-          <a:p>
-            <a:pPr marL="914400" lvl="0" indent="-457200" algn="l" rtl="0">
-              <a:lnSpc>
-                <a:spcPct val="90000"/>
-              </a:lnSpc>
-              <a:spcBef>
-                <a:spcPts val="0"/>
-              </a:spcBef>
-              <a:spcAft>
-                <a:spcPts val="0"/>
-              </a:spcAft>
-              <a:buFont typeface="Arial" panose="020B0604020202020204" pitchFamily="34" charset="0"/>
-              <a:buChar char="•"/>
-            </a:pPr>
-            <a:endParaRPr sz="2800" dirty="0">
-              <a:solidFill>
-                <a:schemeClr val="dk1"/>
-              </a:solidFill>
-              <a:latin typeface="Oswald ExtraLight"/>
-              <a:ea typeface="Oswald ExtraLight"/>
-              <a:cs typeface="Oswald ExtraLight"/>
-              <a:sym typeface="Oswald ExtraLight"/>
-            </a:endParaRPr>
-          </a:p>
-          <a:p>
-            <a:pPr marL="914400" lvl="0" indent="-457200" algn="l" rtl="0">
-              <a:lnSpc>
-                <a:spcPct val="90000"/>
-              </a:lnSpc>
-              <a:spcBef>
-                <a:spcPts val="0"/>
-              </a:spcBef>
-              <a:spcAft>
-                <a:spcPts val="0"/>
-              </a:spcAft>
-              <a:buFont typeface="Arial" panose="020B0604020202020204" pitchFamily="34" charset="0"/>
-              <a:buChar char="•"/>
-            </a:pPr>
-            <a:endParaRPr sz="2800" dirty="0">
-              <a:solidFill>
-                <a:schemeClr val="dk1"/>
-              </a:solidFill>
-              <a:latin typeface="Oswald ExtraLight"/>
-              <a:ea typeface="Oswald ExtraLight"/>
-              <a:cs typeface="Oswald ExtraLight"/>
-              <a:sym typeface="Oswald ExtraLight"/>
-            </a:endParaRPr>
-          </a:p>
-        </p:txBody>
-      </p:sp>
-    </p:spTree>
-  </p:cSld>
-  <p:clrMapOvr>
-    <a:masterClrMapping/>
-  </p:clrMapOvr>
-  <mc:AlternateContent xmlns:mc="http://schemas.openxmlformats.org/markup-compatibility/2006">
-    <mc:Choice xmlns:p14="http://schemas.microsoft.com/office/powerpoint/2010/main" Requires="p14">
-      <p:transition p14:dur="10" advClick="0" advTm="15000"/>
-    </mc:Choice>
-    <mc:Fallback>
-      <p:transition advClick="0" advTm="15000"/>
-    </mc:Fallback>
-  </mc:AlternateContent>
-</p:sld>
-</file>
-
 <file path=ppt/slides/slide32.xml><?xml version="1.0" encoding="utf-8"?>
 <p:sld xmlns:a="http://schemas.openxmlformats.org/drawingml/2006/main" xmlns:r="http://schemas.openxmlformats.org/officeDocument/2006/relationships" xmlns:p="http://schemas.openxmlformats.org/presentationml/2006/main">
   <p:cSld>
@@ -32685,7 +32613,7 @@
                 <a:cs typeface="Oswald Light"/>
                 <a:sym typeface="Oswald Light"/>
               </a:rPr>
-              <a:t>Conclusion</a:t>
+              <a:t>Ethics and Conclusions</a:t>
             </a:r>
             <a:endParaRPr b="0" dirty="0">
               <a:latin typeface="Oswald Light"/>
@@ -32766,8 +32694,8 @@
         </p:nvSpPr>
         <p:spPr>
           <a:xfrm>
-            <a:off x="1277250" y="1977184"/>
-            <a:ext cx="7238100" cy="2586900"/>
+            <a:off x="1030147" y="3240910"/>
+            <a:ext cx="7485203" cy="2480641"/>
           </a:xfrm>
           <a:prstGeom prst="rect">
             <a:avLst/>
@@ -32783,7 +32711,7 @@
           </a:bodyPr>
           <a:lstStyle/>
           <a:p>
-            <a:pPr marL="914400" lvl="0" indent="-457200" algn="l" rtl="0">
+            <a:pPr marL="571500" lvl="0" indent="-457200" algn="l" rtl="0">
               <a:lnSpc>
                 <a:spcPct val="90000"/>
               </a:lnSpc>
@@ -32793,6 +32721,99 @@
               <a:spcAft>
                 <a:spcPts val="0"/>
               </a:spcAft>
+              <a:buClr>
+                <a:schemeClr val="dk1"/>
+              </a:buClr>
+              <a:buSzPts val="1800"/>
+              <a:buFont typeface="Arial" panose="020B0604020202020204" pitchFamily="34" charset="0"/>
+              <a:buChar char="•"/>
+            </a:pPr>
+            <a:r>
+              <a:rPr lang="en-US" sz="2800" dirty="0">
+                <a:solidFill>
+                  <a:srgbClr val="1155CC"/>
+                </a:solidFill>
+                <a:latin typeface="Oswald ExtraLight"/>
+                <a:sym typeface="Oswald ExtraLight"/>
+              </a:rPr>
+              <a:t>Data sources that are </a:t>
+            </a:r>
+            <a:r>
+              <a:rPr lang="en-US" sz="2800" dirty="0">
+                <a:solidFill>
+                  <a:srgbClr val="FF0000"/>
+                </a:solidFill>
+                <a:latin typeface="Oswald ExtraLight"/>
+                <a:sym typeface="Oswald ExtraLight"/>
+              </a:rPr>
+              <a:t>public</a:t>
+            </a:r>
+            <a:r>
+              <a:rPr lang="en-US" sz="2800" dirty="0">
+                <a:solidFill>
+                  <a:srgbClr val="1155CC"/>
+                </a:solidFill>
+                <a:latin typeface="Oswald ExtraLight"/>
+                <a:sym typeface="Oswald ExtraLight"/>
+              </a:rPr>
+              <a:t> and </a:t>
+            </a:r>
+            <a:r>
+              <a:rPr lang="en-US" sz="2800" dirty="0">
+                <a:solidFill>
+                  <a:srgbClr val="FF0000"/>
+                </a:solidFill>
+                <a:latin typeface="Oswald ExtraLight"/>
+                <a:sym typeface="Oswald ExtraLight"/>
+              </a:rPr>
+              <a:t>open</a:t>
+            </a:r>
+            <a:r>
+              <a:rPr lang="en-US" sz="2800" dirty="0">
+                <a:solidFill>
+                  <a:srgbClr val="1155CC"/>
+                </a:solidFill>
+                <a:latin typeface="Oswald ExtraLight"/>
+                <a:sym typeface="Oswald ExtraLight"/>
+              </a:rPr>
+              <a:t> data are used(without needing any </a:t>
+            </a:r>
+            <a:r>
+              <a:rPr lang="en-US" sz="2800" dirty="0">
+                <a:solidFill>
+                  <a:srgbClr val="FF0000"/>
+                </a:solidFill>
+                <a:latin typeface="Oswald ExtraLight"/>
+                <a:sym typeface="Oswald ExtraLight"/>
+              </a:rPr>
+              <a:t>entity’s authentication</a:t>
+            </a:r>
+            <a:r>
+              <a:rPr lang="en-US" sz="2800" dirty="0">
+                <a:solidFill>
+                  <a:srgbClr val="1155CC"/>
+                </a:solidFill>
+                <a:latin typeface="Oswald ExtraLight"/>
+                <a:sym typeface="Oswald ExtraLight"/>
+              </a:rPr>
+              <a:t>)</a:t>
+            </a:r>
+          </a:p>
+          <a:p>
+            <a:pPr marL="571500" lvl="0" indent="-457200" algn="l" rtl="0">
+              <a:lnSpc>
+                <a:spcPct val="90000"/>
+              </a:lnSpc>
+              <a:spcBef>
+                <a:spcPts val="0"/>
+              </a:spcBef>
+              <a:spcAft>
+                <a:spcPts val="0"/>
+              </a:spcAft>
+              <a:buClr>
+                <a:schemeClr val="dk1"/>
+              </a:buClr>
+              <a:buSzPts val="1800"/>
               <a:buFont typeface="Arial" panose="020B0604020202020204" pitchFamily="34" charset="0"/>
               <a:buChar char="•"/>
             </a:pPr>
@@ -32805,16 +32826,73 @@
             </a:endParaRPr>
           </a:p>
           <a:p>
-            <a:pPr marL="571500" lvl="0" indent="-457200" algn="l" rtl="0">
+            <a:pPr marL="571500" lvl="0" indent="-457200">
               <a:lnSpc>
                 <a:spcPct val="90000"/>
               </a:lnSpc>
-              <a:spcBef>
-                <a:spcPts val="0"/>
-              </a:spcBef>
-              <a:spcAft>
-                <a:spcPts val="0"/>
-              </a:spcAft>
+              <a:buClr>
+                <a:schemeClr val="dk1"/>
+              </a:buClr>
+              <a:buSzPts val="1800"/>
+              <a:buFont typeface="Arial" panose="020B0604020202020204" pitchFamily="34" charset="0"/>
+              <a:buChar char="•"/>
+            </a:pPr>
+            <a:r>
+              <a:rPr lang="en-US" sz="2800" dirty="0">
+                <a:solidFill>
+                  <a:srgbClr val="1155CC"/>
+                </a:solidFill>
+                <a:latin typeface="Oswald ExtraLight"/>
+                <a:sym typeface="Oswald ExtraLight"/>
+              </a:rPr>
+              <a:t>At no point, any data that has potential </a:t>
+            </a:r>
+            <a:r>
+              <a:rPr lang="en-US" sz="2800" dirty="0">
+                <a:solidFill>
+                  <a:srgbClr val="FF0000"/>
+                </a:solidFill>
+                <a:latin typeface="Oswald ExtraLight"/>
+                <a:sym typeface="Oswald ExtraLight"/>
+              </a:rPr>
+              <a:t>legal implications</a:t>
+            </a:r>
+            <a:r>
+              <a:rPr lang="en-US" sz="2800" dirty="0">
+                <a:solidFill>
+                  <a:srgbClr val="1155CC"/>
+                </a:solidFill>
+                <a:latin typeface="Oswald ExtraLight"/>
+                <a:sym typeface="Oswald ExtraLight"/>
+              </a:rPr>
+              <a:t> in future has been used</a:t>
+            </a:r>
+          </a:p>
+          <a:p>
+            <a:pPr marL="571500" lvl="0" indent="-457200">
+              <a:lnSpc>
+                <a:spcPct val="90000"/>
+              </a:lnSpc>
+              <a:buClr>
+                <a:schemeClr val="dk1"/>
+              </a:buClr>
+              <a:buSzPts val="1800"/>
+              <a:buFont typeface="Arial" panose="020B0604020202020204" pitchFamily="34" charset="0"/>
+              <a:buChar char="•"/>
+            </a:pPr>
+            <a:endParaRPr lang="en-US" sz="2800" dirty="0">
+              <a:solidFill>
+                <a:srgbClr val="1155CC"/>
+              </a:solidFill>
+              <a:latin typeface="Oswald ExtraLight"/>
+              <a:sym typeface="Oswald ExtraLight"/>
+            </a:endParaRPr>
+          </a:p>
+          <a:p>
+            <a:pPr marL="571500" lvl="0" indent="-457200">
+              <a:lnSpc>
+                <a:spcPct val="90000"/>
+              </a:lnSpc>
               <a:buClr>
                 <a:schemeClr val="dk1"/>
               </a:buClr>
@@ -32874,16 +32952,115 @@
             </a:r>
           </a:p>
           <a:p>
-            <a:pPr marL="571500" lvl="0" indent="-457200" algn="l" rtl="0">
+            <a:pPr marL="571500" lvl="0" indent="-457200">
               <a:lnSpc>
                 <a:spcPct val="90000"/>
               </a:lnSpc>
-              <a:spcBef>
-                <a:spcPts val="0"/>
-              </a:spcBef>
-              <a:spcAft>
-                <a:spcPts val="0"/>
-              </a:spcAft>
+              <a:buClr>
+                <a:schemeClr val="dk1"/>
+              </a:buClr>
+              <a:buSzPts val="1800"/>
+              <a:buFont typeface="Arial" panose="020B0604020202020204" pitchFamily="34" charset="0"/>
+              <a:buChar char="•"/>
+            </a:pPr>
+            <a:endParaRPr lang="en-US" sz="2800" dirty="0">
+              <a:solidFill>
+                <a:srgbClr val="1155CC"/>
+              </a:solidFill>
+              <a:latin typeface="Oswald ExtraLight"/>
+              <a:sym typeface="Oswald ExtraLight"/>
+            </a:endParaRPr>
+          </a:p>
+          <a:p>
+            <a:pPr marL="571500" lvl="0" indent="-457200">
+              <a:lnSpc>
+                <a:spcPct val="90000"/>
+              </a:lnSpc>
+              <a:buClr>
+                <a:schemeClr val="dk1"/>
+              </a:buClr>
+              <a:buSzPts val="1800"/>
+              <a:buFont typeface="Arial" panose="020B0604020202020204" pitchFamily="34" charset="0"/>
+              <a:buChar char="•"/>
+            </a:pPr>
+            <a:r>
+              <a:rPr lang="en-US" sz="2800" dirty="0">
+                <a:solidFill>
+                  <a:srgbClr val="1155CC"/>
+                </a:solidFill>
+                <a:latin typeface="Oswald ExtraLight"/>
+                <a:sym typeface="Oswald ExtraLight"/>
+              </a:rPr>
+              <a:t>Having </a:t>
+            </a:r>
+            <a:r>
+              <a:rPr lang="en-US" sz="2800" dirty="0">
+                <a:solidFill>
+                  <a:srgbClr val="FF0000"/>
+                </a:solidFill>
+                <a:latin typeface="Oswald ExtraLight"/>
+                <a:sym typeface="Oswald ExtraLight"/>
+              </a:rPr>
+              <a:t>Wikipedia presence</a:t>
+            </a:r>
+            <a:r>
+              <a:rPr lang="en-US" sz="2800" dirty="0">
+                <a:solidFill>
+                  <a:srgbClr val="1155CC"/>
+                </a:solidFill>
+                <a:latin typeface="Oswald ExtraLight"/>
+                <a:sym typeface="Oswald ExtraLight"/>
+              </a:rPr>
+              <a:t> also indicates that candidate is </a:t>
+            </a:r>
+            <a:r>
+              <a:rPr lang="en-US" sz="2800" dirty="0">
+                <a:solidFill>
+                  <a:srgbClr val="FF0000"/>
+                </a:solidFill>
+                <a:latin typeface="Oswald ExtraLight"/>
+                <a:sym typeface="Oswald ExtraLight"/>
+              </a:rPr>
+              <a:t>more likely to win </a:t>
+            </a:r>
+            <a:r>
+              <a:rPr lang="en-US" sz="2800" dirty="0">
+                <a:solidFill>
+                  <a:srgbClr val="1155CC"/>
+                </a:solidFill>
+                <a:latin typeface="Oswald ExtraLight"/>
+                <a:sym typeface="Oswald ExtraLight"/>
+              </a:rPr>
+              <a:t>than a candidate that doesn’t have Wikipedia presence</a:t>
+            </a:r>
+          </a:p>
+          <a:p>
+            <a:pPr marL="571500" lvl="0" indent="-457200">
+              <a:lnSpc>
+                <a:spcPct val="90000"/>
+              </a:lnSpc>
+              <a:buClr>
+                <a:schemeClr val="dk1"/>
+              </a:buClr>
+              <a:buSzPts val="1800"/>
+              <a:buFont typeface="Arial" panose="020B0604020202020204" pitchFamily="34" charset="0"/>
+              <a:buChar char="•"/>
+            </a:pPr>
+            <a:endParaRPr lang="en-US" sz="2800" dirty="0">
+              <a:solidFill>
+                <a:schemeClr val="dk1"/>
+              </a:solidFill>
+              <a:latin typeface="Oswald ExtraLight"/>
+              <a:ea typeface="Oswald ExtraLight"/>
+              <a:cs typeface="Oswald ExtraLight"/>
+              <a:sym typeface="Oswald ExtraLight"/>
+            </a:endParaRPr>
+          </a:p>
+          <a:p>
+            <a:pPr marL="571500" lvl="0" indent="-457200">
+              <a:lnSpc>
+                <a:spcPct val="90000"/>
+              </a:lnSpc>
               <a:buClr>
                 <a:schemeClr val="dk1"/>
               </a:buClr>
@@ -32900,7 +33077,7 @@
             </a:endParaRPr>
           </a:p>
           <a:p>
-            <a:pPr marL="571500" lvl="0" indent="-457200" algn="l" rtl="0">
+            <a:pPr marL="914400" lvl="0" indent="-457200" algn="l" rtl="0">
               <a:lnSpc>
                 <a:spcPct val="90000"/>
               </a:lnSpc>
@@ -32910,59 +33087,6 @@
               <a:spcAft>
                 <a:spcPts val="0"/>
               </a:spcAft>
-              <a:buClr>
-                <a:schemeClr val="dk1"/>
-              </a:buClr>
-              <a:buSzPts val="1800"/>
-              <a:buFont typeface="Arial" panose="020B0604020202020204" pitchFamily="34" charset="0"/>
-              <a:buChar char="•"/>
-            </a:pPr>
-            <a:r>
-              <a:rPr lang="en-US" sz="2800" dirty="0">
-                <a:solidFill>
-                  <a:srgbClr val="1155CC"/>
-                </a:solidFill>
-                <a:latin typeface="Oswald ExtraLight"/>
-                <a:sym typeface="Oswald ExtraLight"/>
-              </a:rPr>
-              <a:t>Having </a:t>
-            </a:r>
-            <a:r>
-              <a:rPr lang="en-US" sz="2800" dirty="0">
-                <a:solidFill>
-                  <a:srgbClr val="FF0000"/>
-                </a:solidFill>
-                <a:latin typeface="Oswald ExtraLight"/>
-                <a:sym typeface="Oswald ExtraLight"/>
-              </a:rPr>
-              <a:t>Wikipedia presence</a:t>
-            </a:r>
-            <a:r>
-              <a:rPr lang="en-US" sz="2800" dirty="0">
-                <a:solidFill>
-                  <a:srgbClr val="1155CC"/>
-                </a:solidFill>
-                <a:latin typeface="Oswald ExtraLight"/>
-                <a:sym typeface="Oswald ExtraLight"/>
-              </a:rPr>
-              <a:t> also indicates that candidate is more likely to win than a candidate that doesn’t have Wikipedia presence</a:t>
-            </a:r>
-          </a:p>
-          <a:p>
-            <a:pPr marL="571500" lvl="0" indent="-457200" algn="l" rtl="0">
-              <a:lnSpc>
-                <a:spcPct val="90000"/>
-              </a:lnSpc>
-              <a:spcBef>
-                <a:spcPts val="0"/>
-              </a:spcBef>
-              <a:spcAft>
-                <a:spcPts val="0"/>
-              </a:spcAft>
-              <a:buClr>
-                <a:schemeClr val="dk1"/>
-              </a:buClr>
-              <a:buSzPts val="1800"/>
               <a:buFont typeface="Arial" panose="020B0604020202020204" pitchFamily="34" charset="0"/>
               <a:buChar char="•"/>
             </a:pPr>
@@ -32977,7 +33101,7 @@
             </a:endParaRPr>
           </a:p>
           <a:p>
-            <a:pPr marL="457200" lvl="0" indent="0" algn="l" rtl="0">
+            <a:pPr marL="914400" lvl="0" indent="-457200" algn="l" rtl="0">
               <a:lnSpc>
                 <a:spcPct val="90000"/>
               </a:lnSpc>
@@ -32987,9 +33111,10 @@
               <a:spcAft>
                 <a:spcPts val="0"/>
               </a:spcAft>
-              <a:buNone/>
-            </a:pPr>
-            <a:endParaRPr sz="1800" dirty="0">
+              <a:buFont typeface="Arial" panose="020B0604020202020204" pitchFamily="34" charset="0"/>
+              <a:buChar char="•"/>
+            </a:pPr>
+            <a:endParaRPr sz="2800" dirty="0">
               <a:solidFill>
                 <a:schemeClr val="dk1"/>
               </a:solidFill>
@@ -33002,11 +33127,6 @@
         </p:txBody>
       </p:sp>
     </p:spTree>
-    <p:extLst>
-      <p:ext uri="{BB962C8B-B14F-4D97-AF65-F5344CB8AC3E}">
-        <p14:creationId xmlns:p14="http://schemas.microsoft.com/office/powerpoint/2010/main" val="952153857"/>
-      </p:ext>
-    </p:extLst>
   </p:cSld>
   <p:clrMapOvr>
     <a:masterClrMapping/>
@@ -33173,7 +33293,7 @@
         </p:nvSpPr>
         <p:spPr>
           <a:xfrm>
-            <a:off x="1277250" y="1398450"/>
+            <a:off x="1080480" y="1942460"/>
             <a:ext cx="7238100" cy="2586900"/>
           </a:xfrm>
           <a:prstGeom prst="rect">
@@ -33287,7 +33407,55 @@
                 </a:solidFill>
                 <a:latin typeface="Oswald ExtraLight"/>
               </a:rPr>
-              <a:t>NLP of article content</a:t>
+              <a:t>NLP of article content </a:t>
+            </a:r>
+          </a:p>
+          <a:p>
+            <a:pPr marL="457200" indent="-457200">
+              <a:lnSpc>
+                <a:spcPct val="90000"/>
+              </a:lnSpc>
+              <a:spcBef>
+                <a:spcPct val="30000"/>
+              </a:spcBef>
+              <a:buFont typeface="Arial" panose="020B0604020202020204" pitchFamily="34" charset="0"/>
+              <a:buChar char="•"/>
+            </a:pPr>
+            <a:endParaRPr lang="en-US" altLang="en-US" sz="2800" dirty="0">
+              <a:solidFill>
+                <a:srgbClr val="FF0000"/>
+              </a:solidFill>
+              <a:latin typeface="Oswald ExtraLight"/>
+            </a:endParaRPr>
+          </a:p>
+          <a:p>
+            <a:pPr marL="457200" indent="-457200">
+              <a:lnSpc>
+                <a:spcPct val="90000"/>
+              </a:lnSpc>
+              <a:spcBef>
+                <a:spcPct val="30000"/>
+              </a:spcBef>
+              <a:buFont typeface="Arial" panose="020B0604020202020204" pitchFamily="34" charset="0"/>
+              <a:buChar char="•"/>
+            </a:pPr>
+            <a:r>
+              <a:rPr lang="en-US" altLang="en-US" sz="2800" dirty="0">
+                <a:solidFill>
+                  <a:srgbClr val="1155CC"/>
+                </a:solidFill>
+                <a:latin typeface="Oswald ExtraLight"/>
+              </a:rPr>
+              <a:t>Tweak the model</a:t>
+            </a:r>
+            <a:r>
+              <a:rPr lang="en-US" altLang="en-US" sz="2800" dirty="0">
+                <a:solidFill>
+                  <a:srgbClr val="FF0000"/>
+                </a:solidFill>
+                <a:latin typeface="Oswald ExtraLight"/>
+              </a:rPr>
+              <a:t> for Presidential elections</a:t>
             </a:r>
           </a:p>
           <a:p>
@@ -35296,7 +35464,7 @@
   <p:cSld>
     <p:spTree>
       <p:nvGrpSpPr>
-        <p:cNvPr id="1" name="Shape 124"/>
+        <p:cNvPr id="1" name="Shape 109"/>
         <p:cNvGrpSpPr/>
         <p:nvPr/>
       </p:nvGrpSpPr>
@@ -35310,7 +35478,7 @@
       </p:grpSpPr>
       <p:sp>
         <p:nvSpPr>
-          <p:cNvPr id="125" name="Google Shape;125;p18"/>
+          <p:cNvPr id="110" name="Google Shape;110;p16"/>
           <p:cNvSpPr txBox="1">
             <a:spLocks noGrp="1"/>
           </p:cNvSpPr>
@@ -35321,7 +35489,7 @@
         <p:spPr>
           <a:xfrm>
             <a:off x="628650" y="365126"/>
-            <a:ext cx="7886700" cy="1325563"/>
+            <a:ext cx="7886700" cy="1325700"/>
           </a:xfrm>
           <a:prstGeom prst="rect">
             <a:avLst/>
@@ -35350,31 +35518,337 @@
               <a:buClr>
                 <a:schemeClr val="dk1"/>
               </a:buClr>
-              <a:buSzPts val="4000"/>
+              <a:buSzPts val="1100"/>
               <a:buFont typeface="Arial"/>
               <a:buNone/>
             </a:pPr>
             <a:r>
-              <a:rPr lang="en-US" b="0" dirty="0">
+              <a:rPr lang="en-US" b="0">
+                <a:latin typeface="Oswald Light"/>
+                <a:ea typeface="Oswald Light"/>
+                <a:cs typeface="Oswald Light"/>
+                <a:sym typeface="Oswald Light"/>
+              </a:rPr>
+              <a:t>Data Sources</a:t>
+            </a:r>
+            <a:endParaRPr b="0">
+              <a:latin typeface="Oswald Light"/>
+              <a:ea typeface="Oswald Light"/>
+              <a:cs typeface="Oswald Light"/>
+              <a:sym typeface="Oswald Light"/>
+            </a:endParaRPr>
+          </a:p>
+        </p:txBody>
+      </p:sp>
+      <p:sp>
+        <p:nvSpPr>
+          <p:cNvPr id="111" name="Google Shape;111;p16"/>
+          <p:cNvSpPr txBox="1">
+            <a:spLocks noGrp="1"/>
+          </p:cNvSpPr>
+          <p:nvPr>
+            <p:ph type="body" idx="1"/>
+          </p:nvPr>
+        </p:nvSpPr>
+        <p:spPr>
+          <a:xfrm>
+            <a:off x="628650" y="1690825"/>
+            <a:ext cx="7886700" cy="4351200"/>
+          </a:xfrm>
+          <a:prstGeom prst="rect">
+            <a:avLst/>
+          </a:prstGeom>
+          <a:noFill/>
+          <a:ln>
+            <a:noFill/>
+          </a:ln>
+        </p:spPr>
+        <p:txBody>
+          <a:bodyPr spcFirstLastPara="1" wrap="square" lIns="91425" tIns="45700" rIns="91425" bIns="45700" anchor="t" anchorCtr="0">
+            <a:noAutofit/>
+          </a:bodyPr>
+          <a:lstStyle/>
+          <a:p>
+            <a:pPr marL="228600" marR="0" lvl="0" indent="-25400" algn="ctr" rtl="0">
+              <a:lnSpc>
+                <a:spcPct val="90000"/>
+              </a:lnSpc>
+              <a:spcBef>
+                <a:spcPts val="1000"/>
+              </a:spcBef>
+              <a:spcAft>
+                <a:spcPts val="0"/>
+              </a:spcAft>
+              <a:buClr>
+                <a:schemeClr val="dk1"/>
+              </a:buClr>
+              <a:buSzPts val="1100"/>
+              <a:buFont typeface="Arial"/>
+              <a:buNone/>
+            </a:pPr>
+            <a:r>
+              <a:rPr lang="en-US" sz="3600" dirty="0">
+                <a:solidFill>
+                  <a:srgbClr val="741B47"/>
+                </a:solidFill>
                 <a:latin typeface="Oswald ExtraLight"/>
                 <a:ea typeface="Oswald ExtraLight"/>
                 <a:cs typeface="Oswald ExtraLight"/>
                 <a:sym typeface="Oswald ExtraLight"/>
               </a:rPr>
-              <a:t>Feature Data Exploration</a:t>
+              <a:t>Google Knowledge Graph API </a:t>
             </a:r>
-            <a:endParaRPr b="0" dirty="0">
+            <a:endParaRPr sz="3600" dirty="0">
+              <a:solidFill>
+                <a:srgbClr val="741B47"/>
+              </a:solidFill>
               <a:latin typeface="Oswald ExtraLight"/>
               <a:ea typeface="Oswald ExtraLight"/>
               <a:cs typeface="Oswald ExtraLight"/>
               <a:sym typeface="Oswald ExtraLight"/>
             </a:endParaRPr>
           </a:p>
+          <a:p>
+            <a:pPr marL="228600" marR="0" lvl="0" indent="-25400" algn="ctr" rtl="0">
+              <a:lnSpc>
+                <a:spcPct val="90000"/>
+              </a:lnSpc>
+              <a:spcBef>
+                <a:spcPts val="1000"/>
+              </a:spcBef>
+              <a:spcAft>
+                <a:spcPts val="0"/>
+              </a:spcAft>
+              <a:buClr>
+                <a:schemeClr val="dk1"/>
+              </a:buClr>
+              <a:buSzPts val="1100"/>
+              <a:buFont typeface="Arial"/>
+              <a:buNone/>
+            </a:pPr>
+            <a:r>
+              <a:rPr lang="en-US" sz="3600" dirty="0">
+                <a:solidFill>
+                  <a:srgbClr val="741B47"/>
+                </a:solidFill>
+                <a:latin typeface="Oswald ExtraLight"/>
+                <a:ea typeface="Oswald ExtraLight"/>
+                <a:cs typeface="Oswald ExtraLight"/>
+                <a:sym typeface="Oswald ExtraLight"/>
+              </a:rPr>
+              <a:t>Wikipedia API</a:t>
+            </a:r>
+            <a:endParaRPr sz="3600" dirty="0">
+              <a:solidFill>
+                <a:srgbClr val="741B47"/>
+              </a:solidFill>
+              <a:latin typeface="Oswald ExtraLight"/>
+              <a:ea typeface="Oswald ExtraLight"/>
+              <a:cs typeface="Oswald ExtraLight"/>
+              <a:sym typeface="Oswald ExtraLight"/>
+            </a:endParaRPr>
+          </a:p>
+          <a:p>
+            <a:pPr marL="228600" marR="0" lvl="0" indent="-25400" algn="ctr" rtl="0">
+              <a:lnSpc>
+                <a:spcPct val="90000"/>
+              </a:lnSpc>
+              <a:spcBef>
+                <a:spcPts val="1000"/>
+              </a:spcBef>
+              <a:spcAft>
+                <a:spcPts val="0"/>
+              </a:spcAft>
+              <a:buClr>
+                <a:schemeClr val="dk1"/>
+              </a:buClr>
+              <a:buSzPts val="1100"/>
+              <a:buFont typeface="Arial"/>
+              <a:buNone/>
+            </a:pPr>
+            <a:r>
+              <a:rPr lang="en-US" sz="3600" dirty="0">
+                <a:solidFill>
+                  <a:srgbClr val="741B47"/>
+                </a:solidFill>
+                <a:latin typeface="Oswald ExtraLight"/>
+                <a:ea typeface="Oswald ExtraLight"/>
+                <a:cs typeface="Oswald ExtraLight"/>
+                <a:sym typeface="Oswald ExtraLight"/>
+              </a:rPr>
+              <a:t>News API</a:t>
+            </a:r>
+            <a:endParaRPr sz="3600" dirty="0">
+              <a:solidFill>
+                <a:srgbClr val="741B47"/>
+              </a:solidFill>
+              <a:latin typeface="Oswald ExtraLight"/>
+              <a:ea typeface="Oswald ExtraLight"/>
+              <a:cs typeface="Oswald ExtraLight"/>
+              <a:sym typeface="Oswald ExtraLight"/>
+            </a:endParaRPr>
+          </a:p>
+          <a:p>
+            <a:pPr marL="228600" marR="0" lvl="0" indent="-25400" algn="ctr" rtl="0">
+              <a:lnSpc>
+                <a:spcPct val="90000"/>
+              </a:lnSpc>
+              <a:spcBef>
+                <a:spcPts val="1000"/>
+              </a:spcBef>
+              <a:spcAft>
+                <a:spcPts val="0"/>
+              </a:spcAft>
+              <a:buClr>
+                <a:schemeClr val="dk1"/>
+              </a:buClr>
+              <a:buSzPts val="1100"/>
+              <a:buFont typeface="Arial"/>
+              <a:buNone/>
+            </a:pPr>
+            <a:endParaRPr sz="3600" dirty="0">
+              <a:solidFill>
+                <a:srgbClr val="741B47"/>
+              </a:solidFill>
+              <a:latin typeface="Oswald ExtraLight"/>
+              <a:ea typeface="Oswald ExtraLight"/>
+              <a:cs typeface="Oswald ExtraLight"/>
+              <a:sym typeface="Oswald ExtraLight"/>
+            </a:endParaRPr>
+          </a:p>
+          <a:p>
+            <a:pPr marL="228600" marR="0" lvl="0" indent="-25400" algn="ctr" rtl="0">
+              <a:lnSpc>
+                <a:spcPct val="90000"/>
+              </a:lnSpc>
+              <a:spcBef>
+                <a:spcPts val="1000"/>
+              </a:spcBef>
+              <a:spcAft>
+                <a:spcPts val="0"/>
+              </a:spcAft>
+              <a:buClr>
+                <a:schemeClr val="dk1"/>
+              </a:buClr>
+              <a:buSzPts val="1100"/>
+              <a:buFont typeface="Arial"/>
+              <a:buNone/>
+            </a:pPr>
+            <a:r>
+              <a:rPr lang="en-US" sz="3600" b="1" dirty="0">
+                <a:solidFill>
+                  <a:srgbClr val="741B47"/>
+                </a:solidFill>
+                <a:latin typeface="Oswald"/>
+                <a:ea typeface="Oswald"/>
+                <a:cs typeface="Oswald"/>
+                <a:sym typeface="Oswald"/>
+              </a:rPr>
+              <a:t>Open</a:t>
+            </a:r>
+            <a:r>
+              <a:rPr lang="en-US" sz="3600" dirty="0">
+                <a:solidFill>
+                  <a:srgbClr val="741B47"/>
+                </a:solidFill>
+                <a:latin typeface="Oswald ExtraLight"/>
+                <a:ea typeface="Oswald ExtraLight"/>
+                <a:cs typeface="Oswald ExtraLight"/>
+                <a:sym typeface="Oswald ExtraLight"/>
+              </a:rPr>
+              <a:t> Data + </a:t>
+            </a:r>
+            <a:r>
+              <a:rPr lang="en-US" sz="3600" b="1" dirty="0">
+                <a:solidFill>
+                  <a:srgbClr val="741B47"/>
+                </a:solidFill>
+                <a:latin typeface="Oswald"/>
+                <a:ea typeface="Oswald"/>
+                <a:cs typeface="Oswald"/>
+                <a:sym typeface="Oswald"/>
+              </a:rPr>
+              <a:t>Schematic</a:t>
+            </a:r>
+            <a:r>
+              <a:rPr lang="en-US" sz="3600" dirty="0">
+                <a:solidFill>
+                  <a:srgbClr val="741B47"/>
+                </a:solidFill>
+                <a:latin typeface="Oswald ExtraLight"/>
+                <a:ea typeface="Oswald ExtraLight"/>
+                <a:cs typeface="Oswald ExtraLight"/>
+                <a:sym typeface="Oswald ExtraLight"/>
+              </a:rPr>
+              <a:t> Data + </a:t>
+            </a:r>
+            <a:r>
+              <a:rPr lang="en-US" sz="3600" b="1" dirty="0">
+                <a:solidFill>
+                  <a:srgbClr val="741B47"/>
+                </a:solidFill>
+                <a:latin typeface="Oswald"/>
+                <a:ea typeface="Oswald"/>
+                <a:cs typeface="Oswald"/>
+                <a:sym typeface="Oswald"/>
+              </a:rPr>
+              <a:t>Unstructured</a:t>
+            </a:r>
+            <a:r>
+              <a:rPr lang="en-US" sz="3600" dirty="0">
+                <a:solidFill>
+                  <a:srgbClr val="741B47"/>
+                </a:solidFill>
+                <a:latin typeface="Oswald ExtraLight"/>
+                <a:ea typeface="Oswald ExtraLight"/>
+                <a:cs typeface="Oswald ExtraLight"/>
+                <a:sym typeface="Oswald ExtraLight"/>
+              </a:rPr>
+              <a:t> Data</a:t>
+            </a:r>
+            <a:endParaRPr sz="3600" dirty="0">
+              <a:solidFill>
+                <a:srgbClr val="741B47"/>
+              </a:solidFill>
+              <a:latin typeface="Oswald ExtraLight"/>
+              <a:ea typeface="Oswald ExtraLight"/>
+              <a:cs typeface="Oswald ExtraLight"/>
+              <a:sym typeface="Oswald ExtraLight"/>
+            </a:endParaRPr>
+          </a:p>
+          <a:p>
+            <a:pPr marL="228600" marR="0" lvl="0" indent="-25400" algn="ctr" rtl="0">
+              <a:lnSpc>
+                <a:spcPct val="90000"/>
+              </a:lnSpc>
+              <a:spcBef>
+                <a:spcPts val="1000"/>
+              </a:spcBef>
+              <a:spcAft>
+                <a:spcPts val="0"/>
+              </a:spcAft>
+              <a:buClr>
+                <a:schemeClr val="dk1"/>
+              </a:buClr>
+              <a:buSzPts val="3200"/>
+              <a:buFont typeface="Arial"/>
+              <a:buNone/>
+            </a:pPr>
+            <a:endParaRPr sz="3600" dirty="0">
+              <a:solidFill>
+                <a:srgbClr val="741B47"/>
+              </a:solidFill>
+              <a:latin typeface="Oswald ExtraLight"/>
+              <a:ea typeface="Oswald ExtraLight"/>
+              <a:cs typeface="Oswald ExtraLight"/>
+              <a:sym typeface="Oswald ExtraLight"/>
+            </a:endParaRPr>
+          </a:p>
         </p:txBody>
       </p:sp>
       <p:sp>
         <p:nvSpPr>
-          <p:cNvPr id="126" name="Google Shape;126;p18"/>
+          <p:cNvPr id="112" name="Google Shape;112;p16"/>
           <p:cNvSpPr txBox="1">
             <a:spLocks noGrp="1"/>
           </p:cNvSpPr>
@@ -35385,7 +35859,7 @@
         <p:spPr>
           <a:xfrm>
             <a:off x="6457950" y="6356351"/>
-            <a:ext cx="2057400" cy="365125"/>
+            <a:ext cx="2057400" cy="365100"/>
           </a:xfrm>
           <a:prstGeom prst="rect">
             <a:avLst/>
@@ -35411,145 +35885,33 @@
               <a:buNone/>
             </a:pPr>
             <a:fld id="{00000000-1234-1234-1234-123412341234}" type="slidenum">
-              <a:rPr lang="en-US" sz="1200" b="0" i="0" u="none" strike="noStrike" cap="none">
+              <a:rPr lang="en-US" i="0" u="none" strike="noStrike" cap="none">
                 <a:solidFill>
                   <a:srgbClr val="002060"/>
                 </a:solidFill>
-                <a:latin typeface="Calibri"/>
-                <a:ea typeface="Calibri"/>
-                <a:cs typeface="Calibri"/>
-                <a:sym typeface="Calibri"/>
+                <a:latin typeface="Calibri" panose="020F0502020204030204" pitchFamily="34" charset="0"/>
+                <a:ea typeface="Oswald ExtraLight"/>
+                <a:cs typeface="Calibri" panose="020F0502020204030204" pitchFamily="34" charset="0"/>
+                <a:sym typeface="Oswald ExtraLight"/>
               </a:rPr>
               <a:t>9</a:t>
             </a:fld>
-            <a:endParaRPr sz="1200" b="0" i="0" u="none" strike="noStrike" cap="none" dirty="0">
+            <a:endParaRPr i="0" u="none" strike="noStrike" cap="none" dirty="0">
               <a:solidFill>
                 <a:srgbClr val="002060"/>
               </a:solidFill>
-              <a:latin typeface="Calibri"/>
-              <a:ea typeface="Calibri"/>
-              <a:cs typeface="Calibri"/>
-              <a:sym typeface="Calibri"/>
+              <a:latin typeface="Calibri" panose="020F0502020204030204" pitchFamily="34" charset="0"/>
+              <a:ea typeface="Oswald ExtraLight"/>
+              <a:cs typeface="Calibri" panose="020F0502020204030204" pitchFamily="34" charset="0"/>
+              <a:sym typeface="Oswald ExtraLight"/>
             </a:endParaRPr>
           </a:p>
         </p:txBody>
       </p:sp>
-      <p:pic>
-        <p:nvPicPr>
-          <p:cNvPr id="127" name="Google Shape;127;p18"/>
-          <p:cNvPicPr preferRelativeResize="0"/>
-          <p:nvPr/>
-        </p:nvPicPr>
-        <p:blipFill>
-          <a:blip r:embed="rId3">
-            <a:alphaModFix/>
-          </a:blip>
-          <a:stretch>
-            <a:fillRect/>
-          </a:stretch>
-        </p:blipFill>
-        <p:spPr>
-          <a:xfrm>
-            <a:off x="1321925" y="1464618"/>
-            <a:ext cx="2939503" cy="2286987"/>
-          </a:xfrm>
-          <a:prstGeom prst="rect">
-            <a:avLst/>
-          </a:prstGeom>
-          <a:noFill/>
-          <a:ln>
-            <a:noFill/>
-          </a:ln>
-        </p:spPr>
-      </p:pic>
-      <p:pic>
-        <p:nvPicPr>
-          <p:cNvPr id="128" name="Google Shape;128;p18"/>
-          <p:cNvPicPr preferRelativeResize="0"/>
-          <p:nvPr/>
-        </p:nvPicPr>
-        <p:blipFill>
-          <a:blip r:embed="rId4">
-            <a:alphaModFix/>
-          </a:blip>
-          <a:stretch>
-            <a:fillRect/>
-          </a:stretch>
-        </p:blipFill>
-        <p:spPr>
-          <a:xfrm>
-            <a:off x="4881925" y="1464625"/>
-            <a:ext cx="2815239" cy="2190278"/>
-          </a:xfrm>
-          <a:prstGeom prst="rect">
-            <a:avLst/>
-          </a:prstGeom>
-          <a:noFill/>
-          <a:ln>
-            <a:noFill/>
-          </a:ln>
-        </p:spPr>
-      </p:pic>
-      <p:pic>
-        <p:nvPicPr>
-          <p:cNvPr id="129" name="Google Shape;129;p18"/>
-          <p:cNvPicPr preferRelativeResize="0"/>
-          <p:nvPr/>
-        </p:nvPicPr>
-        <p:blipFill>
-          <a:blip r:embed="rId5">
-            <a:alphaModFix/>
-          </a:blip>
-          <a:stretch>
-            <a:fillRect/>
-          </a:stretch>
-        </p:blipFill>
-        <p:spPr>
-          <a:xfrm>
-            <a:off x="1321926" y="4021272"/>
-            <a:ext cx="2815240" cy="2229059"/>
-          </a:xfrm>
-          <a:prstGeom prst="rect">
-            <a:avLst/>
-          </a:prstGeom>
-          <a:noFill/>
-          <a:ln>
-            <a:noFill/>
-          </a:ln>
-        </p:spPr>
-      </p:pic>
-      <p:pic>
-        <p:nvPicPr>
-          <p:cNvPr id="130" name="Google Shape;130;p18"/>
-          <p:cNvPicPr preferRelativeResize="0"/>
-          <p:nvPr/>
-        </p:nvPicPr>
-        <p:blipFill>
-          <a:blip r:embed="rId6">
-            <a:alphaModFix/>
-          </a:blip>
-          <a:stretch>
-            <a:fillRect/>
-          </a:stretch>
-        </p:blipFill>
-        <p:spPr>
-          <a:xfrm>
-            <a:off x="4881926" y="4021248"/>
-            <a:ext cx="2815240" cy="2229082"/>
-          </a:xfrm>
-          <a:prstGeom prst="rect">
-            <a:avLst/>
-          </a:prstGeom>
-          <a:noFill/>
-          <a:ln>
-            <a:noFill/>
-          </a:ln>
-        </p:spPr>
-      </p:pic>
     </p:spTree>
     <p:extLst>
       <p:ext uri="{BB962C8B-B14F-4D97-AF65-F5344CB8AC3E}">
-        <p14:creationId xmlns:p14="http://schemas.microsoft.com/office/powerpoint/2010/main" val="1582688869"/>
+        <p14:creationId xmlns:p14="http://schemas.microsoft.com/office/powerpoint/2010/main" val="2392960111"/>
       </p:ext>
     </p:extLst>
   </p:cSld>
